--- a/docs/diagrams/SortSequenceDiagram.pptx
+++ b/docs/diagrams/SortSequenceDiagram.pptx
@@ -209,7 +209,7 @@
           <a:p>
             <a:fld id="{F5CC4B3F-88C1-4FFA-B1B6-F41C21DC6924}" type="datetimeFigureOut">
               <a:rPr lang="en-US" smtClean="0"/>
-              <a:t>4/2/2019</a:t>
+              <a:t>4/12/2019</a:t>
             </a:fld>
             <a:endParaRPr lang="en-US"/>
           </a:p>
@@ -827,7 +827,7 @@
           <a:p>
             <a:fld id="{78C97017-6FC3-485B-9764-EAC9E56C1D49}" type="datetimeFigureOut">
               <a:rPr lang="en-US" smtClean="0"/>
-              <a:t>4/2/2019</a:t>
+              <a:t>4/12/2019</a:t>
             </a:fld>
             <a:endParaRPr lang="en-US"/>
           </a:p>
@@ -995,7 +995,7 @@
           <a:p>
             <a:fld id="{78C97017-6FC3-485B-9764-EAC9E56C1D49}" type="datetimeFigureOut">
               <a:rPr lang="en-US" smtClean="0"/>
-              <a:t>4/2/2019</a:t>
+              <a:t>4/12/2019</a:t>
             </a:fld>
             <a:endParaRPr lang="en-US"/>
           </a:p>
@@ -1173,7 +1173,7 @@
           <a:p>
             <a:fld id="{78C97017-6FC3-485B-9764-EAC9E56C1D49}" type="datetimeFigureOut">
               <a:rPr lang="en-US" smtClean="0"/>
-              <a:t>4/2/2019</a:t>
+              <a:t>4/12/2019</a:t>
             </a:fld>
             <a:endParaRPr lang="en-US"/>
           </a:p>
@@ -1341,7 +1341,7 @@
           <a:p>
             <a:fld id="{78C97017-6FC3-485B-9764-EAC9E56C1D49}" type="datetimeFigureOut">
               <a:rPr lang="en-US" smtClean="0"/>
-              <a:t>4/2/2019</a:t>
+              <a:t>4/12/2019</a:t>
             </a:fld>
             <a:endParaRPr lang="en-US"/>
           </a:p>
@@ -1586,7 +1586,7 @@
           <a:p>
             <a:fld id="{78C97017-6FC3-485B-9764-EAC9E56C1D49}" type="datetimeFigureOut">
               <a:rPr lang="en-US" smtClean="0"/>
-              <a:t>4/2/2019</a:t>
+              <a:t>4/12/2019</a:t>
             </a:fld>
             <a:endParaRPr lang="en-US"/>
           </a:p>
@@ -1871,7 +1871,7 @@
           <a:p>
             <a:fld id="{78C97017-6FC3-485B-9764-EAC9E56C1D49}" type="datetimeFigureOut">
               <a:rPr lang="en-US" smtClean="0"/>
-              <a:t>4/2/2019</a:t>
+              <a:t>4/12/2019</a:t>
             </a:fld>
             <a:endParaRPr lang="en-US"/>
           </a:p>
@@ -2290,7 +2290,7 @@
           <a:p>
             <a:fld id="{78C97017-6FC3-485B-9764-EAC9E56C1D49}" type="datetimeFigureOut">
               <a:rPr lang="en-US" smtClean="0"/>
-              <a:t>4/2/2019</a:t>
+              <a:t>4/12/2019</a:t>
             </a:fld>
             <a:endParaRPr lang="en-US"/>
           </a:p>
@@ -2407,7 +2407,7 @@
           <a:p>
             <a:fld id="{78C97017-6FC3-485B-9764-EAC9E56C1D49}" type="datetimeFigureOut">
               <a:rPr lang="en-US" smtClean="0"/>
-              <a:t>4/2/2019</a:t>
+              <a:t>4/12/2019</a:t>
             </a:fld>
             <a:endParaRPr lang="en-US"/>
           </a:p>
@@ -2502,7 +2502,7 @@
           <a:p>
             <a:fld id="{78C97017-6FC3-485B-9764-EAC9E56C1D49}" type="datetimeFigureOut">
               <a:rPr lang="en-US" smtClean="0"/>
-              <a:t>4/2/2019</a:t>
+              <a:t>4/12/2019</a:t>
             </a:fld>
             <a:endParaRPr lang="en-US"/>
           </a:p>
@@ -2777,7 +2777,7 @@
           <a:p>
             <a:fld id="{78C97017-6FC3-485B-9764-EAC9E56C1D49}" type="datetimeFigureOut">
               <a:rPr lang="en-US" smtClean="0"/>
-              <a:t>4/2/2019</a:t>
+              <a:t>4/12/2019</a:t>
             </a:fld>
             <a:endParaRPr lang="en-US"/>
           </a:p>
@@ -3029,7 +3029,7 @@
           <a:p>
             <a:fld id="{78C97017-6FC3-485B-9764-EAC9E56C1D49}" type="datetimeFigureOut">
               <a:rPr lang="en-US" smtClean="0"/>
-              <a:t>4/2/2019</a:t>
+              <a:t>4/12/2019</a:t>
             </a:fld>
             <a:endParaRPr lang="en-US"/>
           </a:p>
@@ -3240,7 +3240,7 @@
           <a:p>
             <a:fld id="{78C97017-6FC3-485B-9764-EAC9E56C1D49}" type="datetimeFigureOut">
               <a:rPr lang="en-US" smtClean="0"/>
-              <a:t>4/2/2019</a:t>
+              <a:t>4/12/2019</a:t>
             </a:fld>
             <a:endParaRPr lang="en-US"/>
           </a:p>
@@ -3623,7 +3623,7 @@
         </p:nvSpPr>
         <p:spPr>
           <a:xfrm>
-            <a:off x="-1016554" y="-80822"/>
+            <a:off x="-1016554" y="-131622"/>
             <a:ext cx="11760754" cy="6512102"/>
           </a:xfrm>
           <a:prstGeom prst="roundRect">
@@ -3843,8 +3843,8 @@
         </p:nvCxnSpPr>
         <p:spPr>
           <a:xfrm>
-            <a:off x="506059" y="907617"/>
-            <a:ext cx="0" cy="3481399"/>
+            <a:off x="506059" y="958417"/>
+            <a:ext cx="0" cy="5001770"/>
           </a:xfrm>
           <a:prstGeom prst="line">
             <a:avLst/>
@@ -6210,6 +6210,51 @@
           </a:effectRef>
           <a:fontRef idx="minor">
             <a:schemeClr val="tx1"/>
+          </a:fontRef>
+        </p:style>
+      </p:cxnSp>
+      <p:cxnSp>
+        <p:nvCxnSpPr>
+          <p:cNvPr id="56" name="Straight Connector 55">
+            <a:extLst>
+              <a:ext uri="{FF2B5EF4-FFF2-40B4-BE49-F238E27FC236}">
+                <a16:creationId xmlns:a16="http://schemas.microsoft.com/office/drawing/2014/main" id="{58AB98D6-4D64-4F3B-8666-A307A135B841}"/>
+              </a:ext>
+            </a:extLst>
+          </p:cNvPr>
+          <p:cNvCxnSpPr>
+            <a:cxnSpLocks/>
+          </p:cNvCxnSpPr>
+          <p:nvPr/>
+        </p:nvCxnSpPr>
+        <p:spPr>
+          <a:xfrm>
+            <a:off x="8728264" y="4682766"/>
+            <a:ext cx="0" cy="1041764"/>
+          </a:xfrm>
+          <a:prstGeom prst="line">
+            <a:avLst/>
+          </a:prstGeom>
+          <a:ln w="19050">
+            <a:solidFill>
+              <a:srgbClr val="0070C0"/>
+            </a:solidFill>
+            <a:prstDash val="sysDash"/>
+          </a:ln>
+          <a:effectLst/>
+        </p:spPr>
+        <p:style>
+          <a:lnRef idx="1">
+            <a:schemeClr val="accent1"/>
+          </a:lnRef>
+          <a:fillRef idx="2">
+            <a:schemeClr val="accent1"/>
+          </a:fillRef>
+          <a:effectRef idx="1">
+            <a:schemeClr val="accent1"/>
+          </a:effectRef>
+          <a:fontRef idx="minor">
+            <a:schemeClr val="dk1"/>
           </a:fontRef>
         </p:style>
       </p:cxnSp>

--- a/docs/diagrams/SortSequenceDiagram.pptx
+++ b/docs/diagrams/SortSequenceDiagram.pptx
@@ -208,7 +208,7 @@
           <a:p>
             <a:fld id="{F5CC4B3F-88C1-4FFA-B1B6-F41C21DC6924}" type="datetimeFigureOut">
               <a:rPr lang="en-US" smtClean="0"/>
-              <a:t>4/5/19</a:t>
+              <a:t>4/15/19</a:t>
             </a:fld>
             <a:endParaRPr lang="en-US"/>
           </a:p>
@@ -654,7 +654,7 @@
           <a:p>
             <a:fld id="{78C97017-6FC3-485B-9764-EAC9E56C1D49}" type="datetimeFigureOut">
               <a:rPr lang="en-US" smtClean="0"/>
-              <a:t>4/5/19</a:t>
+              <a:t>4/15/19</a:t>
             </a:fld>
             <a:endParaRPr lang="en-US"/>
           </a:p>
@@ -822,7 +822,7 @@
           <a:p>
             <a:fld id="{78C97017-6FC3-485B-9764-EAC9E56C1D49}" type="datetimeFigureOut">
               <a:rPr lang="en-US" smtClean="0"/>
-              <a:t>4/5/19</a:t>
+              <a:t>4/15/19</a:t>
             </a:fld>
             <a:endParaRPr lang="en-US"/>
           </a:p>
@@ -1000,7 +1000,7 @@
           <a:p>
             <a:fld id="{78C97017-6FC3-485B-9764-EAC9E56C1D49}" type="datetimeFigureOut">
               <a:rPr lang="en-US" smtClean="0"/>
-              <a:t>4/5/19</a:t>
+              <a:t>4/15/19</a:t>
             </a:fld>
             <a:endParaRPr lang="en-US"/>
           </a:p>
@@ -1168,7 +1168,7 @@
           <a:p>
             <a:fld id="{78C97017-6FC3-485B-9764-EAC9E56C1D49}" type="datetimeFigureOut">
               <a:rPr lang="en-US" smtClean="0"/>
-              <a:t>4/5/19</a:t>
+              <a:t>4/15/19</a:t>
             </a:fld>
             <a:endParaRPr lang="en-US"/>
           </a:p>
@@ -1413,7 +1413,7 @@
           <a:p>
             <a:fld id="{78C97017-6FC3-485B-9764-EAC9E56C1D49}" type="datetimeFigureOut">
               <a:rPr lang="en-US" smtClean="0"/>
-              <a:t>4/5/19</a:t>
+              <a:t>4/15/19</a:t>
             </a:fld>
             <a:endParaRPr lang="en-US"/>
           </a:p>
@@ -1698,7 +1698,7 @@
           <a:p>
             <a:fld id="{78C97017-6FC3-485B-9764-EAC9E56C1D49}" type="datetimeFigureOut">
               <a:rPr lang="en-US" smtClean="0"/>
-              <a:t>4/5/19</a:t>
+              <a:t>4/15/19</a:t>
             </a:fld>
             <a:endParaRPr lang="en-US"/>
           </a:p>
@@ -2117,7 +2117,7 @@
           <a:p>
             <a:fld id="{78C97017-6FC3-485B-9764-EAC9E56C1D49}" type="datetimeFigureOut">
               <a:rPr lang="en-US" smtClean="0"/>
-              <a:t>4/5/19</a:t>
+              <a:t>4/15/19</a:t>
             </a:fld>
             <a:endParaRPr lang="en-US"/>
           </a:p>
@@ -2234,7 +2234,7 @@
           <a:p>
             <a:fld id="{78C97017-6FC3-485B-9764-EAC9E56C1D49}" type="datetimeFigureOut">
               <a:rPr lang="en-US" smtClean="0"/>
-              <a:t>4/5/19</a:t>
+              <a:t>4/15/19</a:t>
             </a:fld>
             <a:endParaRPr lang="en-US"/>
           </a:p>
@@ -2329,7 +2329,7 @@
           <a:p>
             <a:fld id="{78C97017-6FC3-485B-9764-EAC9E56C1D49}" type="datetimeFigureOut">
               <a:rPr lang="en-US" smtClean="0"/>
-              <a:t>4/5/19</a:t>
+              <a:t>4/15/19</a:t>
             </a:fld>
             <a:endParaRPr lang="en-US"/>
           </a:p>
@@ -2604,7 +2604,7 @@
           <a:p>
             <a:fld id="{78C97017-6FC3-485B-9764-EAC9E56C1D49}" type="datetimeFigureOut">
               <a:rPr lang="en-US" smtClean="0"/>
-              <a:t>4/5/19</a:t>
+              <a:t>4/15/19</a:t>
             </a:fld>
             <a:endParaRPr lang="en-US"/>
           </a:p>
@@ -2856,7 +2856,7 @@
           <a:p>
             <a:fld id="{78C97017-6FC3-485B-9764-EAC9E56C1D49}" type="datetimeFigureOut">
               <a:rPr lang="en-US" smtClean="0"/>
-              <a:t>4/5/19</a:t>
+              <a:t>4/15/19</a:t>
             </a:fld>
             <a:endParaRPr lang="en-US"/>
           </a:p>
@@ -3067,7 +3067,7 @@
           <a:p>
             <a:fld id="{78C97017-6FC3-485B-9764-EAC9E56C1D49}" type="datetimeFigureOut">
               <a:rPr lang="en-US" smtClean="0"/>
-              <a:t>4/5/19</a:t>
+              <a:t>4/15/19</a:t>
             </a:fld>
             <a:endParaRPr lang="en-US"/>
           </a:p>
@@ -3444,14 +3444,20 @@
       </p:grpSpPr>
       <p:sp>
         <p:nvSpPr>
-          <p:cNvPr id="56" name="Rectangle 65"/>
+          <p:cNvPr id="47" name="Rectangle 65">
+            <a:extLst>
+              <a:ext uri="{FF2B5EF4-FFF2-40B4-BE49-F238E27FC236}">
+                <a16:creationId xmlns:a16="http://schemas.microsoft.com/office/drawing/2014/main" id="{9F904EFD-BBCD-5E44-9493-0E174D6CF60A}"/>
+              </a:ext>
+            </a:extLst>
+          </p:cNvPr>
           <p:cNvSpPr/>
           <p:nvPr/>
         </p:nvSpPr>
         <p:spPr>
           <a:xfrm>
-            <a:off x="5181600" y="533399"/>
-            <a:ext cx="1644131" cy="4356803"/>
+            <a:off x="8839200" y="-141126"/>
+            <a:ext cx="2362480" cy="7599506"/>
           </a:xfrm>
           <a:prstGeom prst="roundRect">
             <a:avLst>
@@ -3488,14 +3494,14 @@
           <a:lstStyle/>
           <a:p>
             <a:r>
-              <a:rPr lang="en-US" sz="1200" b="1" dirty="0">
+              <a:rPr lang="en-US" sz="1100" b="1" dirty="0">
                 <a:solidFill>
                   <a:srgbClr val="7030A0"/>
                 </a:solidFill>
               </a:rPr>
               <a:t>Model</a:t>
             </a:r>
-            <a:endParaRPr lang="en-SG" sz="1200" b="1" dirty="0">
+            <a:endParaRPr lang="en-SG" sz="1100" b="1" dirty="0">
               <a:solidFill>
                 <a:srgbClr val="7030A0"/>
               </a:solidFill>
@@ -3503,16 +3509,120 @@
           </a:p>
         </p:txBody>
       </p:sp>
-      <p:sp>
-        <p:nvSpPr>
-          <p:cNvPr id="81" name="Rectangle 65"/>
+      <p:cxnSp>
+        <p:nvCxnSpPr>
+          <p:cNvPr id="262" name="Straight Connector 261">
+            <a:extLst>
+              <a:ext uri="{FF2B5EF4-FFF2-40B4-BE49-F238E27FC236}">
+                <a16:creationId xmlns:a16="http://schemas.microsoft.com/office/drawing/2014/main" id="{849AEAE4-A9F5-B94D-BC40-5765DE5C1081}"/>
+              </a:ext>
+            </a:extLst>
+          </p:cNvPr>
+          <p:cNvCxnSpPr>
+            <a:cxnSpLocks/>
+          </p:cNvCxnSpPr>
+          <p:nvPr/>
+        </p:nvCxnSpPr>
+        <p:spPr>
+          <a:xfrm>
+            <a:off x="10466869" y="6339390"/>
+            <a:ext cx="0" cy="642126"/>
+          </a:xfrm>
+          <a:prstGeom prst="line">
+            <a:avLst/>
+          </a:prstGeom>
+          <a:ln w="19050">
+            <a:solidFill>
+              <a:srgbClr val="7030A0"/>
+            </a:solidFill>
+            <a:prstDash val="sysDash"/>
+          </a:ln>
+          <a:effectLst/>
+        </p:spPr>
+        <p:style>
+          <a:lnRef idx="1">
+            <a:schemeClr val="accent1"/>
+          </a:lnRef>
+          <a:fillRef idx="2">
+            <a:schemeClr val="accent1"/>
+          </a:fillRef>
+          <a:effectRef idx="1">
+            <a:schemeClr val="accent1"/>
+          </a:effectRef>
+          <a:fontRef idx="minor">
+            <a:schemeClr val="dk1"/>
+          </a:fontRef>
+        </p:style>
+      </p:cxnSp>
+      <p:sp>
+        <p:nvSpPr>
+          <p:cNvPr id="263" name="Rectangle 262">
+            <a:extLst>
+              <a:ext uri="{FF2B5EF4-FFF2-40B4-BE49-F238E27FC236}">
+                <a16:creationId xmlns:a16="http://schemas.microsoft.com/office/drawing/2014/main" id="{4680C1C6-4541-C04A-8165-0418C9BB36FB}"/>
+              </a:ext>
+            </a:extLst>
+          </p:cNvPr>
           <p:cNvSpPr/>
           <p:nvPr/>
         </p:nvSpPr>
         <p:spPr>
           <a:xfrm>
-            <a:off x="-762000" y="533400"/>
-            <a:ext cx="5863964" cy="4343400"/>
+            <a:off x="10392726" y="6553382"/>
+            <a:ext cx="148287" cy="250677"/>
+          </a:xfrm>
+          <a:prstGeom prst="rect">
+            <a:avLst/>
+          </a:prstGeom>
+          <a:solidFill>
+            <a:srgbClr val="7030A0"/>
+          </a:solidFill>
+          <a:ln>
+            <a:solidFill>
+              <a:srgbClr val="7030A0"/>
+            </a:solidFill>
+          </a:ln>
+          <a:effectLst/>
+        </p:spPr>
+        <p:style>
+          <a:lnRef idx="1">
+            <a:schemeClr val="accent3"/>
+          </a:lnRef>
+          <a:fillRef idx="2">
+            <a:schemeClr val="accent3"/>
+          </a:fillRef>
+          <a:effectRef idx="1">
+            <a:schemeClr val="accent3"/>
+          </a:effectRef>
+          <a:fontRef idx="minor">
+            <a:schemeClr val="dk1"/>
+          </a:fontRef>
+        </p:style>
+        <p:txBody>
+          <a:bodyPr rtlCol="0" anchor="ctr"/>
+          <a:lstStyle/>
+          <a:p>
+            <a:pPr algn="ctr"/>
+            <a:endParaRPr lang="en-SG" sz="1200"/>
+          </a:p>
+        </p:txBody>
+      </p:sp>
+      <p:sp>
+        <p:nvSpPr>
+          <p:cNvPr id="48" name="Rectangle 65">
+            <a:extLst>
+              <a:ext uri="{FF2B5EF4-FFF2-40B4-BE49-F238E27FC236}">
+                <a16:creationId xmlns:a16="http://schemas.microsoft.com/office/drawing/2014/main" id="{36C641B2-343E-AF48-85B2-27CFD0DCF30E}"/>
+              </a:ext>
+            </a:extLst>
+          </p:cNvPr>
+          <p:cNvSpPr/>
+          <p:nvPr/>
+        </p:nvSpPr>
+        <p:spPr>
+          <a:xfrm>
+            <a:off x="-795864" y="-141127"/>
+            <a:ext cx="9568958" cy="7599507"/>
           </a:xfrm>
           <a:prstGeom prst="roundRect">
             <a:avLst>
@@ -3549,14 +3659,14 @@
           <a:lstStyle/>
           <a:p>
             <a:r>
-              <a:rPr lang="en-US" sz="1200" b="1" dirty="0">
+              <a:rPr lang="en-US" sz="1100" b="1" dirty="0">
                 <a:solidFill>
                   <a:srgbClr val="0070C0"/>
                 </a:solidFill>
               </a:rPr>
               <a:t>Logic</a:t>
             </a:r>
-            <a:endParaRPr lang="en-SG" sz="1200" b="1" dirty="0">
+            <a:endParaRPr lang="en-SG" sz="1100" b="1" dirty="0">
               <a:solidFill>
                 <a:srgbClr val="0070C0"/>
               </a:solidFill>
@@ -3564,16 +3674,120 @@
           </a:p>
         </p:txBody>
       </p:sp>
-      <p:sp>
-        <p:nvSpPr>
-          <p:cNvPr id="2" name="Rectangle 62"/>
+      <p:cxnSp>
+        <p:nvCxnSpPr>
+          <p:cNvPr id="57" name="Straight Connector 56">
+            <a:extLst>
+              <a:ext uri="{FF2B5EF4-FFF2-40B4-BE49-F238E27FC236}">
+                <a16:creationId xmlns:a16="http://schemas.microsoft.com/office/drawing/2014/main" id="{01B68427-5D9E-3045-8284-45578999878E}"/>
+              </a:ext>
+            </a:extLst>
+          </p:cNvPr>
+          <p:cNvCxnSpPr>
+            <a:cxnSpLocks/>
+          </p:cNvCxnSpPr>
+          <p:nvPr/>
+        </p:nvCxnSpPr>
+        <p:spPr>
+          <a:xfrm>
+            <a:off x="612740" y="120680"/>
+            <a:ext cx="1440" cy="7223404"/>
+          </a:xfrm>
+          <a:prstGeom prst="line">
+            <a:avLst/>
+          </a:prstGeom>
+          <a:ln w="19050">
+            <a:solidFill>
+              <a:srgbClr val="0070C0"/>
+            </a:solidFill>
+            <a:prstDash val="sysDash"/>
+          </a:ln>
+          <a:effectLst/>
+        </p:spPr>
+        <p:style>
+          <a:lnRef idx="1">
+            <a:schemeClr val="accent1"/>
+          </a:lnRef>
+          <a:fillRef idx="2">
+            <a:schemeClr val="accent1"/>
+          </a:fillRef>
+          <a:effectRef idx="1">
+            <a:schemeClr val="accent1"/>
+          </a:effectRef>
+          <a:fontRef idx="minor">
+            <a:schemeClr val="dk1"/>
+          </a:fontRef>
+        </p:style>
+      </p:cxnSp>
+      <p:sp>
+        <p:nvSpPr>
+          <p:cNvPr id="58" name="Rectangle 57">
+            <a:extLst>
+              <a:ext uri="{FF2B5EF4-FFF2-40B4-BE49-F238E27FC236}">
+                <a16:creationId xmlns:a16="http://schemas.microsoft.com/office/drawing/2014/main" id="{AF1004A2-E89D-3642-81B4-7ECB63E1679A}"/>
+              </a:ext>
+            </a:extLst>
+          </p:cNvPr>
           <p:cNvSpPr/>
           <p:nvPr/>
         </p:nvSpPr>
         <p:spPr>
           <a:xfrm>
-            <a:off x="-91631" y="958357"/>
-            <a:ext cx="1455629" cy="346760"/>
+            <a:off x="533650" y="584068"/>
+            <a:ext cx="170508" cy="6616204"/>
+          </a:xfrm>
+          <a:prstGeom prst="rect">
+            <a:avLst/>
+          </a:prstGeom>
+          <a:solidFill>
+            <a:srgbClr val="0070C0"/>
+          </a:solidFill>
+          <a:ln>
+            <a:solidFill>
+              <a:srgbClr val="0070C0"/>
+            </a:solidFill>
+          </a:ln>
+          <a:effectLst/>
+        </p:spPr>
+        <p:style>
+          <a:lnRef idx="1">
+            <a:schemeClr val="accent3"/>
+          </a:lnRef>
+          <a:fillRef idx="2">
+            <a:schemeClr val="accent3"/>
+          </a:fillRef>
+          <a:effectRef idx="1">
+            <a:schemeClr val="accent3"/>
+          </a:effectRef>
+          <a:fontRef idx="minor">
+            <a:schemeClr val="dk1"/>
+          </a:fontRef>
+        </p:style>
+        <p:txBody>
+          <a:bodyPr rtlCol="0" anchor="ctr"/>
+          <a:lstStyle/>
+          <a:p>
+            <a:pPr algn="ctr"/>
+            <a:endParaRPr lang="en-SG" sz="1200"/>
+          </a:p>
+        </p:txBody>
+      </p:sp>
+      <p:sp>
+        <p:nvSpPr>
+          <p:cNvPr id="60" name="Rectangle 62">
+            <a:extLst>
+              <a:ext uri="{FF2B5EF4-FFF2-40B4-BE49-F238E27FC236}">
+                <a16:creationId xmlns:a16="http://schemas.microsoft.com/office/drawing/2014/main" id="{70681A15-14D0-0942-B2AE-97FCC4B48E45}"/>
+              </a:ext>
+            </a:extLst>
+          </p:cNvPr>
+          <p:cNvSpPr/>
+          <p:nvPr/>
+        </p:nvSpPr>
+        <p:spPr>
+          <a:xfrm>
+            <a:off x="2175937" y="-10484"/>
+            <a:ext cx="944623" cy="467684"/>
           </a:xfrm>
           <a:prstGeom prst="rect">
             <a:avLst/>
@@ -3608,7 +3822,7 @@
           <a:p>
             <a:pPr algn="ctr"/>
             <a:r>
-              <a:rPr lang="en-US" sz="1600" dirty="0">
+              <a:rPr lang="en-US" sz="1200" dirty="0">
                 <a:solidFill>
                   <a:schemeClr val="bg1"/>
                 </a:solidFill>
@@ -3616,24 +3830,46 @@
               <a:t>:</a:t>
             </a:r>
             <a:r>
-              <a:rPr lang="en-US" sz="1600" dirty="0" err="1">
+              <a:rPr lang="en-US" sz="1200" dirty="0" err="1">
                 <a:solidFill>
                   <a:schemeClr val="bg1"/>
                 </a:solidFill>
               </a:rPr>
-              <a:t>LogicManager</a:t>
-            </a:r>
-            <a:endParaRPr lang="en-SG" sz="1600" dirty="0">
+              <a:t>FoodDiary</a:t>
+            </a:r>
+            <a:endParaRPr lang="en-US" sz="1200" dirty="0">
               <a:solidFill>
                 <a:schemeClr val="bg1"/>
               </a:solidFill>
             </a:endParaRPr>
           </a:p>
+          <a:p>
+            <a:pPr algn="ctr"/>
+            <a:r>
+              <a:rPr lang="en-US" sz="1200" dirty="0">
+                <a:solidFill>
+                  <a:schemeClr val="bg1"/>
+                </a:solidFill>
+              </a:rPr>
+              <a:t>Parser</a:t>
+            </a:r>
+            <a:endParaRPr lang="en-SG" sz="1200" dirty="0">
+              <a:solidFill>
+                <a:schemeClr val="bg1"/>
+              </a:solidFill>
+            </a:endParaRPr>
+          </a:p>
         </p:txBody>
       </p:sp>
       <p:cxnSp>
         <p:nvCxnSpPr>
-          <p:cNvPr id="5" name="Straight Connector 4"/>
+          <p:cNvPr id="62" name="Straight Connector 61">
+            <a:extLst>
+              <a:ext uri="{FF2B5EF4-FFF2-40B4-BE49-F238E27FC236}">
+                <a16:creationId xmlns:a16="http://schemas.microsoft.com/office/drawing/2014/main" id="{D172E64C-C2C7-4D4A-9543-EAF507ACBA27}"/>
+              </a:ext>
+            </a:extLst>
+          </p:cNvPr>
           <p:cNvCxnSpPr>
             <a:cxnSpLocks/>
           </p:cNvCxnSpPr>
@@ -3641,8 +3877,8 @@
         </p:nvCxnSpPr>
         <p:spPr>
           <a:xfrm>
-            <a:off x="636184" y="1282988"/>
-            <a:ext cx="0" cy="3481399"/>
+            <a:off x="2647437" y="258515"/>
+            <a:ext cx="0" cy="3373643"/>
           </a:xfrm>
           <a:prstGeom prst="line">
             <a:avLst/>
@@ -3672,14 +3908,20 @@
       </p:cxnSp>
       <p:sp>
         <p:nvSpPr>
-          <p:cNvPr id="6" name="Rectangle 5"/>
+          <p:cNvPr id="75" name="Rectangle 74">
+            <a:extLst>
+              <a:ext uri="{FF2B5EF4-FFF2-40B4-BE49-F238E27FC236}">
+                <a16:creationId xmlns:a16="http://schemas.microsoft.com/office/drawing/2014/main" id="{223B2B2B-685F-3E44-B5E5-79881F718397}"/>
+              </a:ext>
+            </a:extLst>
+          </p:cNvPr>
           <p:cNvSpPr/>
           <p:nvPr/>
         </p:nvSpPr>
         <p:spPr>
           <a:xfrm>
-            <a:off x="567513" y="1603552"/>
-            <a:ext cx="152400" cy="2932689"/>
+            <a:off x="2575430" y="716707"/>
+            <a:ext cx="154408" cy="2835809"/>
           </a:xfrm>
           <a:prstGeom prst="rect">
             <a:avLst/>
@@ -3713,105 +3955,33 @@
           <a:lstStyle/>
           <a:p>
             <a:pPr algn="ctr"/>
-            <a:endParaRPr lang="en-SG" sz="1400"/>
-          </a:p>
-        </p:txBody>
-      </p:sp>
-      <p:sp>
-        <p:nvSpPr>
-          <p:cNvPr id="16" name="Rectangle 62"/>
-          <p:cNvSpPr/>
-          <p:nvPr/>
-        </p:nvSpPr>
-        <p:spPr>
-          <a:xfrm>
-            <a:off x="2207375" y="793404"/>
-            <a:ext cx="1219200" cy="467684"/>
-          </a:xfrm>
-          <a:prstGeom prst="rect">
-            <a:avLst/>
-          </a:prstGeom>
-          <a:solidFill>
-            <a:srgbClr val="0070C0"/>
-          </a:solidFill>
-          <a:ln w="19050">
-            <a:solidFill>
-              <a:srgbClr val="0070C0"/>
-            </a:solidFill>
-          </a:ln>
-          <a:effectLst/>
-        </p:spPr>
-        <p:style>
-          <a:lnRef idx="1">
-            <a:schemeClr val="accent2"/>
-          </a:lnRef>
-          <a:fillRef idx="2">
-            <a:schemeClr val="accent2"/>
-          </a:fillRef>
-          <a:effectRef idx="1">
-            <a:schemeClr val="accent2"/>
-          </a:effectRef>
-          <a:fontRef idx="minor">
-            <a:schemeClr val="dk1"/>
-          </a:fontRef>
-        </p:style>
-        <p:txBody>
-          <a:bodyPr rtlCol="0" anchor="ctr"/>
-          <a:lstStyle/>
-          <a:p>
-            <a:pPr algn="ctr"/>
-            <a:r>
-              <a:rPr lang="en-US" sz="1600" dirty="0">
-                <a:solidFill>
-                  <a:schemeClr val="bg1"/>
-                </a:solidFill>
-              </a:rPr>
-              <a:t>:</a:t>
-            </a:r>
-            <a:r>
-              <a:rPr lang="en-US" sz="1600" dirty="0" err="1">
-                <a:solidFill>
-                  <a:schemeClr val="bg1"/>
-                </a:solidFill>
-              </a:rPr>
-              <a:t>FoodDiary</a:t>
-            </a:r>
-            <a:endParaRPr lang="en-US" sz="1600" dirty="0">
+            <a:endParaRPr lang="en-SG" sz="1200">
               <a:solidFill>
-                <a:schemeClr val="bg1"/>
+                <a:schemeClr val="dk1"/>
               </a:solidFill>
             </a:endParaRPr>
           </a:p>
-          <a:p>
-            <a:pPr algn="ctr"/>
-            <a:r>
-              <a:rPr lang="en-US" sz="1600" dirty="0">
-                <a:solidFill>
-                  <a:schemeClr val="bg1"/>
-                </a:solidFill>
-              </a:rPr>
-              <a:t>Parser</a:t>
-            </a:r>
-            <a:endParaRPr lang="en-SG" sz="1600" dirty="0">
-              <a:solidFill>
-                <a:schemeClr val="bg1"/>
-              </a:solidFill>
-            </a:endParaRPr>
-          </a:p>
         </p:txBody>
       </p:sp>
       <p:cxnSp>
         <p:nvCxnSpPr>
-          <p:cNvPr id="17" name="Straight Connector 16"/>
+          <p:cNvPr id="76" name="Straight Connector 75">
+            <a:extLst>
+              <a:ext uri="{FF2B5EF4-FFF2-40B4-BE49-F238E27FC236}">
+                <a16:creationId xmlns:a16="http://schemas.microsoft.com/office/drawing/2014/main" id="{1C097B4B-1D44-EB4C-A848-D0080FA5C203}"/>
+              </a:ext>
+            </a:extLst>
+          </p:cNvPr>
           <p:cNvCxnSpPr>
             <a:cxnSpLocks/>
+            <a:stCxn id="77" idx="0"/>
           </p:cNvCxnSpPr>
           <p:nvPr/>
         </p:nvCxnSpPr>
         <p:spPr>
-          <a:xfrm>
-            <a:off x="2820774" y="1277999"/>
-            <a:ext cx="0" cy="1482984"/>
+          <a:xfrm flipH="1">
+            <a:off x="4806822" y="914313"/>
+            <a:ext cx="3720" cy="2638203"/>
           </a:xfrm>
           <a:prstGeom prst="line">
             <a:avLst/>
@@ -3841,14 +4011,20 @@
       </p:cxnSp>
       <p:sp>
         <p:nvSpPr>
-          <p:cNvPr id="18" name="Rectangle 17"/>
+          <p:cNvPr id="77" name="Rectangle 76">
+            <a:extLst>
+              <a:ext uri="{FF2B5EF4-FFF2-40B4-BE49-F238E27FC236}">
+                <a16:creationId xmlns:a16="http://schemas.microsoft.com/office/drawing/2014/main" id="{792CE563-6346-BB47-8B07-1B9C04CFF987}"/>
+              </a:ext>
+            </a:extLst>
+          </p:cNvPr>
           <p:cNvSpPr/>
           <p:nvPr/>
         </p:nvSpPr>
         <p:spPr>
           <a:xfrm>
-            <a:off x="2748767" y="1736192"/>
-            <a:ext cx="154408" cy="767790"/>
+            <a:off x="4734342" y="914313"/>
+            <a:ext cx="152400" cy="276003"/>
           </a:xfrm>
           <a:prstGeom prst="rect">
             <a:avLst/>
@@ -3882,112 +4058,26 @@
           <a:lstStyle/>
           <a:p>
             <a:pPr algn="ctr"/>
-            <a:endParaRPr lang="en-SG" sz="1400">
-              <a:solidFill>
-                <a:schemeClr val="dk1"/>
-              </a:solidFill>
-            </a:endParaRPr>
-          </a:p>
-        </p:txBody>
-      </p:sp>
-      <p:cxnSp>
-        <p:nvCxnSpPr>
-          <p:cNvPr id="20" name="Straight Connector 19"/>
-          <p:cNvCxnSpPr>
-            <a:cxnSpLocks/>
-            <a:stCxn id="21" idx="0"/>
-            <a:endCxn id="4" idx="0"/>
-          </p:cNvCxnSpPr>
-          <p:nvPr/>
-        </p:nvCxnSpPr>
-        <p:spPr>
-          <a:xfrm>
-            <a:off x="4372269" y="1984015"/>
-            <a:ext cx="0" cy="2644578"/>
-          </a:xfrm>
-          <a:prstGeom prst="line">
-            <a:avLst/>
-          </a:prstGeom>
-          <a:ln w="19050">
-            <a:solidFill>
-              <a:srgbClr val="0070C0"/>
-            </a:solidFill>
-            <a:prstDash val="sysDash"/>
-          </a:ln>
-          <a:effectLst/>
-        </p:spPr>
-        <p:style>
-          <a:lnRef idx="1">
-            <a:schemeClr val="accent1"/>
-          </a:lnRef>
-          <a:fillRef idx="2">
-            <a:schemeClr val="accent1"/>
-          </a:fillRef>
-          <a:effectRef idx="1">
-            <a:schemeClr val="accent1"/>
-          </a:effectRef>
-          <a:fontRef idx="minor">
-            <a:schemeClr val="dk1"/>
-          </a:fontRef>
-        </p:style>
-      </p:cxnSp>
-      <p:sp>
-        <p:nvSpPr>
-          <p:cNvPr id="21" name="Rectangle 20"/>
-          <p:cNvSpPr/>
-          <p:nvPr/>
-        </p:nvSpPr>
-        <p:spPr>
-          <a:xfrm>
-            <a:off x="4296069" y="1984015"/>
-            <a:ext cx="152400" cy="276003"/>
-          </a:xfrm>
-          <a:prstGeom prst="rect">
-            <a:avLst/>
-          </a:prstGeom>
-          <a:solidFill>
-            <a:srgbClr val="0070C0"/>
-          </a:solidFill>
-          <a:ln>
-            <a:solidFill>
-              <a:srgbClr val="0070C0"/>
-            </a:solidFill>
-          </a:ln>
-          <a:effectLst/>
-        </p:spPr>
-        <p:style>
-          <a:lnRef idx="1">
-            <a:schemeClr val="accent3"/>
-          </a:lnRef>
-          <a:fillRef idx="2">
-            <a:schemeClr val="accent3"/>
-          </a:fillRef>
-          <a:effectRef idx="1">
-            <a:schemeClr val="accent3"/>
-          </a:effectRef>
-          <a:fontRef idx="minor">
-            <a:schemeClr val="dk1"/>
-          </a:fontRef>
-        </p:style>
-        <p:txBody>
-          <a:bodyPr rtlCol="0" anchor="ctr"/>
-          <a:lstStyle/>
-          <a:p>
-            <a:pPr algn="ctr"/>
-            <a:endParaRPr lang="en-SG" sz="1400"/>
-          </a:p>
-        </p:txBody>
-      </p:sp>
-      <p:sp>
-        <p:nvSpPr>
-          <p:cNvPr id="26" name="TextBox 25"/>
+            <a:endParaRPr lang="en-SG" sz="1200"/>
+          </a:p>
+        </p:txBody>
+      </p:sp>
+      <p:sp>
+        <p:nvSpPr>
+          <p:cNvPr id="78" name="TextBox 77">
+            <a:extLst>
+              <a:ext uri="{FF2B5EF4-FFF2-40B4-BE49-F238E27FC236}">
+                <a16:creationId xmlns:a16="http://schemas.microsoft.com/office/drawing/2014/main" id="{0FB9CD14-ADCB-9F4B-AE0F-B88A081B1E56}"/>
+              </a:ext>
+            </a:extLst>
+          </p:cNvPr>
           <p:cNvSpPr txBox="1"/>
           <p:nvPr/>
         </p:nvSpPr>
         <p:spPr>
           <a:xfrm>
-            <a:off x="-1046364" y="1405337"/>
-            <a:ext cx="1624028" cy="184666"/>
+            <a:off x="-795864" y="378446"/>
+            <a:ext cx="1199425" cy="169277"/>
           </a:xfrm>
           <a:prstGeom prst="rect">
             <a:avLst/>
@@ -4002,28 +4092,34 @@
           <a:p>
             <a:pPr algn="r"/>
             <a:r>
-              <a:rPr lang="en-US" sz="1200" dirty="0">
+              <a:rPr lang="en-US" sz="1100" dirty="0">
                 <a:solidFill>
                   <a:srgbClr val="0070C0"/>
                 </a:solidFill>
               </a:rPr>
-              <a:t>execute(“select”)</a:t>
+              <a:t>execute(“sort …”))</a:t>
             </a:r>
           </a:p>
         </p:txBody>
       </p:sp>
       <p:cxnSp>
         <p:nvCxnSpPr>
-          <p:cNvPr id="28" name="Straight Arrow Connector 27"/>
+          <p:cNvPr id="82" name="Straight Arrow Connector 81">
+            <a:extLst>
+              <a:ext uri="{FF2B5EF4-FFF2-40B4-BE49-F238E27FC236}">
+                <a16:creationId xmlns:a16="http://schemas.microsoft.com/office/drawing/2014/main" id="{C13C99EF-5649-EF40-8D82-8D104A0F0312}"/>
+              </a:ext>
+            </a:extLst>
+          </p:cNvPr>
           <p:cNvCxnSpPr>
             <a:cxnSpLocks/>
           </p:cNvCxnSpPr>
           <p:nvPr/>
         </p:nvCxnSpPr>
         <p:spPr>
-          <a:xfrm>
-            <a:off x="2903175" y="1882722"/>
-            <a:ext cx="925376" cy="1"/>
+          <a:xfrm flipV="1">
+            <a:off x="2742144" y="870293"/>
+            <a:ext cx="1596262" cy="1"/>
           </a:xfrm>
           <a:prstGeom prst="straightConnector1">
             <a:avLst/>
@@ -4052,14 +4148,20 @@
       </p:cxnSp>
       <p:sp>
         <p:nvSpPr>
-          <p:cNvPr id="29" name="TextBox 28"/>
+          <p:cNvPr id="83" name="TextBox 82">
+            <a:extLst>
+              <a:ext uri="{FF2B5EF4-FFF2-40B4-BE49-F238E27FC236}">
+                <a16:creationId xmlns:a16="http://schemas.microsoft.com/office/drawing/2014/main" id="{AAB8C782-8926-654A-BBAD-486FD5A3214F}"/>
+              </a:ext>
+            </a:extLst>
+          </p:cNvPr>
           <p:cNvSpPr txBox="1"/>
           <p:nvPr/>
         </p:nvSpPr>
         <p:spPr>
           <a:xfrm>
-            <a:off x="2013608" y="2854453"/>
-            <a:ext cx="855809" cy="215444"/>
+            <a:off x="3389186" y="3488166"/>
+            <a:ext cx="855809" cy="184666"/>
           </a:xfrm>
           <a:prstGeom prst="rect">
             <a:avLst/>
@@ -4084,7 +4186,7 @@
           </a:lstStyle>
           <a:p>
             <a:r>
-              <a:rPr lang="en-US" dirty="0"/>
+              <a:rPr lang="en-US" sz="1200" dirty="0"/>
               <a:t>execute()</a:t>
             </a:r>
           </a:p>
@@ -4092,14 +4194,23 @@
       </p:sp>
       <p:cxnSp>
         <p:nvCxnSpPr>
-          <p:cNvPr id="34" name="Straight Arrow Connector 33"/>
-          <p:cNvCxnSpPr/>
+          <p:cNvPr id="84" name="Straight Arrow Connector 83">
+            <a:extLst>
+              <a:ext uri="{FF2B5EF4-FFF2-40B4-BE49-F238E27FC236}">
+                <a16:creationId xmlns:a16="http://schemas.microsoft.com/office/drawing/2014/main" id="{16A7017A-F65A-DB43-B295-1B2748A591E4}"/>
+              </a:ext>
+            </a:extLst>
+          </p:cNvPr>
+          <p:cNvCxnSpPr>
+            <a:cxnSpLocks/>
+            <a:endCxn id="77" idx="2"/>
+          </p:cNvCxnSpPr>
           <p:nvPr/>
         </p:nvCxnSpPr>
         <p:spPr>
           <a:xfrm>
-            <a:off x="2879295" y="2248614"/>
-            <a:ext cx="1492974" cy="0"/>
+            <a:off x="2742144" y="1190316"/>
+            <a:ext cx="2068398" cy="0"/>
           </a:xfrm>
           <a:prstGeom prst="straightConnector1">
             <a:avLst/>
@@ -4130,7 +4241,13 @@
       </p:cxnSp>
       <p:cxnSp>
         <p:nvCxnSpPr>
-          <p:cNvPr id="35" name="Straight Arrow Connector 34"/>
+          <p:cNvPr id="86" name="Straight Arrow Connector 85">
+            <a:extLst>
+              <a:ext uri="{FF2B5EF4-FFF2-40B4-BE49-F238E27FC236}">
+                <a16:creationId xmlns:a16="http://schemas.microsoft.com/office/drawing/2014/main" id="{0A8AECEF-3962-504F-9A55-E679F2699C7E}"/>
+              </a:ext>
+            </a:extLst>
+          </p:cNvPr>
           <p:cNvCxnSpPr>
             <a:cxnSpLocks/>
           </p:cNvCxnSpPr>
@@ -4138,8 +4255,8 @@
         </p:nvCxnSpPr>
         <p:spPr>
           <a:xfrm>
-            <a:off x="727385" y="2503982"/>
-            <a:ext cx="2082220" cy="0"/>
+            <a:off x="674051" y="3552516"/>
+            <a:ext cx="1894214" cy="0"/>
           </a:xfrm>
           <a:prstGeom prst="straightConnector1">
             <a:avLst/>
@@ -4170,16 +4287,23 @@
       </p:cxnSp>
       <p:cxnSp>
         <p:nvCxnSpPr>
-          <p:cNvPr id="37" name="Straight Arrow Connector 36"/>
+          <p:cNvPr id="87" name="Straight Arrow Connector 86">
+            <a:extLst>
+              <a:ext uri="{FF2B5EF4-FFF2-40B4-BE49-F238E27FC236}">
+                <a16:creationId xmlns:a16="http://schemas.microsoft.com/office/drawing/2014/main" id="{C3B21D34-4EF9-4043-BC46-F5D0319F95B2}"/>
+              </a:ext>
+            </a:extLst>
+          </p:cNvPr>
           <p:cNvCxnSpPr>
-            <a:endCxn id="6" idx="2"/>
+            <a:cxnSpLocks/>
+            <a:endCxn id="58" idx="2"/>
           </p:cNvCxnSpPr>
           <p:nvPr/>
         </p:nvCxnSpPr>
         <p:spPr>
           <a:xfrm>
-            <a:off x="-815541" y="4536241"/>
-            <a:ext cx="1459254" cy="0"/>
+            <a:off x="-856092" y="7200272"/>
+            <a:ext cx="1474996" cy="0"/>
           </a:xfrm>
           <a:prstGeom prst="straightConnector1">
             <a:avLst/>
@@ -4210,14 +4334,20 @@
       </p:cxnSp>
       <p:sp>
         <p:nvSpPr>
-          <p:cNvPr id="65" name="Rectangle 64"/>
+          <p:cNvPr id="88" name="Rectangle 87">
+            <a:extLst>
+              <a:ext uri="{FF2B5EF4-FFF2-40B4-BE49-F238E27FC236}">
+                <a16:creationId xmlns:a16="http://schemas.microsoft.com/office/drawing/2014/main" id="{5848F6CA-6B5B-8E48-977C-4D896D337B28}"/>
+              </a:ext>
+            </a:extLst>
+          </p:cNvPr>
           <p:cNvSpPr/>
           <p:nvPr/>
         </p:nvSpPr>
         <p:spPr>
           <a:xfrm>
-            <a:off x="4296675" y="3101695"/>
-            <a:ext cx="161322" cy="1307285"/>
+            <a:off x="4719346" y="1375148"/>
+            <a:ext cx="167117" cy="1979296"/>
           </a:xfrm>
           <a:prstGeom prst="rect">
             <a:avLst/>
@@ -4251,20 +4381,26 @@
           <a:lstStyle/>
           <a:p>
             <a:pPr algn="ctr"/>
-            <a:endParaRPr lang="en-SG" sz="1400"/>
-          </a:p>
-        </p:txBody>
-      </p:sp>
-      <p:sp>
-        <p:nvSpPr>
-          <p:cNvPr id="79" name="TextBox 78"/>
+            <a:endParaRPr lang="en-SG" sz="1200"/>
+          </a:p>
+        </p:txBody>
+      </p:sp>
+      <p:sp>
+        <p:nvSpPr>
+          <p:cNvPr id="89" name="TextBox 88">
+            <a:extLst>
+              <a:ext uri="{FF2B5EF4-FFF2-40B4-BE49-F238E27FC236}">
+                <a16:creationId xmlns:a16="http://schemas.microsoft.com/office/drawing/2014/main" id="{FEB78FE3-F95B-2246-90F3-F29873ACB372}"/>
+              </a:ext>
+            </a:extLst>
+          </p:cNvPr>
           <p:cNvSpPr txBox="1"/>
           <p:nvPr/>
         </p:nvSpPr>
         <p:spPr>
           <a:xfrm>
-            <a:off x="4487355" y="3007016"/>
-            <a:ext cx="1380045" cy="323165"/>
+            <a:off x="7175829" y="4314516"/>
+            <a:ext cx="1545260" cy="153716"/>
           </a:xfrm>
           <a:prstGeom prst="rect">
             <a:avLst/>
@@ -4289,48 +4425,45 @@
           </a:lstStyle>
           <a:p>
             <a:r>
-              <a:rPr lang="en-US" sz="1050" dirty="0" err="1">
+              <a:rPr lang="en-US" sz="1000" dirty="0" err="1">
                 <a:solidFill>
                   <a:schemeClr val="accent4">
                     <a:lumMod val="75000"/>
                   </a:schemeClr>
                 </a:solidFill>
               </a:rPr>
-              <a:t>setSelectedRestaurant</a:t>
-            </a:r>
-            <a:endParaRPr lang="en-US" sz="1050" dirty="0">
-              <a:solidFill>
-                <a:schemeClr val="accent4">
-                  <a:lumMod val="75000"/>
-                </a:schemeClr>
-              </a:solidFill>
-            </a:endParaRPr>
-          </a:p>
-          <a:p>
-            <a:r>
-              <a:rPr lang="en-US" sz="1050" dirty="0">
+              <a:t>sortRestaurantList</a:t>
+            </a:r>
+            <a:r>
+              <a:rPr lang="en-US" sz="1000" dirty="0">
                 <a:solidFill>
                   <a:schemeClr val="accent4">
                     <a:lumMod val="75000"/>
                   </a:schemeClr>
                 </a:solidFill>
               </a:rPr>
-              <a:t>(Restaurant)</a:t>
-            </a:r>
-            <a:endParaRPr lang="en-US" sz="1050" dirty="0"/>
-          </a:p>
-        </p:txBody>
-      </p:sp>
-      <p:sp>
-        <p:nvSpPr>
-          <p:cNvPr id="80" name="TextBox 79"/>
+              <a:t>(order)</a:t>
+            </a:r>
+            <a:endParaRPr lang="en-US" sz="1000" dirty="0"/>
+          </a:p>
+        </p:txBody>
+      </p:sp>
+      <p:sp>
+        <p:nvSpPr>
+          <p:cNvPr id="91" name="TextBox 90">
+            <a:extLst>
+              <a:ext uri="{FF2B5EF4-FFF2-40B4-BE49-F238E27FC236}">
+                <a16:creationId xmlns:a16="http://schemas.microsoft.com/office/drawing/2014/main" id="{90116AEF-4D1A-BB40-A899-25F579B77B45}"/>
+              </a:ext>
+            </a:extLst>
+          </p:cNvPr>
           <p:cNvSpPr txBox="1"/>
           <p:nvPr/>
         </p:nvSpPr>
         <p:spPr>
           <a:xfrm>
-            <a:off x="470202" y="1524000"/>
-            <a:ext cx="2165398" cy="184666"/>
+            <a:off x="187331" y="515206"/>
+            <a:ext cx="2165398" cy="169277"/>
           </a:xfrm>
           <a:prstGeom prst="rect">
             <a:avLst/>
@@ -4355,26 +4488,32 @@
           </a:lstStyle>
           <a:p>
             <a:r>
-              <a:rPr lang="en-US" sz="1200" dirty="0" err="1"/>
+              <a:rPr lang="en-US" sz="1100" dirty="0" err="1"/>
               <a:t>parseCommand</a:t>
             </a:r>
             <a:r>
-              <a:rPr lang="en-US" sz="1200" dirty="0"/>
-              <a:t>(“select”)</a:t>
-            </a:r>
-          </a:p>
-        </p:txBody>
-      </p:sp>
-      <p:sp>
-        <p:nvSpPr>
-          <p:cNvPr id="93" name="TextBox 92"/>
+              <a:rPr lang="en-US" sz="1100" dirty="0"/>
+              <a:t>(“sort …”)</a:t>
+            </a:r>
+          </a:p>
+        </p:txBody>
+      </p:sp>
+      <p:sp>
+        <p:nvSpPr>
+          <p:cNvPr id="92" name="TextBox 91">
+            <a:extLst>
+              <a:ext uri="{FF2B5EF4-FFF2-40B4-BE49-F238E27FC236}">
+                <a16:creationId xmlns:a16="http://schemas.microsoft.com/office/drawing/2014/main" id="{2AC00DCA-C945-1846-B9AF-00707F99B081}"/>
+              </a:ext>
+            </a:extLst>
+          </p:cNvPr>
           <p:cNvSpPr txBox="1"/>
           <p:nvPr/>
         </p:nvSpPr>
         <p:spPr>
           <a:xfrm>
-            <a:off x="1494979" y="2276175"/>
-            <a:ext cx="220343" cy="215444"/>
+            <a:off x="1441645" y="3324709"/>
+            <a:ext cx="220343" cy="184666"/>
           </a:xfrm>
           <a:prstGeom prst="rect">
             <a:avLst/>
@@ -4399,21 +4538,28 @@
           </a:lstStyle>
           <a:p>
             <a:r>
-              <a:rPr lang="en-US" dirty="0"/>
-              <a:t>s</a:t>
-            </a:r>
-          </a:p>
-        </p:txBody>
-      </p:sp>
-      <p:sp>
-        <p:nvSpPr>
-          <p:cNvPr id="40" name="Rectangle 62"/>
+              <a:rPr lang="en-US" sz="1200" dirty="0" err="1"/>
+              <a:t>sc</a:t>
+            </a:r>
+            <a:endParaRPr lang="en-US" sz="1200" dirty="0"/>
+          </a:p>
+        </p:txBody>
+      </p:sp>
+      <p:sp>
+        <p:nvSpPr>
+          <p:cNvPr id="94" name="Rectangle 62">
+            <a:extLst>
+              <a:ext uri="{FF2B5EF4-FFF2-40B4-BE49-F238E27FC236}">
+                <a16:creationId xmlns:a16="http://schemas.microsoft.com/office/drawing/2014/main" id="{3990AF37-0BD3-334C-A1FC-8EDF24B5992D}"/>
+              </a:ext>
+            </a:extLst>
+          </p:cNvPr>
           <p:cNvSpPr/>
           <p:nvPr/>
         </p:nvSpPr>
         <p:spPr>
           <a:xfrm>
-            <a:off x="5693593" y="2731585"/>
+            <a:off x="8707062" y="3964517"/>
             <a:ext cx="841636" cy="300180"/>
           </a:xfrm>
           <a:prstGeom prst="rect">
@@ -4449,14 +4595,14 @@
           <a:p>
             <a:pPr algn="ctr"/>
             <a:r>
-              <a:rPr lang="en-US" sz="1600" dirty="0">
+              <a:rPr lang="en-US" sz="1400" dirty="0">
                 <a:solidFill>
                   <a:schemeClr val="bg1"/>
                 </a:solidFill>
               </a:rPr>
               <a:t>:Model</a:t>
             </a:r>
-            <a:endParaRPr lang="en-SG" sz="1600" dirty="0">
+            <a:endParaRPr lang="en-SG" sz="1400" dirty="0">
               <a:solidFill>
                 <a:schemeClr val="bg1"/>
               </a:solidFill>
@@ -4466,102 +4612,22 @@
       </p:sp>
       <p:cxnSp>
         <p:nvCxnSpPr>
-          <p:cNvPr id="46" name="Straight Connector 45"/>
+          <p:cNvPr id="97" name="Straight Arrow Connector 96">
+            <a:extLst>
+              <a:ext uri="{FF2B5EF4-FFF2-40B4-BE49-F238E27FC236}">
+                <a16:creationId xmlns:a16="http://schemas.microsoft.com/office/drawing/2014/main" id="{18F76DB5-863E-4942-BCEC-D3527B0B0DE3}"/>
+              </a:ext>
+            </a:extLst>
+          </p:cNvPr>
           <p:cNvCxnSpPr>
             <a:cxnSpLocks/>
           </p:cNvCxnSpPr>
           <p:nvPr/>
         </p:nvCxnSpPr>
         <p:spPr>
-          <a:xfrm flipH="1">
-            <a:off x="6114411" y="3034456"/>
-            <a:ext cx="3959" cy="1735710"/>
-          </a:xfrm>
-          <a:prstGeom prst="line">
-            <a:avLst/>
-          </a:prstGeom>
-          <a:ln w="19050">
-            <a:solidFill>
-              <a:srgbClr val="7030A0"/>
-            </a:solidFill>
-            <a:prstDash val="sysDash"/>
-          </a:ln>
-          <a:effectLst/>
-        </p:spPr>
-        <p:style>
-          <a:lnRef idx="1">
-            <a:schemeClr val="accent1"/>
-          </a:lnRef>
-          <a:fillRef idx="2">
-            <a:schemeClr val="accent1"/>
-          </a:fillRef>
-          <a:effectRef idx="1">
-            <a:schemeClr val="accent1"/>
-          </a:effectRef>
-          <a:fontRef idx="minor">
-            <a:schemeClr val="dk1"/>
-          </a:fontRef>
-        </p:style>
-      </p:cxnSp>
-      <p:sp>
-        <p:nvSpPr>
-          <p:cNvPr id="49" name="Rectangle 48"/>
-          <p:cNvSpPr/>
-          <p:nvPr/>
-        </p:nvSpPr>
-        <p:spPr>
-          <a:xfrm>
-            <a:off x="6034107" y="3323867"/>
-            <a:ext cx="168896" cy="775693"/>
-          </a:xfrm>
-          <a:prstGeom prst="rect">
-            <a:avLst/>
-          </a:prstGeom>
-          <a:solidFill>
-            <a:srgbClr val="7030A0"/>
-          </a:solidFill>
-          <a:ln>
-            <a:solidFill>
-              <a:srgbClr val="7030A0"/>
-            </a:solidFill>
-          </a:ln>
-          <a:effectLst/>
-        </p:spPr>
-        <p:style>
-          <a:lnRef idx="1">
-            <a:schemeClr val="accent3"/>
-          </a:lnRef>
-          <a:fillRef idx="2">
-            <a:schemeClr val="accent3"/>
-          </a:fillRef>
-          <a:effectRef idx="1">
-            <a:schemeClr val="accent3"/>
-          </a:effectRef>
-          <a:fontRef idx="minor">
-            <a:schemeClr val="dk1"/>
-          </a:fontRef>
-        </p:style>
-        <p:txBody>
-          <a:bodyPr rtlCol="0" anchor="ctr"/>
-          <a:lstStyle/>
-          <a:p>
-            <a:pPr algn="ctr"/>
-            <a:endParaRPr lang="en-SG" sz="1400"/>
-          </a:p>
-        </p:txBody>
-      </p:sp>
-      <p:cxnSp>
-        <p:nvCxnSpPr>
-          <p:cNvPr id="50" name="Straight Arrow Connector 49"/>
-          <p:cNvCxnSpPr>
-            <a:cxnSpLocks/>
-          </p:cNvCxnSpPr>
-          <p:nvPr/>
-        </p:nvCxnSpPr>
-        <p:spPr>
-          <a:xfrm flipV="1">
-            <a:off x="4460970" y="3337054"/>
-            <a:ext cx="1576612" cy="6530"/>
+          <a:xfrm>
+            <a:off x="7017027" y="4511066"/>
+            <a:ext cx="2026220" cy="0"/>
           </a:xfrm>
           <a:prstGeom prst="straightConnector1">
             <a:avLst/>
@@ -4590,14 +4656,20 @@
       </p:cxnSp>
       <p:sp>
         <p:nvSpPr>
-          <p:cNvPr id="4" name="TextBox 3"/>
+          <p:cNvPr id="98" name="TextBox 97">
+            <a:extLst>
+              <a:ext uri="{FF2B5EF4-FFF2-40B4-BE49-F238E27FC236}">
+                <a16:creationId xmlns:a16="http://schemas.microsoft.com/office/drawing/2014/main" id="{D14A53AB-EC02-7B4C-BE72-E3E4F3B22B76}"/>
+              </a:ext>
+            </a:extLst>
+          </p:cNvPr>
           <p:cNvSpPr txBox="1"/>
           <p:nvPr/>
         </p:nvSpPr>
         <p:spPr>
           <a:xfrm>
-            <a:off x="4243067" y="4628593"/>
-            <a:ext cx="258404" cy="261610"/>
+            <a:off x="7916449" y="5054722"/>
+            <a:ext cx="145147" cy="246221"/>
           </a:xfrm>
           <a:prstGeom prst="rect">
             <a:avLst/>
@@ -4605,13 +4677,13 @@
           <a:noFill/>
         </p:spPr>
         <p:txBody>
-          <a:bodyPr wrap="none" rtlCol="0">
+          <a:bodyPr wrap="square" rtlCol="0">
             <a:spAutoFit/>
           </a:bodyPr>
           <a:lstStyle/>
           <a:p>
             <a:r>
-              <a:rPr lang="en-SG" sz="1100" dirty="0">
+              <a:rPr lang="en-SG" sz="1000" dirty="0">
                 <a:solidFill>
                   <a:srgbClr val="002060"/>
                 </a:solidFill>
@@ -4623,14 +4695,20 @@
       </p:sp>
       <p:sp>
         <p:nvSpPr>
-          <p:cNvPr id="19" name="Rectangle 62"/>
+          <p:cNvPr id="99" name="Rectangle 62">
+            <a:extLst>
+              <a:ext uri="{FF2B5EF4-FFF2-40B4-BE49-F238E27FC236}">
+                <a16:creationId xmlns:a16="http://schemas.microsoft.com/office/drawing/2014/main" id="{76578582-CB8B-6F48-A4B8-E1EE5FC67DFC}"/>
+              </a:ext>
+            </a:extLst>
+          </p:cNvPr>
           <p:cNvSpPr/>
           <p:nvPr/>
         </p:nvSpPr>
         <p:spPr>
           <a:xfrm>
-            <a:off x="3806163" y="1630650"/>
-            <a:ext cx="1093635" cy="461538"/>
+            <a:off x="4342309" y="417920"/>
+            <a:ext cx="957828" cy="637205"/>
           </a:xfrm>
           <a:prstGeom prst="rect">
             <a:avLst/>
@@ -4665,29 +4743,44 @@
           <a:p>
             <a:pPr algn="ctr"/>
             <a:r>
-              <a:rPr lang="en-US" sz="1600" dirty="0" err="1">
+              <a:rPr lang="en-US" sz="1200" dirty="0">
                 <a:solidFill>
                   <a:schemeClr val="bg1"/>
                 </a:solidFill>
               </a:rPr>
-              <a:t>s:Select</a:t>
+              <a:t>:Sort</a:t>
             </a:r>
             <a:br>
-              <a:rPr lang="en-US" sz="1600" dirty="0">
+              <a:rPr lang="en-US" sz="1200" dirty="0">
                 <a:solidFill>
                   <a:schemeClr val="bg1"/>
                 </a:solidFill>
               </a:rPr>
             </a:br>
             <a:r>
-              <a:rPr lang="en-US" sz="1600" dirty="0">
+              <a:rPr lang="en-US" sz="1200" dirty="0">
                 <a:solidFill>
                   <a:schemeClr val="bg1"/>
                 </a:solidFill>
               </a:rPr>
               <a:t>Command</a:t>
             </a:r>
-            <a:endParaRPr lang="en-SG" sz="1600" dirty="0">
+            <a:br>
+              <a:rPr lang="en-US" sz="1200" dirty="0">
+                <a:solidFill>
+                  <a:schemeClr val="bg1"/>
+                </a:solidFill>
+              </a:rPr>
+            </a:br>
+            <a:r>
+              <a:rPr lang="en-US" sz="1200" dirty="0">
+                <a:solidFill>
+                  <a:schemeClr val="bg1"/>
+                </a:solidFill>
+              </a:rPr>
+              <a:t>Parser</a:t>
+            </a:r>
+            <a:endParaRPr lang="en-SG" sz="1200" dirty="0">
               <a:solidFill>
                 <a:schemeClr val="bg1"/>
               </a:solidFill>
@@ -4697,10 +4790,10 @@
       </p:sp>
       <p:cxnSp>
         <p:nvCxnSpPr>
-          <p:cNvPr id="66" name="Straight Arrow Connector 65">
-            <a:extLst>
-              <a:ext uri="{FF2B5EF4-FFF2-40B4-BE49-F238E27FC236}">
-                <a16:creationId xmlns:a16="http://schemas.microsoft.com/office/drawing/2014/main" id="{39916E2E-195A-4DC8-B025-B05FA87E6796}"/>
+          <p:cNvPr id="100" name="Straight Arrow Connector 99">
+            <a:extLst>
+              <a:ext uri="{FF2B5EF4-FFF2-40B4-BE49-F238E27FC236}">
+                <a16:creationId xmlns:a16="http://schemas.microsoft.com/office/drawing/2014/main" id="{DDD03B74-3B84-5F46-A019-33B6CDD9CBA6}"/>
               </a:ext>
             </a:extLst>
           </p:cNvPr>
@@ -4710,9 +4803,9 @@
           <p:nvPr/>
         </p:nvCxnSpPr>
         <p:spPr>
-          <a:xfrm>
-            <a:off x="727385" y="3088292"/>
-            <a:ext cx="3566317" cy="13405"/>
+          <a:xfrm flipV="1">
+            <a:off x="691009" y="3697954"/>
+            <a:ext cx="6183813" cy="12652"/>
           </a:xfrm>
           <a:prstGeom prst="straightConnector1">
             <a:avLst/>
@@ -4741,10 +4834,10 @@
       </p:cxnSp>
       <p:cxnSp>
         <p:nvCxnSpPr>
-          <p:cNvPr id="67" name="Straight Arrow Connector 66">
-            <a:extLst>
-              <a:ext uri="{FF2B5EF4-FFF2-40B4-BE49-F238E27FC236}">
-                <a16:creationId xmlns:a16="http://schemas.microsoft.com/office/drawing/2014/main" id="{D881596E-177C-4FDC-8E60-CAB90B3D5FAB}"/>
+          <p:cNvPr id="101" name="Straight Arrow Connector 100">
+            <a:extLst>
+              <a:ext uri="{FF2B5EF4-FFF2-40B4-BE49-F238E27FC236}">
+                <a16:creationId xmlns:a16="http://schemas.microsoft.com/office/drawing/2014/main" id="{B4334ED8-E134-1F46-98CC-5D8BE2E74156}"/>
               </a:ext>
             </a:extLst>
           </p:cNvPr>
@@ -4755,8 +4848,8 @@
         </p:nvCxnSpPr>
         <p:spPr>
           <a:xfrm flipV="1">
-            <a:off x="727385" y="1752600"/>
-            <a:ext cx="2007752" cy="1891"/>
+            <a:off x="693522" y="716708"/>
+            <a:ext cx="1894214" cy="16409"/>
           </a:xfrm>
           <a:prstGeom prst="straightConnector1">
             <a:avLst/>
@@ -4785,10 +4878,10 @@
       </p:cxnSp>
       <p:cxnSp>
         <p:nvCxnSpPr>
-          <p:cNvPr id="69" name="Straight Arrow Connector 68">
-            <a:extLst>
-              <a:ext uri="{FF2B5EF4-FFF2-40B4-BE49-F238E27FC236}">
-                <a16:creationId xmlns:a16="http://schemas.microsoft.com/office/drawing/2014/main" id="{7C9F21BC-13A9-471F-825A-2621FD36355F}"/>
+          <p:cNvPr id="102" name="Straight Arrow Connector 101">
+            <a:extLst>
+              <a:ext uri="{FF2B5EF4-FFF2-40B4-BE49-F238E27FC236}">
+                <a16:creationId xmlns:a16="http://schemas.microsoft.com/office/drawing/2014/main" id="{B4B616D9-E765-E54C-8FFF-4317CB5981A7}"/>
               </a:ext>
             </a:extLst>
           </p:cNvPr>
@@ -4798,9 +4891,9 @@
           <p:nvPr/>
         </p:nvCxnSpPr>
         <p:spPr>
-          <a:xfrm flipV="1">
-            <a:off x="727385" y="4406844"/>
-            <a:ext cx="3566317" cy="2136"/>
+          <a:xfrm>
+            <a:off x="693522" y="7103833"/>
+            <a:ext cx="6156898" cy="0"/>
           </a:xfrm>
           <a:prstGeom prst="straightConnector1">
             <a:avLst/>
@@ -4831,23 +4924,22 @@
       </p:cxnSp>
       <p:cxnSp>
         <p:nvCxnSpPr>
-          <p:cNvPr id="63" name="Straight Arrow Connector 62">
-            <a:extLst>
-              <a:ext uri="{FF2B5EF4-FFF2-40B4-BE49-F238E27FC236}">
-                <a16:creationId xmlns:a16="http://schemas.microsoft.com/office/drawing/2014/main" id="{7C9F21BC-13A9-471F-825A-2621FD36355F}"/>
+          <p:cNvPr id="108" name="Straight Arrow Connector 107">
+            <a:extLst>
+              <a:ext uri="{FF2B5EF4-FFF2-40B4-BE49-F238E27FC236}">
+                <a16:creationId xmlns:a16="http://schemas.microsoft.com/office/drawing/2014/main" id="{35D24F19-DA3E-7D40-8142-ACC5825B8E97}"/>
               </a:ext>
             </a:extLst>
           </p:cNvPr>
           <p:cNvCxnSpPr>
             <a:cxnSpLocks/>
-            <a:endCxn id="49" idx="2"/>
           </p:cNvCxnSpPr>
           <p:nvPr/>
         </p:nvCxnSpPr>
         <p:spPr>
-          <a:xfrm>
-            <a:off x="4457997" y="4099560"/>
-            <a:ext cx="1660558" cy="0"/>
+          <a:xfrm flipV="1">
+            <a:off x="9193176" y="6797543"/>
+            <a:ext cx="1212361" cy="6516"/>
           </a:xfrm>
           <a:prstGeom prst="straightConnector1">
             <a:avLst/>
@@ -4876,346 +4968,24 @@
           </a:fontRef>
         </p:style>
       </p:cxnSp>
-      <p:sp>
-        <p:nvSpPr>
-          <p:cNvPr id="59" name="Rectangle 65"/>
-          <p:cNvSpPr/>
-          <p:nvPr/>
-        </p:nvSpPr>
-        <p:spPr>
-          <a:xfrm>
-            <a:off x="6874644" y="533399"/>
-            <a:ext cx="3488556" cy="4343401"/>
-          </a:xfrm>
-          <a:prstGeom prst="roundRect">
-            <a:avLst>
-              <a:gd name="adj" fmla="val 3484"/>
-            </a:avLst>
-          </a:prstGeom>
-          <a:solidFill>
-            <a:srgbClr val="F1F5E9"/>
-          </a:solidFill>
-          <a:ln w="19050">
-            <a:noFill/>
-          </a:ln>
-          <a:effectLst/>
-        </p:spPr>
-        <p:style>
-          <a:lnRef idx="1">
-            <a:schemeClr val="accent2"/>
-          </a:lnRef>
-          <a:fillRef idx="2">
-            <a:schemeClr val="accent2"/>
-          </a:fillRef>
-          <a:effectRef idx="1">
-            <a:schemeClr val="accent2"/>
-          </a:effectRef>
-          <a:fontRef idx="minor">
-            <a:schemeClr val="dk1"/>
-          </a:fontRef>
-        </p:style>
-        <p:txBody>
-          <a:bodyPr rtlCol="0" anchor="t"/>
-          <a:lstStyle/>
-          <a:p>
-            <a:r>
-              <a:rPr lang="en-US" sz="1200" b="1" dirty="0">
-                <a:solidFill>
-                  <a:schemeClr val="accent3">
-                    <a:lumMod val="75000"/>
-                  </a:schemeClr>
-                </a:solidFill>
-              </a:rPr>
-              <a:t>UI</a:t>
-            </a:r>
-            <a:endParaRPr lang="en-SG" sz="1200" b="1" dirty="0">
-              <a:solidFill>
-                <a:schemeClr val="accent3">
-                  <a:lumMod val="75000"/>
-                </a:schemeClr>
-              </a:solidFill>
-            </a:endParaRPr>
-          </a:p>
-        </p:txBody>
-      </p:sp>
-      <p:sp>
-        <p:nvSpPr>
-          <p:cNvPr id="61" name="Rectangle 62"/>
-          <p:cNvSpPr/>
-          <p:nvPr/>
-        </p:nvSpPr>
-        <p:spPr>
-          <a:xfrm>
-            <a:off x="6967110" y="2822919"/>
-            <a:ext cx="576690" cy="346760"/>
-          </a:xfrm>
-          <a:prstGeom prst="rect">
-            <a:avLst/>
-          </a:prstGeom>
-          <a:solidFill>
-            <a:srgbClr val="00B050"/>
-          </a:solidFill>
-          <a:ln w="19050">
-            <a:solidFill>
-              <a:srgbClr val="00B050"/>
-            </a:solidFill>
-          </a:ln>
-          <a:effectLst/>
-        </p:spPr>
-        <p:style>
-          <a:lnRef idx="1">
-            <a:schemeClr val="accent2"/>
-          </a:lnRef>
-          <a:fillRef idx="2">
-            <a:schemeClr val="accent2"/>
-          </a:fillRef>
-          <a:effectRef idx="1">
-            <a:schemeClr val="accent2"/>
-          </a:effectRef>
-          <a:fontRef idx="minor">
-            <a:schemeClr val="dk1"/>
-          </a:fontRef>
-        </p:style>
-        <p:txBody>
-          <a:bodyPr rtlCol="0" anchor="ctr"/>
-          <a:lstStyle/>
-          <a:p>
-            <a:pPr algn="ctr"/>
-            <a:r>
-              <a:rPr lang="en-US" sz="1600" dirty="0">
-                <a:solidFill>
-                  <a:schemeClr val="bg1"/>
-                </a:solidFill>
-              </a:rPr>
-              <a:t>:</a:t>
-            </a:r>
-            <a:r>
-              <a:rPr lang="en-US" sz="1600" dirty="0" err="1">
-                <a:solidFill>
-                  <a:schemeClr val="bg1"/>
-                </a:solidFill>
-              </a:rPr>
-              <a:t>Ui</a:t>
-            </a:r>
-            <a:endParaRPr lang="en-SG" sz="1600" dirty="0">
-              <a:solidFill>
-                <a:schemeClr val="bg1"/>
-              </a:solidFill>
-            </a:endParaRPr>
-          </a:p>
-        </p:txBody>
-      </p:sp>
-      <p:sp>
-        <p:nvSpPr>
-          <p:cNvPr id="64" name="Rectangle 63"/>
-          <p:cNvSpPr/>
-          <p:nvPr/>
-        </p:nvSpPr>
-        <p:spPr>
-          <a:xfrm>
-            <a:off x="7138558" y="3391958"/>
-            <a:ext cx="171851" cy="604986"/>
-          </a:xfrm>
-          <a:prstGeom prst="rect">
-            <a:avLst/>
-          </a:prstGeom>
-          <a:solidFill>
-            <a:srgbClr val="00B050"/>
-          </a:solidFill>
-          <a:ln>
-            <a:solidFill>
-              <a:srgbClr val="7030A0"/>
-            </a:solidFill>
-          </a:ln>
-          <a:effectLst/>
-        </p:spPr>
-        <p:style>
-          <a:lnRef idx="1">
-            <a:schemeClr val="accent3"/>
-          </a:lnRef>
-          <a:fillRef idx="2">
-            <a:schemeClr val="accent3"/>
-          </a:fillRef>
-          <a:effectRef idx="1">
-            <a:schemeClr val="accent3"/>
-          </a:effectRef>
-          <a:fontRef idx="minor">
-            <a:schemeClr val="dk1"/>
-          </a:fontRef>
-        </p:style>
-        <p:txBody>
-          <a:bodyPr rtlCol="0" anchor="ctr"/>
-          <a:lstStyle/>
-          <a:p>
-            <a:pPr algn="ctr"/>
-            <a:endParaRPr lang="en-SG" sz="1400"/>
-          </a:p>
-        </p:txBody>
-      </p:sp>
       <p:cxnSp>
         <p:nvCxnSpPr>
-          <p:cNvPr id="68" name="Straight Connector 67"/>
+          <p:cNvPr id="113" name="Straight Arrow Connector 112">
+            <a:extLst>
+              <a:ext uri="{FF2B5EF4-FFF2-40B4-BE49-F238E27FC236}">
+                <a16:creationId xmlns:a16="http://schemas.microsoft.com/office/drawing/2014/main" id="{D3EF8043-D9E1-624A-8E69-9ADB728C26EC}"/>
+              </a:ext>
+            </a:extLst>
+          </p:cNvPr>
           <p:cNvCxnSpPr>
             <a:cxnSpLocks/>
           </p:cNvCxnSpPr>
           <p:nvPr/>
         </p:nvCxnSpPr>
         <p:spPr>
-          <a:xfrm>
-            <a:off x="7238585" y="3165659"/>
-            <a:ext cx="415" cy="1598728"/>
-          </a:xfrm>
-          <a:prstGeom prst="line">
-            <a:avLst/>
-          </a:prstGeom>
-          <a:ln w="19050">
-            <a:solidFill>
-              <a:srgbClr val="00B050"/>
-            </a:solidFill>
-            <a:prstDash val="sysDash"/>
-          </a:ln>
-          <a:effectLst/>
-        </p:spPr>
-        <p:style>
-          <a:lnRef idx="1">
-            <a:schemeClr val="accent1"/>
-          </a:lnRef>
-          <a:fillRef idx="2">
-            <a:schemeClr val="accent1"/>
-          </a:fillRef>
-          <a:effectRef idx="1">
-            <a:schemeClr val="accent1"/>
-          </a:effectRef>
-          <a:fontRef idx="minor">
-            <a:schemeClr val="dk1"/>
-          </a:fontRef>
-        </p:style>
-      </p:cxnSp>
-      <p:cxnSp>
-        <p:nvCxnSpPr>
-          <p:cNvPr id="70" name="Straight Arrow Connector 69">
-            <a:extLst>
-              <a:ext uri="{FF2B5EF4-FFF2-40B4-BE49-F238E27FC236}">
-                <a16:creationId xmlns:a16="http://schemas.microsoft.com/office/drawing/2014/main" id="{7C9F21BC-13A9-471F-825A-2621FD36355F}"/>
-              </a:ext>
-            </a:extLst>
-          </p:cNvPr>
-          <p:cNvCxnSpPr>
-            <a:cxnSpLocks/>
-          </p:cNvCxnSpPr>
-          <p:nvPr/>
-        </p:nvCxnSpPr>
-        <p:spPr>
-          <a:xfrm>
-            <a:off x="6203003" y="4003547"/>
-            <a:ext cx="967933" cy="0"/>
-          </a:xfrm>
-          <a:prstGeom prst="straightConnector1">
-            <a:avLst/>
-          </a:prstGeom>
-          <a:ln w="19050">
-            <a:solidFill>
-              <a:srgbClr val="00B050"/>
-            </a:solidFill>
-            <a:prstDash val="sysDash"/>
-            <a:headEnd type="arrow" w="med" len="med"/>
-            <a:tailEnd type="none" w="med" len="med"/>
-          </a:ln>
-        </p:spPr>
-        <p:style>
-          <a:lnRef idx="1">
-            <a:schemeClr val="accent1"/>
-          </a:lnRef>
-          <a:fillRef idx="0">
-            <a:schemeClr val="accent1"/>
-          </a:fillRef>
-          <a:effectRef idx="0">
-            <a:schemeClr val="accent1"/>
-          </a:effectRef>
-          <a:fontRef idx="minor">
-            <a:schemeClr val="tx1"/>
-          </a:fontRef>
-        </p:style>
-      </p:cxnSp>
-      <p:sp>
-        <p:nvSpPr>
-          <p:cNvPr id="71" name="Rectangle 62"/>
-          <p:cNvSpPr/>
-          <p:nvPr/>
-        </p:nvSpPr>
-        <p:spPr>
-          <a:xfrm>
-            <a:off x="7890966" y="2857656"/>
-            <a:ext cx="2429867" cy="346760"/>
-          </a:xfrm>
-          <a:prstGeom prst="rect">
-            <a:avLst/>
-          </a:prstGeom>
-          <a:solidFill>
-            <a:srgbClr val="00B050"/>
-          </a:solidFill>
-          <a:ln w="19050">
-            <a:solidFill>
-              <a:srgbClr val="00B050"/>
-            </a:solidFill>
-          </a:ln>
-          <a:effectLst/>
-        </p:spPr>
-        <p:style>
-          <a:lnRef idx="1">
-            <a:schemeClr val="accent2"/>
-          </a:lnRef>
-          <a:fillRef idx="2">
-            <a:schemeClr val="accent2"/>
-          </a:fillRef>
-          <a:effectRef idx="1">
-            <a:schemeClr val="accent2"/>
-          </a:effectRef>
-          <a:fontRef idx="minor">
-            <a:schemeClr val="dk1"/>
-          </a:fontRef>
-        </p:style>
-        <p:txBody>
-          <a:bodyPr rtlCol="0" anchor="ctr"/>
-          <a:lstStyle/>
-          <a:p>
-            <a:pPr algn="ctr"/>
-            <a:r>
-              <a:rPr lang="en-US" sz="1600" dirty="0">
-                <a:solidFill>
-                  <a:schemeClr val="bg1"/>
-                </a:solidFill>
-              </a:rPr>
-              <a:t>:</a:t>
-            </a:r>
-            <a:r>
-              <a:rPr lang="en-US" sz="1600" dirty="0" err="1">
-                <a:solidFill>
-                  <a:schemeClr val="bg1"/>
-                </a:solidFill>
-              </a:rPr>
-              <a:t>RestaurantSummaryPanel</a:t>
-            </a:r>
-            <a:endParaRPr lang="en-SG" sz="1600" dirty="0">
-              <a:solidFill>
-                <a:schemeClr val="bg1"/>
-              </a:solidFill>
-            </a:endParaRPr>
-          </a:p>
-        </p:txBody>
-      </p:sp>
-      <p:cxnSp>
-        <p:nvCxnSpPr>
-          <p:cNvPr id="72" name="Straight Arrow Connector 71"/>
-          <p:cNvCxnSpPr>
-            <a:cxnSpLocks/>
-          </p:cNvCxnSpPr>
-          <p:nvPr/>
-        </p:nvCxnSpPr>
-        <p:spPr>
-          <a:xfrm>
-            <a:off x="7317845" y="3566099"/>
-            <a:ext cx="1745551" cy="0"/>
+          <a:xfrm flipV="1">
+            <a:off x="-856092" y="591890"/>
+            <a:ext cx="1381300" cy="4922"/>
           </a:xfrm>
           <a:prstGeom prst="straightConnector1">
             <a:avLst/>
@@ -5244,72 +5014,31 @@
       </p:cxnSp>
       <p:cxnSp>
         <p:nvCxnSpPr>
-          <p:cNvPr id="73" name="Straight Connector 72"/>
+          <p:cNvPr id="114" name="Straight Arrow Connector 113">
+            <a:extLst>
+              <a:ext uri="{FF2B5EF4-FFF2-40B4-BE49-F238E27FC236}">
+                <a16:creationId xmlns:a16="http://schemas.microsoft.com/office/drawing/2014/main" id="{A8C01CE6-5A99-F84C-B144-1402AB5D4ED1}"/>
+              </a:ext>
+            </a:extLst>
+          </p:cNvPr>
           <p:cNvCxnSpPr>
             <a:cxnSpLocks/>
           </p:cNvCxnSpPr>
           <p:nvPr/>
         </p:nvCxnSpPr>
         <p:spPr>
-          <a:xfrm>
-            <a:off x="9108226" y="3228174"/>
-            <a:ext cx="17921" cy="1537539"/>
-          </a:xfrm>
-          <a:prstGeom prst="line">
+          <a:xfrm flipV="1">
+            <a:off x="9137129" y="6553384"/>
+            <a:ext cx="1248319" cy="1"/>
+          </a:xfrm>
+          <a:prstGeom prst="straightConnector1">
             <a:avLst/>
           </a:prstGeom>
           <a:ln w="19050">
             <a:solidFill>
-              <a:srgbClr val="00B050"/>
+              <a:srgbClr val="7030A0"/>
             </a:solidFill>
-            <a:prstDash val="sysDash"/>
-          </a:ln>
-          <a:effectLst/>
-        </p:spPr>
-        <p:style>
-          <a:lnRef idx="1">
-            <a:schemeClr val="accent1"/>
-          </a:lnRef>
-          <a:fillRef idx="2">
-            <a:schemeClr val="accent1"/>
-          </a:fillRef>
-          <a:effectRef idx="1">
-            <a:schemeClr val="accent1"/>
-          </a:effectRef>
-          <a:fontRef idx="minor">
-            <a:schemeClr val="dk1"/>
-          </a:fontRef>
-        </p:style>
-      </p:cxnSp>
-      <p:cxnSp>
-        <p:nvCxnSpPr>
-          <p:cNvPr id="74" name="Straight Arrow Connector 73">
-            <a:extLst>
-              <a:ext uri="{FF2B5EF4-FFF2-40B4-BE49-F238E27FC236}">
-                <a16:creationId xmlns:a16="http://schemas.microsoft.com/office/drawing/2014/main" id="{7C9F21BC-13A9-471F-825A-2621FD36355F}"/>
-              </a:ext>
-            </a:extLst>
-          </p:cNvPr>
-          <p:cNvCxnSpPr>
-            <a:cxnSpLocks/>
-          </p:cNvCxnSpPr>
-          <p:nvPr/>
-        </p:nvCxnSpPr>
-        <p:spPr>
-          <a:xfrm>
-            <a:off x="7317845" y="3814144"/>
-            <a:ext cx="1753425" cy="0"/>
-          </a:xfrm>
-          <a:prstGeom prst="straightConnector1">
-            <a:avLst/>
-          </a:prstGeom>
-          <a:ln w="19050">
-            <a:solidFill>
-              <a:srgbClr val="00B050"/>
-            </a:solidFill>
-            <a:prstDash val="sysDash"/>
-            <a:headEnd type="arrow" w="med" len="med"/>
-            <a:tailEnd type="none" w="med" len="med"/>
+            <a:tailEnd type="arrow"/>
           </a:ln>
         </p:spPr>
         <p:style>
@@ -5327,139 +5056,12 @@
           </a:fontRef>
         </p:style>
       </p:cxnSp>
-      <p:cxnSp>
-        <p:nvCxnSpPr>
-          <p:cNvPr id="51" name="Straight Arrow Connector 50">
-            <a:extLst>
-              <a:ext uri="{FF2B5EF4-FFF2-40B4-BE49-F238E27FC236}">
-                <a16:creationId xmlns:a16="http://schemas.microsoft.com/office/drawing/2014/main" id="{AD16425D-72BC-2C4E-B7C5-5C6FACD6F481}"/>
-              </a:ext>
-            </a:extLst>
-          </p:cNvPr>
-          <p:cNvCxnSpPr>
-            <a:cxnSpLocks/>
-          </p:cNvCxnSpPr>
-          <p:nvPr/>
-        </p:nvCxnSpPr>
-        <p:spPr>
-          <a:xfrm flipV="1">
-            <a:off x="-822229" y="1611374"/>
-            <a:ext cx="1381300" cy="4922"/>
-          </a:xfrm>
-          <a:prstGeom prst="straightConnector1">
-            <a:avLst/>
-          </a:prstGeom>
-          <a:ln w="19050">
-            <a:solidFill>
-              <a:srgbClr val="00B050"/>
-            </a:solidFill>
-            <a:tailEnd type="arrow"/>
-          </a:ln>
-        </p:spPr>
-        <p:style>
-          <a:lnRef idx="1">
-            <a:schemeClr val="accent1"/>
-          </a:lnRef>
-          <a:fillRef idx="0">
-            <a:schemeClr val="accent1"/>
-          </a:fillRef>
-          <a:effectRef idx="0">
-            <a:schemeClr val="accent1"/>
-          </a:effectRef>
-          <a:fontRef idx="minor">
-            <a:schemeClr val="tx1"/>
-          </a:fontRef>
-        </p:style>
-      </p:cxnSp>
-      <p:cxnSp>
-        <p:nvCxnSpPr>
-          <p:cNvPr id="85" name="Straight Arrow Connector 84"/>
-          <p:cNvCxnSpPr/>
-          <p:nvPr/>
-        </p:nvCxnSpPr>
-        <p:spPr>
-          <a:xfrm flipV="1">
-            <a:off x="6214694" y="3405784"/>
-            <a:ext cx="922392" cy="1"/>
-          </a:xfrm>
-          <a:prstGeom prst="straightConnector1">
-            <a:avLst/>
-          </a:prstGeom>
-          <a:ln w="19050">
-            <a:solidFill>
-              <a:srgbClr val="7030A0"/>
-            </a:solidFill>
-            <a:tailEnd type="arrow"/>
-          </a:ln>
-        </p:spPr>
-        <p:style>
-          <a:lnRef idx="1">
-            <a:schemeClr val="accent1"/>
-          </a:lnRef>
-          <a:fillRef idx="0">
-            <a:schemeClr val="accent1"/>
-          </a:fillRef>
-          <a:effectRef idx="0">
-            <a:schemeClr val="accent1"/>
-          </a:effectRef>
-          <a:fontRef idx="minor">
-            <a:schemeClr val="tx1"/>
-          </a:fontRef>
-        </p:style>
-      </p:cxnSp>
-      <p:sp>
-        <p:nvSpPr>
-          <p:cNvPr id="90" name="Rectangle 89"/>
-          <p:cNvSpPr/>
-          <p:nvPr/>
-        </p:nvSpPr>
-        <p:spPr>
-          <a:xfrm>
-            <a:off x="9050384" y="3554699"/>
-            <a:ext cx="120594" cy="259446"/>
-          </a:xfrm>
-          <a:prstGeom prst="rect">
-            <a:avLst/>
-          </a:prstGeom>
-          <a:solidFill>
-            <a:srgbClr val="00B050"/>
-          </a:solidFill>
-          <a:ln>
-            <a:solidFill>
-              <a:srgbClr val="7030A0"/>
-            </a:solidFill>
-          </a:ln>
-          <a:effectLst/>
-        </p:spPr>
-        <p:style>
-          <a:lnRef idx="1">
-            <a:schemeClr val="accent3"/>
-          </a:lnRef>
-          <a:fillRef idx="2">
-            <a:schemeClr val="accent3"/>
-          </a:fillRef>
-          <a:effectRef idx="1">
-            <a:schemeClr val="accent3"/>
-          </a:effectRef>
-          <a:fontRef idx="minor">
-            <a:schemeClr val="dk1"/>
-          </a:fontRef>
-        </p:style>
-        <p:txBody>
-          <a:bodyPr rtlCol="0" anchor="ctr"/>
-          <a:lstStyle/>
-          <a:p>
-            <a:pPr algn="ctr"/>
-            <a:endParaRPr lang="en-SG" sz="1400"/>
-          </a:p>
-        </p:txBody>
-      </p:sp>
-      <p:sp>
-        <p:nvSpPr>
-          <p:cNvPr id="53" name="TextBox 52">
-            <a:extLst>
-              <a:ext uri="{FF2B5EF4-FFF2-40B4-BE49-F238E27FC236}">
-                <a16:creationId xmlns:a16="http://schemas.microsoft.com/office/drawing/2014/main" id="{5A7517BF-277F-5446-A6D8-71198BA1DCE1}"/>
+      <p:sp>
+        <p:nvSpPr>
+          <p:cNvPr id="116" name="TextBox 115">
+            <a:extLst>
+              <a:ext uri="{FF2B5EF4-FFF2-40B4-BE49-F238E27FC236}">
+                <a16:creationId xmlns:a16="http://schemas.microsoft.com/office/drawing/2014/main" id="{30D60511-436F-B04D-84EF-121C87EF9979}"/>
               </a:ext>
             </a:extLst>
           </p:cNvPr>
@@ -5468,8 +5070,8 @@
         </p:nvSpPr>
         <p:spPr>
           <a:xfrm>
-            <a:off x="2082638" y="4177997"/>
-            <a:ext cx="855809" cy="215444"/>
+            <a:off x="3341162" y="6857344"/>
+            <a:ext cx="855809" cy="184666"/>
           </a:xfrm>
           <a:prstGeom prst="rect">
             <a:avLst/>
@@ -5495,7 +5097,7 @@
           <a:p>
             <a:pPr algn="ctr"/>
             <a:r>
-              <a:rPr lang="en-US" dirty="0"/>
+              <a:rPr lang="en-US" sz="1200" dirty="0"/>
               <a:t>result</a:t>
             </a:r>
           </a:p>
@@ -5503,10 +5105,10 @@
       </p:sp>
       <p:sp>
         <p:nvSpPr>
-          <p:cNvPr id="54" name="TextBox 53">
-            <a:extLst>
-              <a:ext uri="{FF2B5EF4-FFF2-40B4-BE49-F238E27FC236}">
-                <a16:creationId xmlns:a16="http://schemas.microsoft.com/office/drawing/2014/main" id="{D475B82F-8D92-5A48-9FFC-2448AA3B23AD}"/>
+          <p:cNvPr id="121" name="TextBox 120">
+            <a:extLst>
+              <a:ext uri="{FF2B5EF4-FFF2-40B4-BE49-F238E27FC236}">
+                <a16:creationId xmlns:a16="http://schemas.microsoft.com/office/drawing/2014/main" id="{728D6ABD-D737-3A4D-9FE0-13B2C1118339}"/>
               </a:ext>
             </a:extLst>
           </p:cNvPr>
@@ -5515,8 +5117,8 @@
         </p:nvSpPr>
         <p:spPr>
           <a:xfrm>
-            <a:off x="8067836" y="3349823"/>
-            <a:ext cx="2120786" cy="307777"/>
+            <a:off x="2771454" y="1231571"/>
+            <a:ext cx="1271654" cy="169277"/>
           </a:xfrm>
           <a:prstGeom prst="rect">
             <a:avLst/>
@@ -5541,62 +5143,97 @@
           </a:lstStyle>
           <a:p>
             <a:r>
-              <a:rPr lang="en-US" sz="1000" dirty="0" err="1">
+              <a:rPr lang="en-US" sz="1100" dirty="0"/>
+              <a:t>parse(</a:t>
+            </a:r>
+            <a:r>
+              <a:rPr lang="en-US" sz="1100" dirty="0" err="1"/>
+              <a:t>args</a:t>
+            </a:r>
+            <a:r>
+              <a:rPr lang="en-US" sz="1100" dirty="0"/>
+              <a:t>)</a:t>
+            </a:r>
+          </a:p>
+        </p:txBody>
+      </p:sp>
+      <p:sp>
+        <p:nvSpPr>
+          <p:cNvPr id="122" name="TextBox 121">
+            <a:extLst>
+              <a:ext uri="{FF2B5EF4-FFF2-40B4-BE49-F238E27FC236}">
+                <a16:creationId xmlns:a16="http://schemas.microsoft.com/office/drawing/2014/main" id="{EEAC8F17-DF6F-3949-9869-C269B7AC1B6E}"/>
+              </a:ext>
+            </a:extLst>
+          </p:cNvPr>
+          <p:cNvSpPr txBox="1"/>
+          <p:nvPr/>
+        </p:nvSpPr>
+        <p:spPr>
+          <a:xfrm>
+            <a:off x="2641419" y="671388"/>
+            <a:ext cx="1594833" cy="169277"/>
+          </a:xfrm>
+          <a:prstGeom prst="rect">
+            <a:avLst/>
+          </a:prstGeom>
+          <a:noFill/>
+        </p:spPr>
+        <p:txBody>
+          <a:bodyPr wrap="square" lIns="0" tIns="0" rIns="0" bIns="0" rtlCol="0">
+            <a:spAutoFit/>
+          </a:bodyPr>
+          <a:lstStyle>
+            <a:defPPr>
+              <a:defRPr lang="en-US"/>
+            </a:defPPr>
+            <a:lvl1pPr algn="r">
+              <a:defRPr sz="1400">
                 <a:solidFill>
-                  <a:srgbClr val="00B050"/>
+                  <a:srgbClr val="0070C0"/>
                 </a:solidFill>
-              </a:rPr>
-              <a:t>loadSummary</a:t>
-            </a:r>
-            <a:br>
-              <a:rPr lang="en-US" sz="1000" dirty="0">
-                <a:solidFill>
-                  <a:srgbClr val="00B050"/>
-                </a:solidFill>
-              </a:rPr>
-            </a:br>
-            <a:r>
-              <a:rPr lang="en-US" sz="1000" dirty="0">
-                <a:solidFill>
-                  <a:srgbClr val="00B050"/>
-                </a:solidFill>
-              </a:rPr>
-              <a:t>(Restaurant)</a:t>
+              </a:defRPr>
+            </a:lvl1pPr>
+          </a:lstStyle>
+          <a:p>
+            <a:r>
+              <a:rPr lang="en-US" sz="1100" dirty="0" err="1"/>
+              <a:t>SortCommandParser</a:t>
+            </a:r>
+            <a:r>
+              <a:rPr lang="en-US" sz="1100" dirty="0"/>
+              <a:t>()</a:t>
             </a:r>
           </a:p>
         </p:txBody>
       </p:sp>
       <p:cxnSp>
         <p:nvCxnSpPr>
-          <p:cNvPr id="55" name="Curved Connector 54">
-            <a:extLst>
-              <a:ext uri="{FF2B5EF4-FFF2-40B4-BE49-F238E27FC236}">
-                <a16:creationId xmlns:a16="http://schemas.microsoft.com/office/drawing/2014/main" id="{51DB3FE7-D8A4-A544-B35A-B5C742271C00}"/>
+          <p:cNvPr id="123" name="Straight Arrow Connector 122">
+            <a:extLst>
+              <a:ext uri="{FF2B5EF4-FFF2-40B4-BE49-F238E27FC236}">
+                <a16:creationId xmlns:a16="http://schemas.microsoft.com/office/drawing/2014/main" id="{55732650-1014-BA49-BB27-477E159D9D34}"/>
               </a:ext>
             </a:extLst>
           </p:cNvPr>
           <p:cNvCxnSpPr>
             <a:cxnSpLocks/>
-            <a:endCxn id="90" idx="3"/>
           </p:cNvCxnSpPr>
           <p:nvPr/>
         </p:nvCxnSpPr>
         <p:spPr>
-          <a:xfrm rot="16200000" flipH="1">
-            <a:off x="9092585" y="3606029"/>
-            <a:ext cx="140794" cy="15991"/>
-          </a:xfrm>
-          <a:prstGeom prst="curvedConnector4">
-            <a:avLst>
-              <a:gd name="adj1" fmla="val -84633"/>
-              <a:gd name="adj2" fmla="val 1529554"/>
-            </a:avLst>
-          </a:prstGeom>
-          <a:ln>
+          <a:xfrm>
+            <a:off x="2765776" y="1384906"/>
+            <a:ext cx="1970786" cy="993"/>
+          </a:xfrm>
+          <a:prstGeom prst="straightConnector1">
+            <a:avLst/>
+          </a:prstGeom>
+          <a:ln w="19050">
             <a:solidFill>
-              <a:srgbClr val="00B050"/>
+              <a:srgbClr val="0070C0"/>
             </a:solidFill>
-            <a:tailEnd type="triangle"/>
+            <a:tailEnd type="arrow"/>
           </a:ln>
         </p:spPr>
         <p:style>
@@ -5614,6 +5251,2784 @@
           </a:fontRef>
         </p:style>
       </p:cxnSp>
+      <p:sp>
+        <p:nvSpPr>
+          <p:cNvPr id="36" name="Rectangle 35">
+            <a:extLst>
+              <a:ext uri="{FF2B5EF4-FFF2-40B4-BE49-F238E27FC236}">
+                <a16:creationId xmlns:a16="http://schemas.microsoft.com/office/drawing/2014/main" id="{2779668D-D41A-CB4B-B48C-0141A5E1C72A}"/>
+              </a:ext>
+            </a:extLst>
+          </p:cNvPr>
+          <p:cNvSpPr/>
+          <p:nvPr/>
+        </p:nvSpPr>
+        <p:spPr>
+          <a:xfrm>
+            <a:off x="6477014" y="4771716"/>
+            <a:ext cx="2861723" cy="1550053"/>
+          </a:xfrm>
+          <a:prstGeom prst="rect">
+            <a:avLst/>
+          </a:prstGeom>
+        </p:spPr>
+        <p:style>
+          <a:lnRef idx="2">
+            <a:schemeClr val="accent2"/>
+          </a:lnRef>
+          <a:fillRef idx="1">
+            <a:schemeClr val="lt1"/>
+          </a:fillRef>
+          <a:effectRef idx="0">
+            <a:schemeClr val="accent2"/>
+          </a:effectRef>
+          <a:fontRef idx="minor">
+            <a:schemeClr val="dk1"/>
+          </a:fontRef>
+        </p:style>
+        <p:txBody>
+          <a:bodyPr rtlCol="0" anchor="ctr"/>
+          <a:lstStyle/>
+          <a:p>
+            <a:pPr algn="ctr"/>
+            <a:endParaRPr lang="en-US"/>
+          </a:p>
+        </p:txBody>
+      </p:sp>
+      <p:sp>
+        <p:nvSpPr>
+          <p:cNvPr id="38" name="Snip Single Corner Rectangle 37">
+            <a:extLst>
+              <a:ext uri="{FF2B5EF4-FFF2-40B4-BE49-F238E27FC236}">
+                <a16:creationId xmlns:a16="http://schemas.microsoft.com/office/drawing/2014/main" id="{1007ECBB-1EE9-6B42-A0BF-2D1DE4013E09}"/>
+              </a:ext>
+            </a:extLst>
+          </p:cNvPr>
+          <p:cNvSpPr/>
+          <p:nvPr/>
+        </p:nvSpPr>
+        <p:spPr>
+          <a:xfrm rot="10800000" flipH="1">
+            <a:off x="6479121" y="4773471"/>
+            <a:ext cx="300368" cy="181498"/>
+          </a:xfrm>
+          <a:prstGeom prst="snip1Rect">
+            <a:avLst/>
+          </a:prstGeom>
+        </p:spPr>
+        <p:style>
+          <a:lnRef idx="2">
+            <a:schemeClr val="accent2"/>
+          </a:lnRef>
+          <a:fillRef idx="1">
+            <a:schemeClr val="lt1"/>
+          </a:fillRef>
+          <a:effectRef idx="0">
+            <a:schemeClr val="accent2"/>
+          </a:effectRef>
+          <a:fontRef idx="minor">
+            <a:schemeClr val="dk1"/>
+          </a:fontRef>
+        </p:style>
+        <p:txBody>
+          <a:bodyPr rtlCol="0" anchor="ctr"/>
+          <a:lstStyle/>
+          <a:p>
+            <a:pPr algn="ctr"/>
+            <a:endParaRPr lang="en-US" sz="1600" dirty="0"/>
+          </a:p>
+        </p:txBody>
+      </p:sp>
+      <p:sp>
+        <p:nvSpPr>
+          <p:cNvPr id="39" name="TextBox 38">
+            <a:extLst>
+              <a:ext uri="{FF2B5EF4-FFF2-40B4-BE49-F238E27FC236}">
+                <a16:creationId xmlns:a16="http://schemas.microsoft.com/office/drawing/2014/main" id="{C1EF5E4E-CF32-7648-ACCE-46A335B7080A}"/>
+              </a:ext>
+            </a:extLst>
+          </p:cNvPr>
+          <p:cNvSpPr txBox="1"/>
+          <p:nvPr/>
+        </p:nvSpPr>
+        <p:spPr>
+          <a:xfrm>
+            <a:off x="6467839" y="4742809"/>
+            <a:ext cx="321734" cy="253916"/>
+          </a:xfrm>
+          <a:prstGeom prst="rect">
+            <a:avLst/>
+          </a:prstGeom>
+          <a:noFill/>
+        </p:spPr>
+        <p:txBody>
+          <a:bodyPr wrap="square" rtlCol="0">
+            <a:spAutoFit/>
+          </a:bodyPr>
+          <a:lstStyle/>
+          <a:p>
+            <a:r>
+              <a:rPr lang="en-US" sz="1000" dirty="0">
+                <a:solidFill>
+                  <a:schemeClr val="accent2">
+                    <a:lumMod val="75000"/>
+                  </a:schemeClr>
+                </a:solidFill>
+              </a:rPr>
+              <a:t>alt</a:t>
+            </a:r>
+          </a:p>
+        </p:txBody>
+      </p:sp>
+      <p:sp>
+        <p:nvSpPr>
+          <p:cNvPr id="124" name="TextBox 123">
+            <a:extLst>
+              <a:ext uri="{FF2B5EF4-FFF2-40B4-BE49-F238E27FC236}">
+                <a16:creationId xmlns:a16="http://schemas.microsoft.com/office/drawing/2014/main" id="{15484900-C654-DE43-A01C-4CBE05DB8699}"/>
+              </a:ext>
+            </a:extLst>
+          </p:cNvPr>
+          <p:cNvSpPr txBox="1"/>
+          <p:nvPr/>
+        </p:nvSpPr>
+        <p:spPr>
+          <a:xfrm>
+            <a:off x="7288548" y="4750234"/>
+            <a:ext cx="1258916" cy="246221"/>
+          </a:xfrm>
+          <a:prstGeom prst="rect">
+            <a:avLst/>
+          </a:prstGeom>
+          <a:noFill/>
+        </p:spPr>
+        <p:txBody>
+          <a:bodyPr wrap="square" rtlCol="0">
+            <a:spAutoFit/>
+          </a:bodyPr>
+          <a:lstStyle/>
+          <a:p>
+            <a:pPr algn="ctr"/>
+            <a:r>
+              <a:rPr lang="en-US" sz="1000" dirty="0">
+                <a:solidFill>
+                  <a:schemeClr val="accent2">
+                    <a:lumMod val="75000"/>
+                  </a:schemeClr>
+                </a:solidFill>
+              </a:rPr>
+              <a:t>[</a:t>
+            </a:r>
+            <a:r>
+              <a:rPr lang="en-US" sz="1000" dirty="0" err="1">
+                <a:solidFill>
+                  <a:schemeClr val="accent2">
+                    <a:lumMod val="75000"/>
+                  </a:schemeClr>
+                </a:solidFill>
+              </a:rPr>
+              <a:t>limitIsPresent</a:t>
+            </a:r>
+            <a:r>
+              <a:rPr lang="en-US" sz="1000" dirty="0">
+                <a:solidFill>
+                  <a:schemeClr val="accent2">
+                    <a:lumMod val="75000"/>
+                  </a:schemeClr>
+                </a:solidFill>
+              </a:rPr>
+              <a:t>]</a:t>
+            </a:r>
+          </a:p>
+        </p:txBody>
+      </p:sp>
+      <p:cxnSp>
+        <p:nvCxnSpPr>
+          <p:cNvPr id="125" name="Straight Connector 124">
+            <a:extLst>
+              <a:ext uri="{FF2B5EF4-FFF2-40B4-BE49-F238E27FC236}">
+                <a16:creationId xmlns:a16="http://schemas.microsoft.com/office/drawing/2014/main" id="{C8B8DF42-B63E-644B-821A-CBD6E91F6493}"/>
+              </a:ext>
+            </a:extLst>
+          </p:cNvPr>
+          <p:cNvCxnSpPr>
+            <a:cxnSpLocks/>
+          </p:cNvCxnSpPr>
+          <p:nvPr/>
+        </p:nvCxnSpPr>
+        <p:spPr>
+          <a:xfrm flipH="1">
+            <a:off x="6934488" y="3016736"/>
+            <a:ext cx="16217" cy="4327348"/>
+          </a:xfrm>
+          <a:prstGeom prst="line">
+            <a:avLst/>
+          </a:prstGeom>
+          <a:ln w="19050">
+            <a:solidFill>
+              <a:srgbClr val="0070C0"/>
+            </a:solidFill>
+            <a:prstDash val="sysDash"/>
+          </a:ln>
+          <a:effectLst/>
+        </p:spPr>
+        <p:style>
+          <a:lnRef idx="1">
+            <a:schemeClr val="accent1"/>
+          </a:lnRef>
+          <a:fillRef idx="2">
+            <a:schemeClr val="accent1"/>
+          </a:fillRef>
+          <a:effectRef idx="1">
+            <a:schemeClr val="accent1"/>
+          </a:effectRef>
+          <a:fontRef idx="minor">
+            <a:schemeClr val="dk1"/>
+          </a:fontRef>
+        </p:style>
+      </p:cxnSp>
+      <p:cxnSp>
+        <p:nvCxnSpPr>
+          <p:cNvPr id="45" name="Straight Connector 44">
+            <a:extLst>
+              <a:ext uri="{FF2B5EF4-FFF2-40B4-BE49-F238E27FC236}">
+                <a16:creationId xmlns:a16="http://schemas.microsoft.com/office/drawing/2014/main" id="{48D5E3BB-76A9-CC43-A49D-E6E06275D8C7}"/>
+              </a:ext>
+            </a:extLst>
+          </p:cNvPr>
+          <p:cNvCxnSpPr>
+            <a:cxnSpLocks/>
+          </p:cNvCxnSpPr>
+          <p:nvPr/>
+        </p:nvCxnSpPr>
+        <p:spPr>
+          <a:xfrm>
+            <a:off x="6477013" y="5762316"/>
+            <a:ext cx="2861723" cy="2"/>
+          </a:xfrm>
+          <a:prstGeom prst="line">
+            <a:avLst/>
+          </a:prstGeom>
+          <a:ln w="19050"/>
+        </p:spPr>
+        <p:style>
+          <a:lnRef idx="1">
+            <a:schemeClr val="accent2"/>
+          </a:lnRef>
+          <a:fillRef idx="0">
+            <a:schemeClr val="accent2"/>
+          </a:fillRef>
+          <a:effectRef idx="0">
+            <a:schemeClr val="accent2"/>
+          </a:effectRef>
+          <a:fontRef idx="minor">
+            <a:schemeClr val="tx1"/>
+          </a:fontRef>
+        </p:style>
+      </p:cxnSp>
+      <p:sp>
+        <p:nvSpPr>
+          <p:cNvPr id="127" name="Rectangle 126">
+            <a:extLst>
+              <a:ext uri="{FF2B5EF4-FFF2-40B4-BE49-F238E27FC236}">
+                <a16:creationId xmlns:a16="http://schemas.microsoft.com/office/drawing/2014/main" id="{2442037F-9EA4-4344-BF11-8976BA5C9332}"/>
+              </a:ext>
+            </a:extLst>
+          </p:cNvPr>
+          <p:cNvSpPr/>
+          <p:nvPr/>
+        </p:nvSpPr>
+        <p:spPr>
+          <a:xfrm>
+            <a:off x="6855706" y="3693030"/>
+            <a:ext cx="144598" cy="3428140"/>
+          </a:xfrm>
+          <a:prstGeom prst="rect">
+            <a:avLst/>
+          </a:prstGeom>
+          <a:solidFill>
+            <a:srgbClr val="0070C0"/>
+          </a:solidFill>
+          <a:ln>
+            <a:solidFill>
+              <a:srgbClr val="0070C0"/>
+            </a:solidFill>
+          </a:ln>
+          <a:effectLst/>
+        </p:spPr>
+        <p:style>
+          <a:lnRef idx="1">
+            <a:schemeClr val="accent3"/>
+          </a:lnRef>
+          <a:fillRef idx="2">
+            <a:schemeClr val="accent3"/>
+          </a:fillRef>
+          <a:effectRef idx="1">
+            <a:schemeClr val="accent3"/>
+          </a:effectRef>
+          <a:fontRef idx="minor">
+            <a:schemeClr val="dk1"/>
+          </a:fontRef>
+        </p:style>
+        <p:txBody>
+          <a:bodyPr rtlCol="0" anchor="ctr"/>
+          <a:lstStyle/>
+          <a:p>
+            <a:pPr algn="ctr"/>
+            <a:endParaRPr lang="en-SG" sz="1200"/>
+          </a:p>
+        </p:txBody>
+      </p:sp>
+      <p:sp>
+        <p:nvSpPr>
+          <p:cNvPr id="128" name="Rectangle 62">
+            <a:extLst>
+              <a:ext uri="{FF2B5EF4-FFF2-40B4-BE49-F238E27FC236}">
+                <a16:creationId xmlns:a16="http://schemas.microsoft.com/office/drawing/2014/main" id="{4E089DEB-769F-CB4F-9132-DD5DD00525AE}"/>
+              </a:ext>
+            </a:extLst>
+          </p:cNvPr>
+          <p:cNvSpPr/>
+          <p:nvPr/>
+        </p:nvSpPr>
+        <p:spPr>
+          <a:xfrm>
+            <a:off x="6490020" y="2714316"/>
+            <a:ext cx="957828" cy="470162"/>
+          </a:xfrm>
+          <a:prstGeom prst="rect">
+            <a:avLst/>
+          </a:prstGeom>
+          <a:solidFill>
+            <a:srgbClr val="0070C0"/>
+          </a:solidFill>
+          <a:ln w="19050">
+            <a:solidFill>
+              <a:srgbClr val="0070C0"/>
+            </a:solidFill>
+          </a:ln>
+          <a:effectLst/>
+        </p:spPr>
+        <p:style>
+          <a:lnRef idx="1">
+            <a:schemeClr val="accent2"/>
+          </a:lnRef>
+          <a:fillRef idx="2">
+            <a:schemeClr val="accent2"/>
+          </a:fillRef>
+          <a:effectRef idx="1">
+            <a:schemeClr val="accent2"/>
+          </a:effectRef>
+          <a:fontRef idx="minor">
+            <a:schemeClr val="dk1"/>
+          </a:fontRef>
+        </p:style>
+        <p:txBody>
+          <a:bodyPr rtlCol="0" anchor="ctr"/>
+          <a:lstStyle/>
+          <a:p>
+            <a:pPr algn="ctr"/>
+            <a:r>
+              <a:rPr lang="en-US" sz="1200" dirty="0" err="1">
+                <a:solidFill>
+                  <a:schemeClr val="bg1"/>
+                </a:solidFill>
+              </a:rPr>
+              <a:t>sc:Sort</a:t>
+            </a:r>
+            <a:br>
+              <a:rPr lang="en-US" sz="1200" dirty="0">
+                <a:solidFill>
+                  <a:schemeClr val="bg1"/>
+                </a:solidFill>
+              </a:rPr>
+            </a:br>
+            <a:r>
+              <a:rPr lang="en-US" sz="1200" dirty="0">
+                <a:solidFill>
+                  <a:schemeClr val="bg1"/>
+                </a:solidFill>
+              </a:rPr>
+              <a:t>Command</a:t>
+            </a:r>
+            <a:endParaRPr lang="en-SG" sz="1200" dirty="0">
+              <a:solidFill>
+                <a:schemeClr val="bg1"/>
+              </a:solidFill>
+            </a:endParaRPr>
+          </a:p>
+        </p:txBody>
+      </p:sp>
+      <p:sp>
+        <p:nvSpPr>
+          <p:cNvPr id="129" name="TextBox 128">
+            <a:extLst>
+              <a:ext uri="{FF2B5EF4-FFF2-40B4-BE49-F238E27FC236}">
+                <a16:creationId xmlns:a16="http://schemas.microsoft.com/office/drawing/2014/main" id="{936D30E1-4B0D-A54E-9262-AA7C37B2BE7C}"/>
+              </a:ext>
+            </a:extLst>
+          </p:cNvPr>
+          <p:cNvSpPr txBox="1"/>
+          <p:nvPr/>
+        </p:nvSpPr>
+        <p:spPr>
+          <a:xfrm>
+            <a:off x="7644182" y="5744695"/>
+            <a:ext cx="517772" cy="246221"/>
+          </a:xfrm>
+          <a:prstGeom prst="rect">
+            <a:avLst/>
+          </a:prstGeom>
+          <a:noFill/>
+        </p:spPr>
+        <p:txBody>
+          <a:bodyPr wrap="square" rtlCol="0">
+            <a:spAutoFit/>
+          </a:bodyPr>
+          <a:lstStyle/>
+          <a:p>
+            <a:pPr algn="ctr"/>
+            <a:r>
+              <a:rPr lang="en-US" sz="1000" dirty="0">
+                <a:solidFill>
+                  <a:schemeClr val="accent2">
+                    <a:lumMod val="75000"/>
+                  </a:schemeClr>
+                </a:solidFill>
+              </a:rPr>
+              <a:t>[else]</a:t>
+            </a:r>
+          </a:p>
+        </p:txBody>
+      </p:sp>
+      <p:sp>
+        <p:nvSpPr>
+          <p:cNvPr id="143" name="TextBox 142">
+            <a:extLst>
+              <a:ext uri="{FF2B5EF4-FFF2-40B4-BE49-F238E27FC236}">
+                <a16:creationId xmlns:a16="http://schemas.microsoft.com/office/drawing/2014/main" id="{BE7C772A-F93B-4143-AD52-A502CFD91ACE}"/>
+              </a:ext>
+            </a:extLst>
+          </p:cNvPr>
+          <p:cNvSpPr txBox="1"/>
+          <p:nvPr/>
+        </p:nvSpPr>
+        <p:spPr>
+          <a:xfrm>
+            <a:off x="6941647" y="5933468"/>
+            <a:ext cx="2021298" cy="138499"/>
+          </a:xfrm>
+          <a:prstGeom prst="rect">
+            <a:avLst/>
+          </a:prstGeom>
+          <a:noFill/>
+        </p:spPr>
+        <p:txBody>
+          <a:bodyPr wrap="square" lIns="0" tIns="0" rIns="0" bIns="0" rtlCol="0">
+            <a:spAutoFit/>
+          </a:bodyPr>
+          <a:lstStyle>
+            <a:defPPr>
+              <a:defRPr lang="en-US"/>
+            </a:defPPr>
+            <a:lvl1pPr algn="r">
+              <a:defRPr sz="1400">
+                <a:solidFill>
+                  <a:srgbClr val="0070C0"/>
+                </a:solidFill>
+              </a:defRPr>
+            </a:lvl1pPr>
+          </a:lstStyle>
+          <a:p>
+            <a:pPr algn="ctr"/>
+            <a:r>
+              <a:rPr lang="en-US" sz="900" dirty="0" err="1">
+                <a:solidFill>
+                  <a:srgbClr val="7030A0"/>
+                </a:solidFill>
+              </a:rPr>
+              <a:t>updateFilteredRestaurantList</a:t>
+            </a:r>
+            <a:r>
+              <a:rPr lang="en-US" sz="900" dirty="0">
+                <a:solidFill>
+                  <a:srgbClr val="7030A0"/>
+                </a:solidFill>
+              </a:rPr>
+              <a:t>()</a:t>
+            </a:r>
+          </a:p>
+        </p:txBody>
+      </p:sp>
+      <p:sp>
+        <p:nvSpPr>
+          <p:cNvPr id="151" name="TextBox 150">
+            <a:extLst>
+              <a:ext uri="{FF2B5EF4-FFF2-40B4-BE49-F238E27FC236}">
+                <a16:creationId xmlns:a16="http://schemas.microsoft.com/office/drawing/2014/main" id="{0CA9AD6C-C2EC-9345-B2E9-C0E55293879B}"/>
+              </a:ext>
+            </a:extLst>
+          </p:cNvPr>
+          <p:cNvSpPr txBox="1"/>
+          <p:nvPr/>
+        </p:nvSpPr>
+        <p:spPr>
+          <a:xfrm>
+            <a:off x="4960672" y="1296271"/>
+            <a:ext cx="1442999" cy="184666"/>
+          </a:xfrm>
+          <a:prstGeom prst="rect">
+            <a:avLst/>
+          </a:prstGeom>
+          <a:noFill/>
+        </p:spPr>
+        <p:txBody>
+          <a:bodyPr wrap="square" lIns="0" tIns="0" rIns="0" bIns="0" rtlCol="0">
+            <a:spAutoFit/>
+          </a:bodyPr>
+          <a:lstStyle>
+            <a:defPPr>
+              <a:defRPr lang="en-US"/>
+            </a:defPPr>
+            <a:lvl1pPr algn="r">
+              <a:defRPr sz="1400">
+                <a:solidFill>
+                  <a:srgbClr val="0070C0"/>
+                </a:solidFill>
+              </a:defRPr>
+            </a:lvl1pPr>
+          </a:lstStyle>
+          <a:p>
+            <a:pPr algn="ctr"/>
+            <a:r>
+              <a:rPr lang="en-US" sz="1200" dirty="0" err="1"/>
+              <a:t>ParseOrder</a:t>
+            </a:r>
+            <a:r>
+              <a:rPr lang="en-US" sz="1200" dirty="0"/>
+              <a:t>(order)</a:t>
+            </a:r>
+          </a:p>
+        </p:txBody>
+      </p:sp>
+      <p:sp>
+        <p:nvSpPr>
+          <p:cNvPr id="152" name="TextBox 151">
+            <a:extLst>
+              <a:ext uri="{FF2B5EF4-FFF2-40B4-BE49-F238E27FC236}">
+                <a16:creationId xmlns:a16="http://schemas.microsoft.com/office/drawing/2014/main" id="{406AE808-6797-9A43-AE52-83FA5E6B1970}"/>
+              </a:ext>
+            </a:extLst>
+          </p:cNvPr>
+          <p:cNvSpPr txBox="1"/>
+          <p:nvPr/>
+        </p:nvSpPr>
+        <p:spPr>
+          <a:xfrm>
+            <a:off x="5031906" y="1974838"/>
+            <a:ext cx="1251026" cy="184666"/>
+          </a:xfrm>
+          <a:prstGeom prst="rect">
+            <a:avLst/>
+          </a:prstGeom>
+          <a:noFill/>
+        </p:spPr>
+        <p:txBody>
+          <a:bodyPr wrap="square" lIns="0" tIns="0" rIns="0" bIns="0" rtlCol="0">
+            <a:spAutoFit/>
+          </a:bodyPr>
+          <a:lstStyle>
+            <a:defPPr>
+              <a:defRPr lang="en-US"/>
+            </a:defPPr>
+            <a:lvl1pPr algn="r">
+              <a:defRPr sz="1400">
+                <a:solidFill>
+                  <a:srgbClr val="0070C0"/>
+                </a:solidFill>
+              </a:defRPr>
+            </a:lvl1pPr>
+          </a:lstStyle>
+          <a:p>
+            <a:pPr algn="ctr"/>
+            <a:r>
+              <a:rPr lang="en-US" sz="1200" dirty="0" err="1"/>
+              <a:t>ParseLimit</a:t>
+            </a:r>
+            <a:r>
+              <a:rPr lang="en-US" sz="1200" dirty="0"/>
+              <a:t>(limit)</a:t>
+            </a:r>
+          </a:p>
+        </p:txBody>
+      </p:sp>
+      <p:cxnSp>
+        <p:nvCxnSpPr>
+          <p:cNvPr id="153" name="Straight Arrow Connector 152">
+            <a:extLst>
+              <a:ext uri="{FF2B5EF4-FFF2-40B4-BE49-F238E27FC236}">
+                <a16:creationId xmlns:a16="http://schemas.microsoft.com/office/drawing/2014/main" id="{D6AF452B-DEC1-FD49-A4B8-0909C92258C8}"/>
+              </a:ext>
+            </a:extLst>
+          </p:cNvPr>
+          <p:cNvCxnSpPr>
+            <a:cxnSpLocks/>
+          </p:cNvCxnSpPr>
+          <p:nvPr/>
+        </p:nvCxnSpPr>
+        <p:spPr>
+          <a:xfrm flipV="1">
+            <a:off x="4886742" y="2175503"/>
+            <a:ext cx="1590001" cy="5413"/>
+          </a:xfrm>
+          <a:prstGeom prst="straightConnector1">
+            <a:avLst/>
+          </a:prstGeom>
+          <a:ln w="19050">
+            <a:solidFill>
+              <a:srgbClr val="0070C0"/>
+            </a:solidFill>
+            <a:tailEnd type="arrow"/>
+          </a:ln>
+        </p:spPr>
+        <p:style>
+          <a:lnRef idx="1">
+            <a:schemeClr val="accent1"/>
+          </a:lnRef>
+          <a:fillRef idx="0">
+            <a:schemeClr val="accent1"/>
+          </a:fillRef>
+          <a:effectRef idx="0">
+            <a:schemeClr val="accent1"/>
+          </a:effectRef>
+          <a:fontRef idx="minor">
+            <a:schemeClr val="tx1"/>
+          </a:fontRef>
+        </p:style>
+      </p:cxnSp>
+      <p:cxnSp>
+        <p:nvCxnSpPr>
+          <p:cNvPr id="154" name="Straight Arrow Connector 153">
+            <a:extLst>
+              <a:ext uri="{FF2B5EF4-FFF2-40B4-BE49-F238E27FC236}">
+                <a16:creationId xmlns:a16="http://schemas.microsoft.com/office/drawing/2014/main" id="{AF0522DD-A640-7840-8465-3173228582A1}"/>
+              </a:ext>
+            </a:extLst>
+          </p:cNvPr>
+          <p:cNvCxnSpPr>
+            <a:cxnSpLocks/>
+          </p:cNvCxnSpPr>
+          <p:nvPr/>
+        </p:nvCxnSpPr>
+        <p:spPr>
+          <a:xfrm>
+            <a:off x="4842937" y="1524970"/>
+            <a:ext cx="1653057" cy="0"/>
+          </a:xfrm>
+          <a:prstGeom prst="straightConnector1">
+            <a:avLst/>
+          </a:prstGeom>
+          <a:ln w="19050">
+            <a:solidFill>
+              <a:srgbClr val="0070C0"/>
+            </a:solidFill>
+            <a:tailEnd type="arrow"/>
+          </a:ln>
+        </p:spPr>
+        <p:style>
+          <a:lnRef idx="1">
+            <a:schemeClr val="accent1"/>
+          </a:lnRef>
+          <a:fillRef idx="0">
+            <a:schemeClr val="accent1"/>
+          </a:fillRef>
+          <a:effectRef idx="0">
+            <a:schemeClr val="accent1"/>
+          </a:effectRef>
+          <a:fontRef idx="minor">
+            <a:schemeClr val="tx1"/>
+          </a:fontRef>
+        </p:style>
+      </p:cxnSp>
+      <p:cxnSp>
+        <p:nvCxnSpPr>
+          <p:cNvPr id="155" name="Straight Connector 154">
+            <a:extLst>
+              <a:ext uri="{FF2B5EF4-FFF2-40B4-BE49-F238E27FC236}">
+                <a16:creationId xmlns:a16="http://schemas.microsoft.com/office/drawing/2014/main" id="{57EAC7E9-DF1D-3849-AD57-54B1989DF1EB}"/>
+              </a:ext>
+            </a:extLst>
+          </p:cNvPr>
+          <p:cNvCxnSpPr>
+            <a:cxnSpLocks/>
+          </p:cNvCxnSpPr>
+          <p:nvPr/>
+        </p:nvCxnSpPr>
+        <p:spPr>
+          <a:xfrm flipH="1">
+            <a:off x="6553572" y="997229"/>
+            <a:ext cx="2120" cy="1541571"/>
+          </a:xfrm>
+          <a:prstGeom prst="line">
+            <a:avLst/>
+          </a:prstGeom>
+          <a:ln w="19050">
+            <a:solidFill>
+              <a:srgbClr val="0070C0"/>
+            </a:solidFill>
+            <a:prstDash val="sysDash"/>
+          </a:ln>
+          <a:effectLst/>
+        </p:spPr>
+        <p:style>
+          <a:lnRef idx="1">
+            <a:schemeClr val="accent1"/>
+          </a:lnRef>
+          <a:fillRef idx="2">
+            <a:schemeClr val="accent1"/>
+          </a:fillRef>
+          <a:effectRef idx="1">
+            <a:schemeClr val="accent1"/>
+          </a:effectRef>
+          <a:fontRef idx="minor">
+            <a:schemeClr val="dk1"/>
+          </a:fontRef>
+        </p:style>
+      </p:cxnSp>
+      <p:sp>
+        <p:nvSpPr>
+          <p:cNvPr id="156" name="Rectangle 155">
+            <a:extLst>
+              <a:ext uri="{FF2B5EF4-FFF2-40B4-BE49-F238E27FC236}">
+                <a16:creationId xmlns:a16="http://schemas.microsoft.com/office/drawing/2014/main" id="{7B478F51-292E-8D49-9C77-CC6A9534F4D1}"/>
+              </a:ext>
+            </a:extLst>
+          </p:cNvPr>
+          <p:cNvSpPr/>
+          <p:nvPr/>
+        </p:nvSpPr>
+        <p:spPr>
+          <a:xfrm>
+            <a:off x="6487745" y="997229"/>
+            <a:ext cx="152400" cy="276003"/>
+          </a:xfrm>
+          <a:prstGeom prst="rect">
+            <a:avLst/>
+          </a:prstGeom>
+          <a:solidFill>
+            <a:srgbClr val="0070C0"/>
+          </a:solidFill>
+          <a:ln>
+            <a:solidFill>
+              <a:srgbClr val="0070C0"/>
+            </a:solidFill>
+          </a:ln>
+          <a:effectLst/>
+        </p:spPr>
+        <p:style>
+          <a:lnRef idx="1">
+            <a:schemeClr val="accent3"/>
+          </a:lnRef>
+          <a:fillRef idx="2">
+            <a:schemeClr val="accent3"/>
+          </a:fillRef>
+          <a:effectRef idx="1">
+            <a:schemeClr val="accent3"/>
+          </a:effectRef>
+          <a:fontRef idx="minor">
+            <a:schemeClr val="dk1"/>
+          </a:fontRef>
+        </p:style>
+        <p:txBody>
+          <a:bodyPr rtlCol="0" anchor="ctr"/>
+          <a:lstStyle/>
+          <a:p>
+            <a:pPr algn="ctr"/>
+            <a:endParaRPr lang="en-SG" sz="1200"/>
+          </a:p>
+        </p:txBody>
+      </p:sp>
+      <p:sp>
+        <p:nvSpPr>
+          <p:cNvPr id="157" name="Rectangle 156">
+            <a:extLst>
+              <a:ext uri="{FF2B5EF4-FFF2-40B4-BE49-F238E27FC236}">
+                <a16:creationId xmlns:a16="http://schemas.microsoft.com/office/drawing/2014/main" id="{D6F1504D-FAAC-D841-8112-B8871E5795A0}"/>
+              </a:ext>
+            </a:extLst>
+          </p:cNvPr>
+          <p:cNvSpPr/>
+          <p:nvPr/>
+        </p:nvSpPr>
+        <p:spPr>
+          <a:xfrm>
+            <a:off x="6472750" y="1524274"/>
+            <a:ext cx="161322" cy="893228"/>
+          </a:xfrm>
+          <a:prstGeom prst="rect">
+            <a:avLst/>
+          </a:prstGeom>
+          <a:solidFill>
+            <a:srgbClr val="0070C0"/>
+          </a:solidFill>
+          <a:ln>
+            <a:solidFill>
+              <a:srgbClr val="0070C0"/>
+            </a:solidFill>
+          </a:ln>
+          <a:effectLst/>
+        </p:spPr>
+        <p:style>
+          <a:lnRef idx="1">
+            <a:schemeClr val="accent3"/>
+          </a:lnRef>
+          <a:fillRef idx="2">
+            <a:schemeClr val="accent3"/>
+          </a:fillRef>
+          <a:effectRef idx="1">
+            <a:schemeClr val="accent3"/>
+          </a:effectRef>
+          <a:fontRef idx="minor">
+            <a:schemeClr val="dk1"/>
+          </a:fontRef>
+        </p:style>
+        <p:txBody>
+          <a:bodyPr rtlCol="0" anchor="ctr"/>
+          <a:lstStyle/>
+          <a:p>
+            <a:pPr algn="ctr"/>
+            <a:endParaRPr lang="en-SG" sz="1200"/>
+          </a:p>
+        </p:txBody>
+      </p:sp>
+      <p:sp>
+        <p:nvSpPr>
+          <p:cNvPr id="158" name="Rectangle 62">
+            <a:extLst>
+              <a:ext uri="{FF2B5EF4-FFF2-40B4-BE49-F238E27FC236}">
+                <a16:creationId xmlns:a16="http://schemas.microsoft.com/office/drawing/2014/main" id="{73857DEB-C885-B941-98F7-7BA292B291F2}"/>
+              </a:ext>
+            </a:extLst>
+          </p:cNvPr>
+          <p:cNvSpPr/>
+          <p:nvPr/>
+        </p:nvSpPr>
+        <p:spPr>
+          <a:xfrm>
+            <a:off x="6125125" y="809316"/>
+            <a:ext cx="899296" cy="338701"/>
+          </a:xfrm>
+          <a:prstGeom prst="rect">
+            <a:avLst/>
+          </a:prstGeom>
+          <a:solidFill>
+            <a:srgbClr val="0070C0"/>
+          </a:solidFill>
+          <a:ln w="19050">
+            <a:solidFill>
+              <a:srgbClr val="0070C0"/>
+            </a:solidFill>
+          </a:ln>
+          <a:effectLst/>
+        </p:spPr>
+        <p:style>
+          <a:lnRef idx="1">
+            <a:schemeClr val="accent2"/>
+          </a:lnRef>
+          <a:fillRef idx="2">
+            <a:schemeClr val="accent2"/>
+          </a:fillRef>
+          <a:effectRef idx="1">
+            <a:schemeClr val="accent2"/>
+          </a:effectRef>
+          <a:fontRef idx="minor">
+            <a:schemeClr val="dk1"/>
+          </a:fontRef>
+        </p:style>
+        <p:txBody>
+          <a:bodyPr rtlCol="0" anchor="ctr"/>
+          <a:lstStyle/>
+          <a:p>
+            <a:pPr algn="ctr"/>
+            <a:r>
+              <a:rPr lang="en-US" sz="1200" dirty="0">
+                <a:solidFill>
+                  <a:schemeClr val="bg1"/>
+                </a:solidFill>
+              </a:rPr>
+              <a:t>:</a:t>
+            </a:r>
+            <a:r>
+              <a:rPr lang="en-US" sz="1200" dirty="0" err="1">
+                <a:solidFill>
+                  <a:schemeClr val="bg1"/>
+                </a:solidFill>
+              </a:rPr>
+              <a:t>ParserUtil</a:t>
+            </a:r>
+            <a:endParaRPr lang="en-SG" sz="1200" dirty="0">
+              <a:solidFill>
+                <a:schemeClr val="bg1"/>
+              </a:solidFill>
+            </a:endParaRPr>
+          </a:p>
+        </p:txBody>
+      </p:sp>
+      <p:cxnSp>
+        <p:nvCxnSpPr>
+          <p:cNvPr id="169" name="Straight Arrow Connector 168">
+            <a:extLst>
+              <a:ext uri="{FF2B5EF4-FFF2-40B4-BE49-F238E27FC236}">
+                <a16:creationId xmlns:a16="http://schemas.microsoft.com/office/drawing/2014/main" id="{23751997-6583-564A-932D-2D439BFE1182}"/>
+              </a:ext>
+            </a:extLst>
+          </p:cNvPr>
+          <p:cNvCxnSpPr>
+            <a:cxnSpLocks/>
+          </p:cNvCxnSpPr>
+          <p:nvPr/>
+        </p:nvCxnSpPr>
+        <p:spPr>
+          <a:xfrm>
+            <a:off x="4880669" y="1758769"/>
+            <a:ext cx="1607076" cy="0"/>
+          </a:xfrm>
+          <a:prstGeom prst="straightConnector1">
+            <a:avLst/>
+          </a:prstGeom>
+          <a:ln w="19050">
+            <a:solidFill>
+              <a:srgbClr val="0070C0"/>
+            </a:solidFill>
+            <a:prstDash val="sysDash"/>
+            <a:headEnd type="arrow" w="med" len="med"/>
+            <a:tailEnd type="none" w="med" len="med"/>
+          </a:ln>
+        </p:spPr>
+        <p:style>
+          <a:lnRef idx="1">
+            <a:schemeClr val="accent1"/>
+          </a:lnRef>
+          <a:fillRef idx="0">
+            <a:schemeClr val="accent1"/>
+          </a:fillRef>
+          <a:effectRef idx="0">
+            <a:schemeClr val="accent1"/>
+          </a:effectRef>
+          <a:fontRef idx="minor">
+            <a:schemeClr val="tx1"/>
+          </a:fontRef>
+        </p:style>
+      </p:cxnSp>
+      <p:sp>
+        <p:nvSpPr>
+          <p:cNvPr id="171" name="TextBox 170">
+            <a:extLst>
+              <a:ext uri="{FF2B5EF4-FFF2-40B4-BE49-F238E27FC236}">
+                <a16:creationId xmlns:a16="http://schemas.microsoft.com/office/drawing/2014/main" id="{23F9B265-7EAC-E24C-90F5-3EE380C33A83}"/>
+              </a:ext>
+            </a:extLst>
+          </p:cNvPr>
+          <p:cNvSpPr txBox="1"/>
+          <p:nvPr/>
+        </p:nvSpPr>
+        <p:spPr>
+          <a:xfrm>
+            <a:off x="5077729" y="1556548"/>
+            <a:ext cx="1238465" cy="184666"/>
+          </a:xfrm>
+          <a:prstGeom prst="rect">
+            <a:avLst/>
+          </a:prstGeom>
+          <a:noFill/>
+        </p:spPr>
+        <p:txBody>
+          <a:bodyPr wrap="square" lIns="0" tIns="0" rIns="0" bIns="0" rtlCol="0">
+            <a:spAutoFit/>
+          </a:bodyPr>
+          <a:lstStyle>
+            <a:defPPr>
+              <a:defRPr lang="en-US"/>
+            </a:defPPr>
+            <a:lvl1pPr algn="r">
+              <a:defRPr sz="1400">
+                <a:solidFill>
+                  <a:srgbClr val="0070C0"/>
+                </a:solidFill>
+              </a:defRPr>
+            </a:lvl1pPr>
+          </a:lstStyle>
+          <a:p>
+            <a:pPr algn="ctr"/>
+            <a:r>
+              <a:rPr lang="en-US" sz="1200" dirty="0"/>
+              <a:t>order</a:t>
+            </a:r>
+          </a:p>
+        </p:txBody>
+      </p:sp>
+      <p:cxnSp>
+        <p:nvCxnSpPr>
+          <p:cNvPr id="172" name="Straight Arrow Connector 171">
+            <a:extLst>
+              <a:ext uri="{FF2B5EF4-FFF2-40B4-BE49-F238E27FC236}">
+                <a16:creationId xmlns:a16="http://schemas.microsoft.com/office/drawing/2014/main" id="{F85919DE-1933-574B-807D-9F78FA918640}"/>
+              </a:ext>
+            </a:extLst>
+          </p:cNvPr>
+          <p:cNvCxnSpPr>
+            <a:cxnSpLocks/>
+          </p:cNvCxnSpPr>
+          <p:nvPr/>
+        </p:nvCxnSpPr>
+        <p:spPr>
+          <a:xfrm>
+            <a:off x="4872538" y="2407133"/>
+            <a:ext cx="1607076" cy="0"/>
+          </a:xfrm>
+          <a:prstGeom prst="straightConnector1">
+            <a:avLst/>
+          </a:prstGeom>
+          <a:ln w="19050">
+            <a:solidFill>
+              <a:srgbClr val="0070C0"/>
+            </a:solidFill>
+            <a:prstDash val="sysDash"/>
+            <a:headEnd type="arrow" w="med" len="med"/>
+            <a:tailEnd type="none" w="med" len="med"/>
+          </a:ln>
+        </p:spPr>
+        <p:style>
+          <a:lnRef idx="1">
+            <a:schemeClr val="accent1"/>
+          </a:lnRef>
+          <a:fillRef idx="0">
+            <a:schemeClr val="accent1"/>
+          </a:fillRef>
+          <a:effectRef idx="0">
+            <a:schemeClr val="accent1"/>
+          </a:effectRef>
+          <a:fontRef idx="minor">
+            <a:schemeClr val="tx1"/>
+          </a:fontRef>
+        </p:style>
+      </p:cxnSp>
+      <p:sp>
+        <p:nvSpPr>
+          <p:cNvPr id="173" name="TextBox 172">
+            <a:extLst>
+              <a:ext uri="{FF2B5EF4-FFF2-40B4-BE49-F238E27FC236}">
+                <a16:creationId xmlns:a16="http://schemas.microsoft.com/office/drawing/2014/main" id="{BEEE96AA-6649-ED4E-AE9A-E4A800DE97A5}"/>
+              </a:ext>
+            </a:extLst>
+          </p:cNvPr>
+          <p:cNvSpPr txBox="1"/>
+          <p:nvPr/>
+        </p:nvSpPr>
+        <p:spPr>
+          <a:xfrm>
+            <a:off x="5069598" y="2204912"/>
+            <a:ext cx="1238465" cy="184666"/>
+          </a:xfrm>
+          <a:prstGeom prst="rect">
+            <a:avLst/>
+          </a:prstGeom>
+          <a:noFill/>
+        </p:spPr>
+        <p:txBody>
+          <a:bodyPr wrap="square" lIns="0" tIns="0" rIns="0" bIns="0" rtlCol="0">
+            <a:spAutoFit/>
+          </a:bodyPr>
+          <a:lstStyle>
+            <a:defPPr>
+              <a:defRPr lang="en-US"/>
+            </a:defPPr>
+            <a:lvl1pPr algn="r">
+              <a:defRPr sz="1400">
+                <a:solidFill>
+                  <a:srgbClr val="0070C0"/>
+                </a:solidFill>
+              </a:defRPr>
+            </a:lvl1pPr>
+          </a:lstStyle>
+          <a:p>
+            <a:pPr algn="ctr"/>
+            <a:r>
+              <a:rPr lang="en-US" sz="1200" dirty="0"/>
+              <a:t>limit</a:t>
+            </a:r>
+          </a:p>
+        </p:txBody>
+      </p:sp>
+      <p:sp>
+        <p:nvSpPr>
+          <p:cNvPr id="179" name="TextBox 178">
+            <a:extLst>
+              <a:ext uri="{FF2B5EF4-FFF2-40B4-BE49-F238E27FC236}">
+                <a16:creationId xmlns:a16="http://schemas.microsoft.com/office/drawing/2014/main" id="{39A80F65-D71B-7941-A22D-83ABDAE3690E}"/>
+              </a:ext>
+            </a:extLst>
+          </p:cNvPr>
+          <p:cNvSpPr txBox="1"/>
+          <p:nvPr/>
+        </p:nvSpPr>
+        <p:spPr>
+          <a:xfrm>
+            <a:off x="4734152" y="2824417"/>
+            <a:ext cx="1862029" cy="161583"/>
+          </a:xfrm>
+          <a:prstGeom prst="rect">
+            <a:avLst/>
+          </a:prstGeom>
+          <a:noFill/>
+        </p:spPr>
+        <p:txBody>
+          <a:bodyPr wrap="square" lIns="0" tIns="0" rIns="0" bIns="0" rtlCol="0">
+            <a:spAutoFit/>
+          </a:bodyPr>
+          <a:lstStyle>
+            <a:defPPr>
+              <a:defRPr lang="en-US"/>
+            </a:defPPr>
+            <a:lvl1pPr algn="r">
+              <a:defRPr sz="1400">
+                <a:solidFill>
+                  <a:srgbClr val="0070C0"/>
+                </a:solidFill>
+              </a:defRPr>
+            </a:lvl1pPr>
+          </a:lstStyle>
+          <a:p>
+            <a:pPr algn="ctr"/>
+            <a:r>
+              <a:rPr lang="en-US" sz="1050" dirty="0" err="1"/>
+              <a:t>SortCommand</a:t>
+            </a:r>
+            <a:r>
+              <a:rPr lang="en-US" sz="1050" dirty="0"/>
+              <a:t>(order, limit)</a:t>
+            </a:r>
+          </a:p>
+        </p:txBody>
+      </p:sp>
+      <p:cxnSp>
+        <p:nvCxnSpPr>
+          <p:cNvPr id="180" name="Straight Arrow Connector 179">
+            <a:extLst>
+              <a:ext uri="{FF2B5EF4-FFF2-40B4-BE49-F238E27FC236}">
+                <a16:creationId xmlns:a16="http://schemas.microsoft.com/office/drawing/2014/main" id="{B2B7477A-B513-CB46-838A-DBBDCFD206F4}"/>
+              </a:ext>
+            </a:extLst>
+          </p:cNvPr>
+          <p:cNvCxnSpPr>
+            <a:cxnSpLocks/>
+          </p:cNvCxnSpPr>
+          <p:nvPr/>
+        </p:nvCxnSpPr>
+        <p:spPr>
+          <a:xfrm>
+            <a:off x="4882788" y="3060791"/>
+            <a:ext cx="1597679" cy="0"/>
+          </a:xfrm>
+          <a:prstGeom prst="straightConnector1">
+            <a:avLst/>
+          </a:prstGeom>
+          <a:ln w="19050">
+            <a:solidFill>
+              <a:srgbClr val="0070C0"/>
+            </a:solidFill>
+            <a:tailEnd type="arrow"/>
+          </a:ln>
+        </p:spPr>
+        <p:style>
+          <a:lnRef idx="1">
+            <a:schemeClr val="accent1"/>
+          </a:lnRef>
+          <a:fillRef idx="0">
+            <a:schemeClr val="accent1"/>
+          </a:fillRef>
+          <a:effectRef idx="0">
+            <a:schemeClr val="accent1"/>
+          </a:effectRef>
+          <a:fontRef idx="minor">
+            <a:schemeClr val="tx1"/>
+          </a:fontRef>
+        </p:style>
+      </p:cxnSp>
+      <p:cxnSp>
+        <p:nvCxnSpPr>
+          <p:cNvPr id="181" name="Straight Arrow Connector 180">
+            <a:extLst>
+              <a:ext uri="{FF2B5EF4-FFF2-40B4-BE49-F238E27FC236}">
+                <a16:creationId xmlns:a16="http://schemas.microsoft.com/office/drawing/2014/main" id="{31D88022-C920-4046-AA59-79E24BEEC719}"/>
+              </a:ext>
+            </a:extLst>
+          </p:cNvPr>
+          <p:cNvCxnSpPr>
+            <a:cxnSpLocks/>
+            <a:endCxn id="189" idx="2"/>
+          </p:cNvCxnSpPr>
+          <p:nvPr/>
+        </p:nvCxnSpPr>
+        <p:spPr>
+          <a:xfrm>
+            <a:off x="4880669" y="3343179"/>
+            <a:ext cx="2067050" cy="0"/>
+          </a:xfrm>
+          <a:prstGeom prst="straightConnector1">
+            <a:avLst/>
+          </a:prstGeom>
+          <a:ln w="19050">
+            <a:solidFill>
+              <a:srgbClr val="0070C0"/>
+            </a:solidFill>
+            <a:prstDash val="sysDash"/>
+            <a:headEnd type="arrow" w="med" len="med"/>
+            <a:tailEnd type="none" w="med" len="med"/>
+          </a:ln>
+        </p:spPr>
+        <p:style>
+          <a:lnRef idx="1">
+            <a:schemeClr val="accent1"/>
+          </a:lnRef>
+          <a:fillRef idx="0">
+            <a:schemeClr val="accent1"/>
+          </a:fillRef>
+          <a:effectRef idx="0">
+            <a:schemeClr val="accent1"/>
+          </a:effectRef>
+          <a:fontRef idx="minor">
+            <a:schemeClr val="tx1"/>
+          </a:fontRef>
+        </p:style>
+      </p:cxnSp>
+      <p:sp>
+        <p:nvSpPr>
+          <p:cNvPr id="189" name="Rectangle 188">
+            <a:extLst>
+              <a:ext uri="{FF2B5EF4-FFF2-40B4-BE49-F238E27FC236}">
+                <a16:creationId xmlns:a16="http://schemas.microsoft.com/office/drawing/2014/main" id="{68CCAEFA-C3B1-9F47-9B17-CCAF0C01C59E}"/>
+              </a:ext>
+            </a:extLst>
+          </p:cNvPr>
+          <p:cNvSpPr/>
+          <p:nvPr/>
+        </p:nvSpPr>
+        <p:spPr>
+          <a:xfrm>
+            <a:off x="6871519" y="3141938"/>
+            <a:ext cx="152400" cy="201241"/>
+          </a:xfrm>
+          <a:prstGeom prst="rect">
+            <a:avLst/>
+          </a:prstGeom>
+          <a:solidFill>
+            <a:srgbClr val="0070C0"/>
+          </a:solidFill>
+          <a:ln>
+            <a:solidFill>
+              <a:srgbClr val="0070C0"/>
+            </a:solidFill>
+          </a:ln>
+          <a:effectLst/>
+        </p:spPr>
+        <p:style>
+          <a:lnRef idx="1">
+            <a:schemeClr val="accent3"/>
+          </a:lnRef>
+          <a:fillRef idx="2">
+            <a:schemeClr val="accent3"/>
+          </a:fillRef>
+          <a:effectRef idx="1">
+            <a:schemeClr val="accent3"/>
+          </a:effectRef>
+          <a:fontRef idx="minor">
+            <a:schemeClr val="dk1"/>
+          </a:fontRef>
+        </p:style>
+        <p:txBody>
+          <a:bodyPr rtlCol="0" anchor="ctr"/>
+          <a:lstStyle/>
+          <a:p>
+            <a:pPr algn="ctr"/>
+            <a:endParaRPr lang="en-SG" sz="1200"/>
+          </a:p>
+        </p:txBody>
+      </p:sp>
+      <p:sp>
+        <p:nvSpPr>
+          <p:cNvPr id="200" name="TextBox 199">
+            <a:extLst>
+              <a:ext uri="{FF2B5EF4-FFF2-40B4-BE49-F238E27FC236}">
+                <a16:creationId xmlns:a16="http://schemas.microsoft.com/office/drawing/2014/main" id="{6CA4E5D5-5439-4442-8AD6-9FB6AA4CFD14}"/>
+              </a:ext>
+            </a:extLst>
+          </p:cNvPr>
+          <p:cNvSpPr txBox="1"/>
+          <p:nvPr/>
+        </p:nvSpPr>
+        <p:spPr>
+          <a:xfrm>
+            <a:off x="-528079" y="6966517"/>
+            <a:ext cx="855809" cy="184666"/>
+          </a:xfrm>
+          <a:prstGeom prst="rect">
+            <a:avLst/>
+          </a:prstGeom>
+          <a:noFill/>
+        </p:spPr>
+        <p:txBody>
+          <a:bodyPr wrap="square" lIns="0" tIns="0" rIns="0" bIns="0" rtlCol="0">
+            <a:spAutoFit/>
+          </a:bodyPr>
+          <a:lstStyle>
+            <a:defPPr>
+              <a:defRPr lang="en-US"/>
+            </a:defPPr>
+            <a:lvl1pPr algn="r">
+              <a:defRPr sz="1400">
+                <a:solidFill>
+                  <a:srgbClr val="0070C0"/>
+                </a:solidFill>
+              </a:defRPr>
+            </a:lvl1pPr>
+          </a:lstStyle>
+          <a:p>
+            <a:pPr algn="ctr"/>
+            <a:r>
+              <a:rPr lang="en-US" sz="1200" dirty="0"/>
+              <a:t>result</a:t>
+            </a:r>
+          </a:p>
+        </p:txBody>
+      </p:sp>
+      <p:sp>
+        <p:nvSpPr>
+          <p:cNvPr id="203" name="TextBox 202">
+            <a:extLst>
+              <a:ext uri="{FF2B5EF4-FFF2-40B4-BE49-F238E27FC236}">
+                <a16:creationId xmlns:a16="http://schemas.microsoft.com/office/drawing/2014/main" id="{A06C6AF6-7775-BA46-836B-DA0EB45CB938}"/>
+              </a:ext>
+            </a:extLst>
+          </p:cNvPr>
+          <p:cNvSpPr txBox="1"/>
+          <p:nvPr/>
+        </p:nvSpPr>
+        <p:spPr>
+          <a:xfrm>
+            <a:off x="4668246" y="3362065"/>
+            <a:ext cx="269315" cy="369332"/>
+          </a:xfrm>
+          <a:prstGeom prst="rect">
+            <a:avLst/>
+          </a:prstGeom>
+          <a:noFill/>
+        </p:spPr>
+        <p:txBody>
+          <a:bodyPr wrap="square" rtlCol="0">
+            <a:spAutoFit/>
+          </a:bodyPr>
+          <a:lstStyle/>
+          <a:p>
+            <a:r>
+              <a:rPr lang="en-US" dirty="0"/>
+              <a:t>x</a:t>
+            </a:r>
+          </a:p>
+        </p:txBody>
+      </p:sp>
+      <p:sp>
+        <p:nvSpPr>
+          <p:cNvPr id="210" name="Rectangle 62">
+            <a:extLst>
+              <a:ext uri="{FF2B5EF4-FFF2-40B4-BE49-F238E27FC236}">
+                <a16:creationId xmlns:a16="http://schemas.microsoft.com/office/drawing/2014/main" id="{F3F60AAA-7A5F-594E-982A-D74FCCC37C20}"/>
+              </a:ext>
+            </a:extLst>
+          </p:cNvPr>
+          <p:cNvSpPr/>
+          <p:nvPr/>
+        </p:nvSpPr>
+        <p:spPr>
+          <a:xfrm>
+            <a:off x="7746024" y="3590960"/>
+            <a:ext cx="873206" cy="347331"/>
+          </a:xfrm>
+          <a:prstGeom prst="rect">
+            <a:avLst/>
+          </a:prstGeom>
+          <a:solidFill>
+            <a:srgbClr val="0070C0"/>
+          </a:solidFill>
+          <a:ln w="19050">
+            <a:solidFill>
+              <a:srgbClr val="0070C0"/>
+            </a:solidFill>
+          </a:ln>
+          <a:effectLst/>
+        </p:spPr>
+        <p:style>
+          <a:lnRef idx="1">
+            <a:schemeClr val="accent2"/>
+          </a:lnRef>
+          <a:fillRef idx="2">
+            <a:schemeClr val="accent2"/>
+          </a:fillRef>
+          <a:effectRef idx="1">
+            <a:schemeClr val="accent2"/>
+          </a:effectRef>
+          <a:fontRef idx="minor">
+            <a:schemeClr val="dk1"/>
+          </a:fontRef>
+        </p:style>
+        <p:txBody>
+          <a:bodyPr rtlCol="0" anchor="ctr"/>
+          <a:lstStyle/>
+          <a:p>
+            <a:pPr algn="ctr"/>
+            <a:r>
+              <a:rPr lang="en-US" sz="1200" dirty="0">
+                <a:solidFill>
+                  <a:schemeClr val="bg1"/>
+                </a:solidFill>
+              </a:rPr>
+              <a:t>:</a:t>
+            </a:r>
+            <a:r>
+              <a:rPr lang="en-US" sz="1200" dirty="0" err="1">
+                <a:solidFill>
+                  <a:schemeClr val="bg1"/>
+                </a:solidFill>
+              </a:rPr>
+              <a:t>SortRating</a:t>
+            </a:r>
+            <a:endParaRPr lang="en-SG" sz="1200" dirty="0">
+              <a:solidFill>
+                <a:schemeClr val="bg1"/>
+              </a:solidFill>
+            </a:endParaRPr>
+          </a:p>
+        </p:txBody>
+      </p:sp>
+      <p:sp>
+        <p:nvSpPr>
+          <p:cNvPr id="211" name="Rectangle 210">
+            <a:extLst>
+              <a:ext uri="{FF2B5EF4-FFF2-40B4-BE49-F238E27FC236}">
+                <a16:creationId xmlns:a16="http://schemas.microsoft.com/office/drawing/2014/main" id="{B18845EE-D864-0D4A-90AA-33253AAA9975}"/>
+              </a:ext>
+            </a:extLst>
+          </p:cNvPr>
+          <p:cNvSpPr/>
+          <p:nvPr/>
+        </p:nvSpPr>
+        <p:spPr>
+          <a:xfrm>
+            <a:off x="8100810" y="3913366"/>
+            <a:ext cx="152400" cy="201241"/>
+          </a:xfrm>
+          <a:prstGeom prst="rect">
+            <a:avLst/>
+          </a:prstGeom>
+          <a:solidFill>
+            <a:srgbClr val="0070C0"/>
+          </a:solidFill>
+          <a:ln>
+            <a:solidFill>
+              <a:srgbClr val="0070C0"/>
+            </a:solidFill>
+          </a:ln>
+          <a:effectLst/>
+        </p:spPr>
+        <p:style>
+          <a:lnRef idx="1">
+            <a:schemeClr val="accent3"/>
+          </a:lnRef>
+          <a:fillRef idx="2">
+            <a:schemeClr val="accent3"/>
+          </a:fillRef>
+          <a:effectRef idx="1">
+            <a:schemeClr val="accent3"/>
+          </a:effectRef>
+          <a:fontRef idx="minor">
+            <a:schemeClr val="dk1"/>
+          </a:fontRef>
+        </p:style>
+        <p:txBody>
+          <a:bodyPr rtlCol="0" anchor="ctr"/>
+          <a:lstStyle/>
+          <a:p>
+            <a:pPr algn="ctr"/>
+            <a:endParaRPr lang="en-SG" sz="1200"/>
+          </a:p>
+        </p:txBody>
+      </p:sp>
+      <p:cxnSp>
+        <p:nvCxnSpPr>
+          <p:cNvPr id="212" name="Straight Arrow Connector 211">
+            <a:extLst>
+              <a:ext uri="{FF2B5EF4-FFF2-40B4-BE49-F238E27FC236}">
+                <a16:creationId xmlns:a16="http://schemas.microsoft.com/office/drawing/2014/main" id="{97004BCA-C35C-F640-B460-C9CAA348CAE9}"/>
+              </a:ext>
+            </a:extLst>
+          </p:cNvPr>
+          <p:cNvCxnSpPr>
+            <a:cxnSpLocks/>
+          </p:cNvCxnSpPr>
+          <p:nvPr/>
+        </p:nvCxnSpPr>
+        <p:spPr>
+          <a:xfrm>
+            <a:off x="7000574" y="3817784"/>
+            <a:ext cx="744277" cy="0"/>
+          </a:xfrm>
+          <a:prstGeom prst="straightConnector1">
+            <a:avLst/>
+          </a:prstGeom>
+          <a:ln w="19050">
+            <a:solidFill>
+              <a:srgbClr val="0070C0"/>
+            </a:solidFill>
+            <a:tailEnd type="arrow"/>
+          </a:ln>
+        </p:spPr>
+        <p:style>
+          <a:lnRef idx="1">
+            <a:schemeClr val="accent1"/>
+          </a:lnRef>
+          <a:fillRef idx="0">
+            <a:schemeClr val="accent1"/>
+          </a:fillRef>
+          <a:effectRef idx="0">
+            <a:schemeClr val="accent1"/>
+          </a:effectRef>
+          <a:fontRef idx="minor">
+            <a:schemeClr val="tx1"/>
+          </a:fontRef>
+        </p:style>
+      </p:cxnSp>
+      <p:cxnSp>
+        <p:nvCxnSpPr>
+          <p:cNvPr id="214" name="Straight Arrow Connector 213">
+            <a:extLst>
+              <a:ext uri="{FF2B5EF4-FFF2-40B4-BE49-F238E27FC236}">
+                <a16:creationId xmlns:a16="http://schemas.microsoft.com/office/drawing/2014/main" id="{CB7F4598-9E61-9243-9C5D-720F41816C7A}"/>
+              </a:ext>
+            </a:extLst>
+          </p:cNvPr>
+          <p:cNvCxnSpPr>
+            <a:cxnSpLocks/>
+          </p:cNvCxnSpPr>
+          <p:nvPr/>
+        </p:nvCxnSpPr>
+        <p:spPr>
+          <a:xfrm>
+            <a:off x="7023919" y="4114607"/>
+            <a:ext cx="1086617" cy="0"/>
+          </a:xfrm>
+          <a:prstGeom prst="straightConnector1">
+            <a:avLst/>
+          </a:prstGeom>
+          <a:ln w="19050">
+            <a:solidFill>
+              <a:srgbClr val="0070C0"/>
+            </a:solidFill>
+            <a:prstDash val="sysDash"/>
+            <a:headEnd type="arrow" w="med" len="med"/>
+            <a:tailEnd type="none" w="med" len="med"/>
+          </a:ln>
+        </p:spPr>
+        <p:style>
+          <a:lnRef idx="1">
+            <a:schemeClr val="accent1"/>
+          </a:lnRef>
+          <a:fillRef idx="0">
+            <a:schemeClr val="accent1"/>
+          </a:fillRef>
+          <a:effectRef idx="0">
+            <a:schemeClr val="accent1"/>
+          </a:effectRef>
+          <a:fontRef idx="minor">
+            <a:schemeClr val="tx1"/>
+          </a:fontRef>
+        </p:style>
+      </p:cxnSp>
+      <p:sp>
+        <p:nvSpPr>
+          <p:cNvPr id="216" name="TextBox 215">
+            <a:extLst>
+              <a:ext uri="{FF2B5EF4-FFF2-40B4-BE49-F238E27FC236}">
+                <a16:creationId xmlns:a16="http://schemas.microsoft.com/office/drawing/2014/main" id="{15953AB7-B139-514D-80D9-CE565676462F}"/>
+              </a:ext>
+            </a:extLst>
+          </p:cNvPr>
+          <p:cNvSpPr txBox="1"/>
+          <p:nvPr/>
+        </p:nvSpPr>
+        <p:spPr>
+          <a:xfrm>
+            <a:off x="6972385" y="3470576"/>
+            <a:ext cx="751709" cy="323165"/>
+          </a:xfrm>
+          <a:prstGeom prst="rect">
+            <a:avLst/>
+          </a:prstGeom>
+          <a:noFill/>
+        </p:spPr>
+        <p:txBody>
+          <a:bodyPr wrap="square" lIns="0" tIns="0" rIns="0" bIns="0" rtlCol="0">
+            <a:spAutoFit/>
+          </a:bodyPr>
+          <a:lstStyle>
+            <a:defPPr>
+              <a:defRPr lang="en-US"/>
+            </a:defPPr>
+            <a:lvl1pPr algn="r">
+              <a:defRPr sz="1400">
+                <a:solidFill>
+                  <a:srgbClr val="0070C0"/>
+                </a:solidFill>
+              </a:defRPr>
+            </a:lvl1pPr>
+          </a:lstStyle>
+          <a:p>
+            <a:pPr algn="ctr"/>
+            <a:r>
+              <a:rPr lang="en-US" sz="1050" dirty="0" err="1"/>
+              <a:t>SortRating</a:t>
+            </a:r>
+            <a:br>
+              <a:rPr lang="en-US" sz="1050" dirty="0"/>
+            </a:br>
+            <a:r>
+              <a:rPr lang="en-US" sz="1050" dirty="0"/>
+              <a:t>(order)</a:t>
+            </a:r>
+          </a:p>
+        </p:txBody>
+      </p:sp>
+      <p:sp>
+        <p:nvSpPr>
+          <p:cNvPr id="217" name="TextBox 216">
+            <a:extLst>
+              <a:ext uri="{FF2B5EF4-FFF2-40B4-BE49-F238E27FC236}">
+                <a16:creationId xmlns:a16="http://schemas.microsoft.com/office/drawing/2014/main" id="{CE6BDA6C-2765-2541-980F-564B8180F802}"/>
+              </a:ext>
+            </a:extLst>
+          </p:cNvPr>
+          <p:cNvSpPr txBox="1"/>
+          <p:nvPr/>
+        </p:nvSpPr>
+        <p:spPr>
+          <a:xfrm>
+            <a:off x="7242210" y="3945574"/>
+            <a:ext cx="751709" cy="161583"/>
+          </a:xfrm>
+          <a:prstGeom prst="rect">
+            <a:avLst/>
+          </a:prstGeom>
+          <a:noFill/>
+        </p:spPr>
+        <p:txBody>
+          <a:bodyPr wrap="square" lIns="0" tIns="0" rIns="0" bIns="0" rtlCol="0">
+            <a:spAutoFit/>
+          </a:bodyPr>
+          <a:lstStyle>
+            <a:defPPr>
+              <a:defRPr lang="en-US"/>
+            </a:defPPr>
+            <a:lvl1pPr algn="r">
+              <a:defRPr sz="1400">
+                <a:solidFill>
+                  <a:srgbClr val="0070C0"/>
+                </a:solidFill>
+              </a:defRPr>
+            </a:lvl1pPr>
+          </a:lstStyle>
+          <a:p>
+            <a:pPr algn="ctr"/>
+            <a:r>
+              <a:rPr lang="en-US" sz="1050" dirty="0"/>
+              <a:t>comparator</a:t>
+            </a:r>
+          </a:p>
+        </p:txBody>
+      </p:sp>
+      <p:sp>
+        <p:nvSpPr>
+          <p:cNvPr id="223" name="TextBox 222">
+            <a:extLst>
+              <a:ext uri="{FF2B5EF4-FFF2-40B4-BE49-F238E27FC236}">
+                <a16:creationId xmlns:a16="http://schemas.microsoft.com/office/drawing/2014/main" id="{DAF85B1C-FEC5-6244-83A2-09EB52AA7218}"/>
+              </a:ext>
+            </a:extLst>
+          </p:cNvPr>
+          <p:cNvSpPr txBox="1"/>
+          <p:nvPr/>
+        </p:nvSpPr>
+        <p:spPr>
+          <a:xfrm>
+            <a:off x="7266377" y="4968717"/>
+            <a:ext cx="1675521" cy="276999"/>
+          </a:xfrm>
+          <a:prstGeom prst="rect">
+            <a:avLst/>
+          </a:prstGeom>
+          <a:noFill/>
+        </p:spPr>
+        <p:txBody>
+          <a:bodyPr wrap="square" lIns="0" tIns="0" rIns="0" bIns="0" rtlCol="0">
+            <a:spAutoFit/>
+          </a:bodyPr>
+          <a:lstStyle>
+            <a:defPPr>
+              <a:defRPr lang="en-US"/>
+            </a:defPPr>
+            <a:lvl1pPr algn="r">
+              <a:defRPr sz="1400">
+                <a:solidFill>
+                  <a:srgbClr val="0070C0"/>
+                </a:solidFill>
+              </a:defRPr>
+            </a:lvl1pPr>
+          </a:lstStyle>
+          <a:p>
+            <a:pPr algn="l"/>
+            <a:r>
+              <a:rPr lang="en-US" sz="900" dirty="0" err="1"/>
+              <a:t>filterToLimit</a:t>
+            </a:r>
+            <a:r>
+              <a:rPr lang="en-US" sz="900" dirty="0"/>
+              <a:t>(model, </a:t>
+            </a:r>
+          </a:p>
+          <a:p>
+            <a:pPr algn="l"/>
+            <a:r>
+              <a:rPr lang="en-US" sz="900" dirty="0"/>
+              <a:t>limit, order)</a:t>
+            </a:r>
+          </a:p>
+        </p:txBody>
+      </p:sp>
+      <p:cxnSp>
+        <p:nvCxnSpPr>
+          <p:cNvPr id="224" name="Elbow Connector 223">
+            <a:extLst>
+              <a:ext uri="{FF2B5EF4-FFF2-40B4-BE49-F238E27FC236}">
+                <a16:creationId xmlns:a16="http://schemas.microsoft.com/office/drawing/2014/main" id="{97A6D06B-31B9-1948-8952-0270063BF7B4}"/>
+              </a:ext>
+            </a:extLst>
+          </p:cNvPr>
+          <p:cNvCxnSpPr>
+            <a:cxnSpLocks/>
+          </p:cNvCxnSpPr>
+          <p:nvPr/>
+        </p:nvCxnSpPr>
+        <p:spPr>
+          <a:xfrm rot="16200000" flipH="1">
+            <a:off x="6975852" y="5042753"/>
+            <a:ext cx="82495" cy="63374"/>
+          </a:xfrm>
+          <a:prstGeom prst="bentConnector4">
+            <a:avLst>
+              <a:gd name="adj1" fmla="val 2838"/>
+              <a:gd name="adj2" fmla="val 377480"/>
+            </a:avLst>
+          </a:prstGeom>
+          <a:ln w="19050" cap="flat" cmpd="sng" algn="ctr">
+            <a:solidFill>
+              <a:srgbClr val="0070C0"/>
+            </a:solidFill>
+            <a:prstDash val="solid"/>
+            <a:round/>
+            <a:headEnd type="none" w="med" len="med"/>
+            <a:tailEnd type="arrow" w="med" len="med"/>
+          </a:ln>
+        </p:spPr>
+        <p:style>
+          <a:lnRef idx="0">
+            <a:scrgbClr r="0" g="0" b="0"/>
+          </a:lnRef>
+          <a:fillRef idx="0">
+            <a:scrgbClr r="0" g="0" b="0"/>
+          </a:fillRef>
+          <a:effectRef idx="0">
+            <a:scrgbClr r="0" g="0" b="0"/>
+          </a:effectRef>
+          <a:fontRef idx="minor">
+            <a:schemeClr val="tx1"/>
+          </a:fontRef>
+        </p:style>
+      </p:cxnSp>
+      <p:cxnSp>
+        <p:nvCxnSpPr>
+          <p:cNvPr id="225" name="Elbow Connector 224">
+            <a:extLst>
+              <a:ext uri="{FF2B5EF4-FFF2-40B4-BE49-F238E27FC236}">
+                <a16:creationId xmlns:a16="http://schemas.microsoft.com/office/drawing/2014/main" id="{61A01226-0345-3C41-9D69-CC5895AC6B20}"/>
+              </a:ext>
+            </a:extLst>
+          </p:cNvPr>
+          <p:cNvCxnSpPr>
+            <a:cxnSpLocks/>
+          </p:cNvCxnSpPr>
+          <p:nvPr/>
+        </p:nvCxnSpPr>
+        <p:spPr>
+          <a:xfrm rot="16200000" flipH="1">
+            <a:off x="6884456" y="5315270"/>
+            <a:ext cx="132857" cy="63372"/>
+          </a:xfrm>
+          <a:prstGeom prst="bentConnector4">
+            <a:avLst>
+              <a:gd name="adj1" fmla="val 13724"/>
+              <a:gd name="adj2" fmla="val 459447"/>
+            </a:avLst>
+          </a:prstGeom>
+          <a:ln w="19050" cap="flat" cmpd="sng" algn="ctr">
+            <a:solidFill>
+              <a:srgbClr val="0070C0"/>
+            </a:solidFill>
+            <a:prstDash val="sysDash"/>
+            <a:round/>
+            <a:headEnd type="none" w="med" len="med"/>
+            <a:tailEnd type="arrow" w="med" len="med"/>
+          </a:ln>
+        </p:spPr>
+        <p:style>
+          <a:lnRef idx="0">
+            <a:scrgbClr r="0" g="0" b="0"/>
+          </a:lnRef>
+          <a:fillRef idx="0">
+            <a:scrgbClr r="0" g="0" b="0"/>
+          </a:fillRef>
+          <a:effectRef idx="0">
+            <a:scrgbClr r="0" g="0" b="0"/>
+          </a:effectRef>
+          <a:fontRef idx="minor">
+            <a:schemeClr val="tx1"/>
+          </a:fontRef>
+        </p:style>
+      </p:cxnSp>
+      <p:sp>
+        <p:nvSpPr>
+          <p:cNvPr id="226" name="Rectangle 225">
+            <a:extLst>
+              <a:ext uri="{FF2B5EF4-FFF2-40B4-BE49-F238E27FC236}">
+                <a16:creationId xmlns:a16="http://schemas.microsoft.com/office/drawing/2014/main" id="{FDC12B2D-80D8-A944-9EEB-D2E32CE7F551}"/>
+              </a:ext>
+            </a:extLst>
+          </p:cNvPr>
+          <p:cNvSpPr/>
+          <p:nvPr/>
+        </p:nvSpPr>
+        <p:spPr>
+          <a:xfrm>
+            <a:off x="6944832" y="5113874"/>
+            <a:ext cx="118086" cy="193805"/>
+          </a:xfrm>
+          <a:prstGeom prst="rect">
+            <a:avLst/>
+          </a:prstGeom>
+          <a:solidFill>
+            <a:schemeClr val="tx2">
+              <a:lumMod val="60000"/>
+              <a:lumOff val="40000"/>
+            </a:schemeClr>
+          </a:solidFill>
+          <a:ln>
+            <a:solidFill>
+              <a:srgbClr val="7030A0"/>
+            </a:solidFill>
+          </a:ln>
+          <a:effectLst/>
+        </p:spPr>
+        <p:style>
+          <a:lnRef idx="1">
+            <a:schemeClr val="accent3"/>
+          </a:lnRef>
+          <a:fillRef idx="2">
+            <a:schemeClr val="accent3"/>
+          </a:fillRef>
+          <a:effectRef idx="1">
+            <a:schemeClr val="accent3"/>
+          </a:effectRef>
+          <a:fontRef idx="minor">
+            <a:schemeClr val="dk1"/>
+          </a:fontRef>
+        </p:style>
+        <p:txBody>
+          <a:bodyPr rtlCol="0" anchor="ctr"/>
+          <a:lstStyle/>
+          <a:p>
+            <a:pPr algn="ctr"/>
+            <a:endParaRPr lang="en-SG" sz="1200"/>
+          </a:p>
+        </p:txBody>
+      </p:sp>
+      <p:cxnSp>
+        <p:nvCxnSpPr>
+          <p:cNvPr id="233" name="Straight Arrow Connector 232">
+            <a:extLst>
+              <a:ext uri="{FF2B5EF4-FFF2-40B4-BE49-F238E27FC236}">
+                <a16:creationId xmlns:a16="http://schemas.microsoft.com/office/drawing/2014/main" id="{852BE5DE-3187-214B-8076-A2FD6EF5DB18}"/>
+              </a:ext>
+            </a:extLst>
+          </p:cNvPr>
+          <p:cNvCxnSpPr>
+            <a:cxnSpLocks/>
+          </p:cNvCxnSpPr>
+          <p:nvPr/>
+        </p:nvCxnSpPr>
+        <p:spPr>
+          <a:xfrm flipV="1">
+            <a:off x="7023919" y="6068392"/>
+            <a:ext cx="2019328" cy="9216"/>
+          </a:xfrm>
+          <a:prstGeom prst="straightConnector1">
+            <a:avLst/>
+          </a:prstGeom>
+          <a:ln w="19050">
+            <a:solidFill>
+              <a:srgbClr val="0070C0"/>
+            </a:solidFill>
+            <a:tailEnd type="arrow"/>
+          </a:ln>
+        </p:spPr>
+        <p:style>
+          <a:lnRef idx="1">
+            <a:schemeClr val="accent1"/>
+          </a:lnRef>
+          <a:fillRef idx="0">
+            <a:schemeClr val="accent1"/>
+          </a:fillRef>
+          <a:effectRef idx="0">
+            <a:schemeClr val="accent1"/>
+          </a:effectRef>
+          <a:fontRef idx="minor">
+            <a:schemeClr val="tx1"/>
+          </a:fontRef>
+        </p:style>
+      </p:cxnSp>
+      <p:cxnSp>
+        <p:nvCxnSpPr>
+          <p:cNvPr id="95" name="Straight Connector 94">
+            <a:extLst>
+              <a:ext uri="{FF2B5EF4-FFF2-40B4-BE49-F238E27FC236}">
+                <a16:creationId xmlns:a16="http://schemas.microsoft.com/office/drawing/2014/main" id="{57F8A82C-BED8-2C48-A777-D5B7FC272BA4}"/>
+              </a:ext>
+            </a:extLst>
+          </p:cNvPr>
+          <p:cNvCxnSpPr>
+            <a:cxnSpLocks/>
+          </p:cNvCxnSpPr>
+          <p:nvPr/>
+        </p:nvCxnSpPr>
+        <p:spPr>
+          <a:xfrm flipH="1">
+            <a:off x="9110137" y="4267388"/>
+            <a:ext cx="21706" cy="3076696"/>
+          </a:xfrm>
+          <a:prstGeom prst="line">
+            <a:avLst/>
+          </a:prstGeom>
+          <a:ln w="19050">
+            <a:solidFill>
+              <a:srgbClr val="7030A0"/>
+            </a:solidFill>
+            <a:prstDash val="sysDash"/>
+          </a:ln>
+          <a:effectLst/>
+        </p:spPr>
+        <p:style>
+          <a:lnRef idx="1">
+            <a:schemeClr val="accent1"/>
+          </a:lnRef>
+          <a:fillRef idx="2">
+            <a:schemeClr val="accent1"/>
+          </a:fillRef>
+          <a:effectRef idx="1">
+            <a:schemeClr val="accent1"/>
+          </a:effectRef>
+          <a:fontRef idx="minor">
+            <a:schemeClr val="dk1"/>
+          </a:fontRef>
+        </p:style>
+      </p:cxnSp>
+      <p:sp>
+        <p:nvSpPr>
+          <p:cNvPr id="96" name="Rectangle 95">
+            <a:extLst>
+              <a:ext uri="{FF2B5EF4-FFF2-40B4-BE49-F238E27FC236}">
+                <a16:creationId xmlns:a16="http://schemas.microsoft.com/office/drawing/2014/main" id="{8E19CDAA-FA28-7B44-A9BF-16767DBC08BD}"/>
+              </a:ext>
+            </a:extLst>
+          </p:cNvPr>
+          <p:cNvSpPr/>
+          <p:nvPr/>
+        </p:nvSpPr>
+        <p:spPr>
+          <a:xfrm>
+            <a:off x="9047576" y="4433859"/>
+            <a:ext cx="148287" cy="2527689"/>
+          </a:xfrm>
+          <a:prstGeom prst="rect">
+            <a:avLst/>
+          </a:prstGeom>
+          <a:solidFill>
+            <a:srgbClr val="7030A0"/>
+          </a:solidFill>
+          <a:ln>
+            <a:solidFill>
+              <a:srgbClr val="7030A0"/>
+            </a:solidFill>
+          </a:ln>
+          <a:effectLst/>
+        </p:spPr>
+        <p:style>
+          <a:lnRef idx="1">
+            <a:schemeClr val="accent3"/>
+          </a:lnRef>
+          <a:fillRef idx="2">
+            <a:schemeClr val="accent3"/>
+          </a:fillRef>
+          <a:effectRef idx="1">
+            <a:schemeClr val="accent3"/>
+          </a:effectRef>
+          <a:fontRef idx="minor">
+            <a:schemeClr val="dk1"/>
+          </a:fontRef>
+        </p:style>
+        <p:txBody>
+          <a:bodyPr rtlCol="0" anchor="ctr"/>
+          <a:lstStyle/>
+          <a:p>
+            <a:pPr algn="ctr"/>
+            <a:endParaRPr lang="en-SG" sz="1200"/>
+          </a:p>
+        </p:txBody>
+      </p:sp>
+      <p:cxnSp>
+        <p:nvCxnSpPr>
+          <p:cNvPr id="103" name="Straight Arrow Connector 102">
+            <a:extLst>
+              <a:ext uri="{FF2B5EF4-FFF2-40B4-BE49-F238E27FC236}">
+                <a16:creationId xmlns:a16="http://schemas.microsoft.com/office/drawing/2014/main" id="{A413FD02-D387-EA40-BBD7-BD7C17E31634}"/>
+              </a:ext>
+            </a:extLst>
+          </p:cNvPr>
+          <p:cNvCxnSpPr>
+            <a:cxnSpLocks/>
+          </p:cNvCxnSpPr>
+          <p:nvPr/>
+        </p:nvCxnSpPr>
+        <p:spPr>
+          <a:xfrm>
+            <a:off x="7017027" y="4648777"/>
+            <a:ext cx="2027387" cy="3803"/>
+          </a:xfrm>
+          <a:prstGeom prst="straightConnector1">
+            <a:avLst/>
+          </a:prstGeom>
+          <a:ln w="19050">
+            <a:solidFill>
+              <a:srgbClr val="7030A0"/>
+            </a:solidFill>
+            <a:prstDash val="sysDash"/>
+            <a:headEnd type="arrow" w="med" len="med"/>
+            <a:tailEnd type="none" w="med" len="med"/>
+          </a:ln>
+        </p:spPr>
+        <p:style>
+          <a:lnRef idx="1">
+            <a:schemeClr val="accent1"/>
+          </a:lnRef>
+          <a:fillRef idx="0">
+            <a:schemeClr val="accent1"/>
+          </a:fillRef>
+          <a:effectRef idx="0">
+            <a:schemeClr val="accent1"/>
+          </a:effectRef>
+          <a:fontRef idx="minor">
+            <a:schemeClr val="tx1"/>
+          </a:fontRef>
+        </p:style>
+      </p:cxnSp>
+      <p:sp>
+        <p:nvSpPr>
+          <p:cNvPr id="237" name="TextBox 236">
+            <a:extLst>
+              <a:ext uri="{FF2B5EF4-FFF2-40B4-BE49-F238E27FC236}">
+                <a16:creationId xmlns:a16="http://schemas.microsoft.com/office/drawing/2014/main" id="{8E1A3166-C4B7-6B4F-971F-4CA16BB9E5EF}"/>
+              </a:ext>
+            </a:extLst>
+          </p:cNvPr>
+          <p:cNvSpPr txBox="1"/>
+          <p:nvPr/>
+        </p:nvSpPr>
+        <p:spPr>
+          <a:xfrm>
+            <a:off x="6995295" y="5420871"/>
+            <a:ext cx="2021298" cy="138499"/>
+          </a:xfrm>
+          <a:prstGeom prst="rect">
+            <a:avLst/>
+          </a:prstGeom>
+          <a:noFill/>
+        </p:spPr>
+        <p:txBody>
+          <a:bodyPr wrap="square" lIns="0" tIns="0" rIns="0" bIns="0" rtlCol="0">
+            <a:spAutoFit/>
+          </a:bodyPr>
+          <a:lstStyle>
+            <a:defPPr>
+              <a:defRPr lang="en-US"/>
+            </a:defPPr>
+            <a:lvl1pPr algn="r">
+              <a:defRPr sz="1400">
+                <a:solidFill>
+                  <a:srgbClr val="0070C0"/>
+                </a:solidFill>
+              </a:defRPr>
+            </a:lvl1pPr>
+          </a:lstStyle>
+          <a:p>
+            <a:pPr algn="ctr"/>
+            <a:r>
+              <a:rPr lang="en-US" sz="900" dirty="0" err="1">
+                <a:solidFill>
+                  <a:srgbClr val="7030A0"/>
+                </a:solidFill>
+              </a:rPr>
+              <a:t>updateFilteredRestaurantList</a:t>
+            </a:r>
+            <a:r>
+              <a:rPr lang="en-US" sz="900" dirty="0">
+                <a:solidFill>
+                  <a:srgbClr val="7030A0"/>
+                </a:solidFill>
+              </a:rPr>
+              <a:t>()</a:t>
+            </a:r>
+          </a:p>
+        </p:txBody>
+      </p:sp>
+      <p:cxnSp>
+        <p:nvCxnSpPr>
+          <p:cNvPr id="238" name="Straight Arrow Connector 237">
+            <a:extLst>
+              <a:ext uri="{FF2B5EF4-FFF2-40B4-BE49-F238E27FC236}">
+                <a16:creationId xmlns:a16="http://schemas.microsoft.com/office/drawing/2014/main" id="{11344F87-A175-284D-A5F8-AB426FBDFE9E}"/>
+              </a:ext>
+            </a:extLst>
+          </p:cNvPr>
+          <p:cNvCxnSpPr>
+            <a:cxnSpLocks/>
+          </p:cNvCxnSpPr>
+          <p:nvPr/>
+        </p:nvCxnSpPr>
+        <p:spPr>
+          <a:xfrm>
+            <a:off x="7023919" y="5558073"/>
+            <a:ext cx="2020495" cy="1536"/>
+          </a:xfrm>
+          <a:prstGeom prst="straightConnector1">
+            <a:avLst/>
+          </a:prstGeom>
+          <a:ln w="19050">
+            <a:solidFill>
+              <a:srgbClr val="0070C0"/>
+            </a:solidFill>
+            <a:tailEnd type="arrow"/>
+          </a:ln>
+        </p:spPr>
+        <p:style>
+          <a:lnRef idx="1">
+            <a:schemeClr val="accent1"/>
+          </a:lnRef>
+          <a:fillRef idx="0">
+            <a:schemeClr val="accent1"/>
+          </a:fillRef>
+          <a:effectRef idx="0">
+            <a:schemeClr val="accent1"/>
+          </a:effectRef>
+          <a:fontRef idx="minor">
+            <a:schemeClr val="tx1"/>
+          </a:fontRef>
+        </p:style>
+      </p:cxnSp>
+      <p:cxnSp>
+        <p:nvCxnSpPr>
+          <p:cNvPr id="252" name="Straight Arrow Connector 251">
+            <a:extLst>
+              <a:ext uri="{FF2B5EF4-FFF2-40B4-BE49-F238E27FC236}">
+                <a16:creationId xmlns:a16="http://schemas.microsoft.com/office/drawing/2014/main" id="{A6243D17-1984-B844-81A3-30290890BB30}"/>
+              </a:ext>
+            </a:extLst>
+          </p:cNvPr>
+          <p:cNvCxnSpPr>
+            <a:cxnSpLocks/>
+          </p:cNvCxnSpPr>
+          <p:nvPr/>
+        </p:nvCxnSpPr>
+        <p:spPr>
+          <a:xfrm>
+            <a:off x="7022233" y="5654782"/>
+            <a:ext cx="2027387" cy="3803"/>
+          </a:xfrm>
+          <a:prstGeom prst="straightConnector1">
+            <a:avLst/>
+          </a:prstGeom>
+          <a:ln w="19050">
+            <a:solidFill>
+              <a:srgbClr val="7030A0"/>
+            </a:solidFill>
+            <a:prstDash val="sysDash"/>
+            <a:headEnd type="arrow" w="med" len="med"/>
+            <a:tailEnd type="none" w="med" len="med"/>
+          </a:ln>
+        </p:spPr>
+        <p:style>
+          <a:lnRef idx="1">
+            <a:schemeClr val="accent1"/>
+          </a:lnRef>
+          <a:fillRef idx="0">
+            <a:schemeClr val="accent1"/>
+          </a:fillRef>
+          <a:effectRef idx="0">
+            <a:schemeClr val="accent1"/>
+          </a:effectRef>
+          <a:fontRef idx="minor">
+            <a:schemeClr val="tx1"/>
+          </a:fontRef>
+        </p:style>
+      </p:cxnSp>
+      <p:cxnSp>
+        <p:nvCxnSpPr>
+          <p:cNvPr id="253" name="Straight Arrow Connector 252">
+            <a:extLst>
+              <a:ext uri="{FF2B5EF4-FFF2-40B4-BE49-F238E27FC236}">
+                <a16:creationId xmlns:a16="http://schemas.microsoft.com/office/drawing/2014/main" id="{3D7F8E92-EDE5-CD4C-B41B-75D78810E9D0}"/>
+              </a:ext>
+            </a:extLst>
+          </p:cNvPr>
+          <p:cNvCxnSpPr>
+            <a:cxnSpLocks/>
+          </p:cNvCxnSpPr>
+          <p:nvPr/>
+        </p:nvCxnSpPr>
+        <p:spPr>
+          <a:xfrm>
+            <a:off x="7017813" y="6190940"/>
+            <a:ext cx="2027387" cy="3803"/>
+          </a:xfrm>
+          <a:prstGeom prst="straightConnector1">
+            <a:avLst/>
+          </a:prstGeom>
+          <a:ln w="19050">
+            <a:solidFill>
+              <a:srgbClr val="7030A0"/>
+            </a:solidFill>
+            <a:prstDash val="sysDash"/>
+            <a:headEnd type="arrow" w="med" len="med"/>
+            <a:tailEnd type="none" w="med" len="med"/>
+          </a:ln>
+        </p:spPr>
+        <p:style>
+          <a:lnRef idx="1">
+            <a:schemeClr val="accent1"/>
+          </a:lnRef>
+          <a:fillRef idx="0">
+            <a:schemeClr val="accent1"/>
+          </a:fillRef>
+          <a:effectRef idx="0">
+            <a:schemeClr val="accent1"/>
+          </a:effectRef>
+          <a:fontRef idx="minor">
+            <a:schemeClr val="tx1"/>
+          </a:fontRef>
+        </p:style>
+      </p:cxnSp>
+      <p:sp>
+        <p:nvSpPr>
+          <p:cNvPr id="254" name="TextBox 253">
+            <a:extLst>
+              <a:ext uri="{FF2B5EF4-FFF2-40B4-BE49-F238E27FC236}">
+                <a16:creationId xmlns:a16="http://schemas.microsoft.com/office/drawing/2014/main" id="{ADFA0DA3-D6A1-604E-B26A-E8E8287A4349}"/>
+              </a:ext>
+            </a:extLst>
+          </p:cNvPr>
+          <p:cNvSpPr txBox="1"/>
+          <p:nvPr/>
+        </p:nvSpPr>
+        <p:spPr>
+          <a:xfrm>
+            <a:off x="6934488" y="6339390"/>
+            <a:ext cx="2021298" cy="138499"/>
+          </a:xfrm>
+          <a:prstGeom prst="rect">
+            <a:avLst/>
+          </a:prstGeom>
+          <a:noFill/>
+        </p:spPr>
+        <p:txBody>
+          <a:bodyPr wrap="square" lIns="0" tIns="0" rIns="0" bIns="0" rtlCol="0">
+            <a:spAutoFit/>
+          </a:bodyPr>
+          <a:lstStyle>
+            <a:defPPr>
+              <a:defRPr lang="en-US"/>
+            </a:defPPr>
+            <a:lvl1pPr algn="r">
+              <a:defRPr sz="1400">
+                <a:solidFill>
+                  <a:srgbClr val="0070C0"/>
+                </a:solidFill>
+              </a:defRPr>
+            </a:lvl1pPr>
+          </a:lstStyle>
+          <a:p>
+            <a:pPr algn="ctr"/>
+            <a:r>
+              <a:rPr lang="en-US" sz="900" dirty="0" err="1">
+                <a:solidFill>
+                  <a:srgbClr val="7030A0"/>
+                </a:solidFill>
+              </a:rPr>
+              <a:t>commitFoodDiary</a:t>
+            </a:r>
+            <a:r>
+              <a:rPr lang="en-US" sz="900" dirty="0">
+                <a:solidFill>
+                  <a:srgbClr val="7030A0"/>
+                </a:solidFill>
+              </a:rPr>
+              <a:t>()</a:t>
+            </a:r>
+          </a:p>
+        </p:txBody>
+      </p:sp>
+      <p:cxnSp>
+        <p:nvCxnSpPr>
+          <p:cNvPr id="255" name="Straight Arrow Connector 254">
+            <a:extLst>
+              <a:ext uri="{FF2B5EF4-FFF2-40B4-BE49-F238E27FC236}">
+                <a16:creationId xmlns:a16="http://schemas.microsoft.com/office/drawing/2014/main" id="{4DCB185B-63DE-6E4B-80BF-4421C3623496}"/>
+              </a:ext>
+            </a:extLst>
+          </p:cNvPr>
+          <p:cNvCxnSpPr>
+            <a:cxnSpLocks/>
+          </p:cNvCxnSpPr>
+          <p:nvPr/>
+        </p:nvCxnSpPr>
+        <p:spPr>
+          <a:xfrm flipV="1">
+            <a:off x="7016760" y="6474314"/>
+            <a:ext cx="2019328" cy="9216"/>
+          </a:xfrm>
+          <a:prstGeom prst="straightConnector1">
+            <a:avLst/>
+          </a:prstGeom>
+          <a:ln w="19050">
+            <a:solidFill>
+              <a:srgbClr val="0070C0"/>
+            </a:solidFill>
+            <a:tailEnd type="arrow"/>
+          </a:ln>
+        </p:spPr>
+        <p:style>
+          <a:lnRef idx="1">
+            <a:schemeClr val="accent1"/>
+          </a:lnRef>
+          <a:fillRef idx="0">
+            <a:schemeClr val="accent1"/>
+          </a:fillRef>
+          <a:effectRef idx="0">
+            <a:schemeClr val="accent1"/>
+          </a:effectRef>
+          <a:fontRef idx="minor">
+            <a:schemeClr val="tx1"/>
+          </a:fontRef>
+        </p:style>
+      </p:cxnSp>
+      <p:cxnSp>
+        <p:nvCxnSpPr>
+          <p:cNvPr id="256" name="Straight Arrow Connector 255">
+            <a:extLst>
+              <a:ext uri="{FF2B5EF4-FFF2-40B4-BE49-F238E27FC236}">
+                <a16:creationId xmlns:a16="http://schemas.microsoft.com/office/drawing/2014/main" id="{BE382323-73A8-FF41-9D0C-B237159FB58A}"/>
+              </a:ext>
+            </a:extLst>
+          </p:cNvPr>
+          <p:cNvCxnSpPr>
+            <a:cxnSpLocks/>
+          </p:cNvCxnSpPr>
+          <p:nvPr/>
+        </p:nvCxnSpPr>
+        <p:spPr>
+          <a:xfrm>
+            <a:off x="7015860" y="6946331"/>
+            <a:ext cx="2027387" cy="3803"/>
+          </a:xfrm>
+          <a:prstGeom prst="straightConnector1">
+            <a:avLst/>
+          </a:prstGeom>
+          <a:ln w="19050">
+            <a:solidFill>
+              <a:srgbClr val="7030A0"/>
+            </a:solidFill>
+            <a:prstDash val="sysDash"/>
+            <a:headEnd type="arrow" w="med" len="med"/>
+            <a:tailEnd type="none" w="med" len="med"/>
+          </a:ln>
+        </p:spPr>
+        <p:style>
+          <a:lnRef idx="1">
+            <a:schemeClr val="accent1"/>
+          </a:lnRef>
+          <a:fillRef idx="0">
+            <a:schemeClr val="accent1"/>
+          </a:fillRef>
+          <a:effectRef idx="0">
+            <a:schemeClr val="accent1"/>
+          </a:effectRef>
+          <a:fontRef idx="minor">
+            <a:schemeClr val="tx1"/>
+          </a:fontRef>
+        </p:style>
+      </p:cxnSp>
+      <p:sp>
+        <p:nvSpPr>
+          <p:cNvPr id="261" name="Rectangle 62">
+            <a:extLst>
+              <a:ext uri="{FF2B5EF4-FFF2-40B4-BE49-F238E27FC236}">
+                <a16:creationId xmlns:a16="http://schemas.microsoft.com/office/drawing/2014/main" id="{096DDBCC-406F-2141-A5E7-AFB27750485F}"/>
+              </a:ext>
+            </a:extLst>
+          </p:cNvPr>
+          <p:cNvSpPr/>
+          <p:nvPr/>
+        </p:nvSpPr>
+        <p:spPr>
+          <a:xfrm>
+            <a:off x="9940246" y="5925700"/>
+            <a:ext cx="1071754" cy="438021"/>
+          </a:xfrm>
+          <a:prstGeom prst="rect">
+            <a:avLst/>
+          </a:prstGeom>
+          <a:solidFill>
+            <a:srgbClr val="7030A0"/>
+          </a:solidFill>
+          <a:ln w="19050">
+            <a:solidFill>
+              <a:srgbClr val="7030A0"/>
+            </a:solidFill>
+          </a:ln>
+          <a:effectLst/>
+        </p:spPr>
+        <p:style>
+          <a:lnRef idx="1">
+            <a:schemeClr val="accent2"/>
+          </a:lnRef>
+          <a:fillRef idx="2">
+            <a:schemeClr val="accent2"/>
+          </a:fillRef>
+          <a:effectRef idx="1">
+            <a:schemeClr val="accent2"/>
+          </a:effectRef>
+          <a:fontRef idx="minor">
+            <a:schemeClr val="dk1"/>
+          </a:fontRef>
+        </p:style>
+        <p:txBody>
+          <a:bodyPr rtlCol="0" anchor="ctr"/>
+          <a:lstStyle/>
+          <a:p>
+            <a:pPr algn="ctr"/>
+            <a:r>
+              <a:rPr lang="en-US" sz="1200" dirty="0">
+                <a:solidFill>
+                  <a:schemeClr val="bg1"/>
+                </a:solidFill>
+              </a:rPr>
+              <a:t>:Versioned</a:t>
+            </a:r>
+          </a:p>
+          <a:p>
+            <a:pPr algn="ctr"/>
+            <a:r>
+              <a:rPr lang="en-US" sz="1200" dirty="0" err="1">
+                <a:solidFill>
+                  <a:schemeClr val="bg1"/>
+                </a:solidFill>
+              </a:rPr>
+              <a:t>FoodDiary</a:t>
+            </a:r>
+            <a:endParaRPr lang="en-SG" sz="1200" dirty="0">
+              <a:solidFill>
+                <a:schemeClr val="bg1"/>
+              </a:solidFill>
+            </a:endParaRPr>
+          </a:p>
+        </p:txBody>
+      </p:sp>
+      <p:sp>
+        <p:nvSpPr>
+          <p:cNvPr id="264" name="TextBox 263">
+            <a:extLst>
+              <a:ext uri="{FF2B5EF4-FFF2-40B4-BE49-F238E27FC236}">
+                <a16:creationId xmlns:a16="http://schemas.microsoft.com/office/drawing/2014/main" id="{C7027D2A-1FA9-9D41-A4D7-29484B71CFAF}"/>
+              </a:ext>
+            </a:extLst>
+          </p:cNvPr>
+          <p:cNvSpPr txBox="1"/>
+          <p:nvPr/>
+        </p:nvSpPr>
+        <p:spPr>
+          <a:xfrm>
+            <a:off x="9402780" y="6382877"/>
+            <a:ext cx="749439" cy="153888"/>
+          </a:xfrm>
+          <a:prstGeom prst="rect">
+            <a:avLst/>
+          </a:prstGeom>
+          <a:noFill/>
+        </p:spPr>
+        <p:txBody>
+          <a:bodyPr wrap="square" lIns="0" tIns="0" rIns="0" bIns="0" rtlCol="0">
+            <a:spAutoFit/>
+          </a:bodyPr>
+          <a:lstStyle>
+            <a:defPPr>
+              <a:defRPr lang="en-US"/>
+            </a:defPPr>
+            <a:lvl1pPr algn="r">
+              <a:defRPr sz="1400">
+                <a:solidFill>
+                  <a:srgbClr val="0070C0"/>
+                </a:solidFill>
+              </a:defRPr>
+            </a:lvl1pPr>
+          </a:lstStyle>
+          <a:p>
+            <a:pPr algn="ctr"/>
+            <a:r>
+              <a:rPr lang="en-US" sz="1000" dirty="0">
+                <a:solidFill>
+                  <a:srgbClr val="7030A0"/>
+                </a:solidFill>
+              </a:rPr>
+              <a:t>commit ()</a:t>
+            </a:r>
+          </a:p>
+        </p:txBody>
+      </p:sp>
+      <p:sp>
+        <p:nvSpPr>
+          <p:cNvPr id="284" name="TextBox 283">
+            <a:extLst>
+              <a:ext uri="{FF2B5EF4-FFF2-40B4-BE49-F238E27FC236}">
+                <a16:creationId xmlns:a16="http://schemas.microsoft.com/office/drawing/2014/main" id="{A94D27B2-F2B0-1D4F-BEDD-08330E2AD8BA}"/>
+              </a:ext>
+            </a:extLst>
+          </p:cNvPr>
+          <p:cNvSpPr txBox="1"/>
+          <p:nvPr/>
+        </p:nvSpPr>
+        <p:spPr>
+          <a:xfrm>
+            <a:off x="6793347" y="7132104"/>
+            <a:ext cx="269315" cy="369332"/>
+          </a:xfrm>
+          <a:prstGeom prst="rect">
+            <a:avLst/>
+          </a:prstGeom>
+          <a:noFill/>
+        </p:spPr>
+        <p:txBody>
+          <a:bodyPr wrap="square" rtlCol="0">
+            <a:spAutoFit/>
+          </a:bodyPr>
+          <a:lstStyle/>
+          <a:p>
+            <a:r>
+              <a:rPr lang="en-US" dirty="0"/>
+              <a:t>x</a:t>
+            </a:r>
+          </a:p>
+        </p:txBody>
+      </p:sp>
+      <p:cxnSp>
+        <p:nvCxnSpPr>
+          <p:cNvPr id="287" name="Straight Arrow Connector 286">
+            <a:extLst>
+              <a:ext uri="{FF2B5EF4-FFF2-40B4-BE49-F238E27FC236}">
+                <a16:creationId xmlns:a16="http://schemas.microsoft.com/office/drawing/2014/main" id="{100EDD85-DA50-E446-8A81-DE9D761E74BA}"/>
+              </a:ext>
+            </a:extLst>
+          </p:cNvPr>
+          <p:cNvCxnSpPr>
+            <a:cxnSpLocks/>
+            <a:endCxn id="88" idx="2"/>
+          </p:cNvCxnSpPr>
+          <p:nvPr/>
+        </p:nvCxnSpPr>
+        <p:spPr>
+          <a:xfrm>
+            <a:off x="2724377" y="3352801"/>
+            <a:ext cx="2078528" cy="1643"/>
+          </a:xfrm>
+          <a:prstGeom prst="straightConnector1">
+            <a:avLst/>
+          </a:prstGeom>
+          <a:ln w="19050">
+            <a:solidFill>
+              <a:srgbClr val="0070C0"/>
+            </a:solidFill>
+            <a:prstDash val="sysDash"/>
+            <a:headEnd type="arrow" w="med" len="med"/>
+            <a:tailEnd type="none" w="med" len="med"/>
+          </a:ln>
+        </p:spPr>
+        <p:style>
+          <a:lnRef idx="1">
+            <a:schemeClr val="accent1"/>
+          </a:lnRef>
+          <a:fillRef idx="0">
+            <a:schemeClr val="accent1"/>
+          </a:fillRef>
+          <a:effectRef idx="0">
+            <a:schemeClr val="accent1"/>
+          </a:effectRef>
+          <a:fontRef idx="minor">
+            <a:schemeClr val="tx1"/>
+          </a:fontRef>
+        </p:style>
+      </p:cxnSp>
+      <p:sp>
+        <p:nvSpPr>
+          <p:cNvPr id="288" name="TextBox 287">
+            <a:extLst>
+              <a:ext uri="{FF2B5EF4-FFF2-40B4-BE49-F238E27FC236}">
+                <a16:creationId xmlns:a16="http://schemas.microsoft.com/office/drawing/2014/main" id="{4C209987-8921-E84C-9216-9822DC6D3281}"/>
+              </a:ext>
+            </a:extLst>
+          </p:cNvPr>
+          <p:cNvSpPr txBox="1"/>
+          <p:nvPr/>
+        </p:nvSpPr>
+        <p:spPr>
+          <a:xfrm>
+            <a:off x="3491971" y="3124993"/>
+            <a:ext cx="220343" cy="184666"/>
+          </a:xfrm>
+          <a:prstGeom prst="rect">
+            <a:avLst/>
+          </a:prstGeom>
+          <a:noFill/>
+        </p:spPr>
+        <p:txBody>
+          <a:bodyPr wrap="square" lIns="0" tIns="0" rIns="0" bIns="0" rtlCol="0">
+            <a:spAutoFit/>
+          </a:bodyPr>
+          <a:lstStyle>
+            <a:defPPr>
+              <a:defRPr lang="en-US"/>
+            </a:defPPr>
+            <a:lvl1pPr algn="r">
+              <a:defRPr sz="1400">
+                <a:solidFill>
+                  <a:srgbClr val="0070C0"/>
+                </a:solidFill>
+              </a:defRPr>
+            </a:lvl1pPr>
+          </a:lstStyle>
+          <a:p>
+            <a:r>
+              <a:rPr lang="en-US" sz="1200" dirty="0" err="1"/>
+              <a:t>sc</a:t>
+            </a:r>
+            <a:endParaRPr lang="en-US" sz="1200" dirty="0"/>
+          </a:p>
+        </p:txBody>
+      </p:sp>
+      <p:sp>
+        <p:nvSpPr>
+          <p:cNvPr id="52" name="Rectangle 62">
+            <a:extLst>
+              <a:ext uri="{FF2B5EF4-FFF2-40B4-BE49-F238E27FC236}">
+                <a16:creationId xmlns:a16="http://schemas.microsoft.com/office/drawing/2014/main" id="{CAC557F2-F274-0A42-B50E-CFDF72078D8D}"/>
+              </a:ext>
+            </a:extLst>
+          </p:cNvPr>
+          <p:cNvSpPr/>
+          <p:nvPr/>
+        </p:nvSpPr>
+        <p:spPr>
+          <a:xfrm>
+            <a:off x="27434" y="-10484"/>
+            <a:ext cx="1199425" cy="346760"/>
+          </a:xfrm>
+          <a:prstGeom prst="rect">
+            <a:avLst/>
+          </a:prstGeom>
+          <a:solidFill>
+            <a:srgbClr val="0070C0"/>
+          </a:solidFill>
+          <a:ln w="19050">
+            <a:solidFill>
+              <a:srgbClr val="0070C0"/>
+            </a:solidFill>
+          </a:ln>
+          <a:effectLst/>
+        </p:spPr>
+        <p:style>
+          <a:lnRef idx="1">
+            <a:schemeClr val="accent2"/>
+          </a:lnRef>
+          <a:fillRef idx="2">
+            <a:schemeClr val="accent2"/>
+          </a:fillRef>
+          <a:effectRef idx="1">
+            <a:schemeClr val="accent2"/>
+          </a:effectRef>
+          <a:fontRef idx="minor">
+            <a:schemeClr val="dk1"/>
+          </a:fontRef>
+        </p:style>
+        <p:txBody>
+          <a:bodyPr rtlCol="0" anchor="ctr"/>
+          <a:lstStyle/>
+          <a:p>
+            <a:pPr algn="ctr"/>
+            <a:r>
+              <a:rPr lang="en-US" sz="1200" dirty="0">
+                <a:solidFill>
+                  <a:schemeClr val="bg1"/>
+                </a:solidFill>
+              </a:rPr>
+              <a:t>:</a:t>
+            </a:r>
+            <a:r>
+              <a:rPr lang="en-US" sz="1200" dirty="0" err="1">
+                <a:solidFill>
+                  <a:schemeClr val="bg1"/>
+                </a:solidFill>
+              </a:rPr>
+              <a:t>LogicManager</a:t>
+            </a:r>
+            <a:endParaRPr lang="en-SG" sz="1200" dirty="0">
+              <a:solidFill>
+                <a:schemeClr val="bg1"/>
+              </a:solidFill>
+            </a:endParaRPr>
+          </a:p>
+        </p:txBody>
+      </p:sp>
     </p:spTree>
     <p:extLst>
       <p:ext uri="{BB962C8B-B14F-4D97-AF65-F5344CB8AC3E}">

--- a/docs/diagrams/SortSequenceDiagram.pptx
+++ b/docs/diagrams/SortSequenceDiagram.pptx
@@ -5427,7 +5427,7 @@
                   </a:schemeClr>
                 </a:solidFill>
               </a:rPr>
-              <a:t>limitIsPresent</a:t>
+              <a:t>isLimitPresent</a:t>
             </a:r>
             <a:r>
               <a:rPr lang="en-US" sz="1000" dirty="0">
@@ -5593,7 +5593,7 @@
         </p:nvSpPr>
         <p:spPr>
           <a:xfrm>
-            <a:off x="6490020" y="2714316"/>
+            <a:off x="6490020" y="2647737"/>
             <a:ext cx="957828" cy="470162"/>
           </a:xfrm>
           <a:prstGeom prst="rect">
@@ -5802,11 +5802,19 @@
             <a:pPr algn="ctr"/>
             <a:r>
               <a:rPr lang="en-US" sz="1200" dirty="0" err="1"/>
-              <a:t>ParseOrder</a:t>
+              <a:t>parseOrder</a:t>
             </a:r>
             <a:r>
               <a:rPr lang="en-US" sz="1200" dirty="0"/>
-              <a:t>(order)</a:t>
+              <a:t>(</a:t>
+            </a:r>
+            <a:r>
+              <a:rPr lang="en-US" sz="1200" dirty="0" err="1"/>
+              <a:t>args</a:t>
+            </a:r>
+            <a:r>
+              <a:rPr lang="en-US" sz="1200" dirty="0"/>
+              <a:t>)</a:t>
             </a:r>
           </a:p>
         </p:txBody>
@@ -5853,11 +5861,19 @@
             <a:pPr algn="ctr"/>
             <a:r>
               <a:rPr lang="en-US" sz="1200" dirty="0" err="1"/>
-              <a:t>ParseLimit</a:t>
+              <a:t>parseLimit</a:t>
             </a:r>
             <a:r>
               <a:rPr lang="en-US" sz="1200" dirty="0"/>
-              <a:t>(limit)</a:t>
+              <a:t>(</a:t>
+            </a:r>
+            <a:r>
+              <a:rPr lang="en-US" sz="1200" dirty="0" err="1"/>
+              <a:t>args</a:t>
+            </a:r>
+            <a:r>
+              <a:rPr lang="en-US" sz="1200" dirty="0"/>
+              <a:t>)</a:t>
             </a:r>
           </a:p>
         </p:txBody>
@@ -5997,10 +6013,10 @@
       </p:cxnSp>
       <p:sp>
         <p:nvSpPr>
-          <p:cNvPr id="156" name="Rectangle 155">
-            <a:extLst>
-              <a:ext uri="{FF2B5EF4-FFF2-40B4-BE49-F238E27FC236}">
-                <a16:creationId xmlns:a16="http://schemas.microsoft.com/office/drawing/2014/main" id="{7B478F51-292E-8D49-9C77-CC6A9534F4D1}"/>
+          <p:cNvPr id="157" name="Rectangle 156">
+            <a:extLst>
+              <a:ext uri="{FF2B5EF4-FFF2-40B4-BE49-F238E27FC236}">
+                <a16:creationId xmlns:a16="http://schemas.microsoft.com/office/drawing/2014/main" id="{D6F1504D-FAAC-D841-8112-B8871E5795A0}"/>
               </a:ext>
             </a:extLst>
           </p:cNvPr>
@@ -6009,8 +6025,8 @@
         </p:nvSpPr>
         <p:spPr>
           <a:xfrm>
-            <a:off x="6487745" y="997229"/>
-            <a:ext cx="152400" cy="276003"/>
+            <a:off x="6472750" y="1524274"/>
+            <a:ext cx="161322" cy="893228"/>
           </a:xfrm>
           <a:prstGeom prst="rect">
             <a:avLst/>
@@ -6050,10 +6066,10 @@
       </p:sp>
       <p:sp>
         <p:nvSpPr>
-          <p:cNvPr id="157" name="Rectangle 156">
-            <a:extLst>
-              <a:ext uri="{FF2B5EF4-FFF2-40B4-BE49-F238E27FC236}">
-                <a16:creationId xmlns:a16="http://schemas.microsoft.com/office/drawing/2014/main" id="{D6F1504D-FAAC-D841-8112-B8871E5795A0}"/>
+          <p:cNvPr id="158" name="Rectangle 62">
+            <a:extLst>
+              <a:ext uri="{FF2B5EF4-FFF2-40B4-BE49-F238E27FC236}">
+                <a16:creationId xmlns:a16="http://schemas.microsoft.com/office/drawing/2014/main" id="{73857DEB-C885-B941-98F7-7BA292B291F2}"/>
               </a:ext>
             </a:extLst>
           </p:cNvPr>
@@ -6062,60 +6078,7 @@
         </p:nvSpPr>
         <p:spPr>
           <a:xfrm>
-            <a:off x="6472750" y="1524274"/>
-            <a:ext cx="161322" cy="893228"/>
-          </a:xfrm>
-          <a:prstGeom prst="rect">
-            <a:avLst/>
-          </a:prstGeom>
-          <a:solidFill>
-            <a:srgbClr val="0070C0"/>
-          </a:solidFill>
-          <a:ln>
-            <a:solidFill>
-              <a:srgbClr val="0070C0"/>
-            </a:solidFill>
-          </a:ln>
-          <a:effectLst/>
-        </p:spPr>
-        <p:style>
-          <a:lnRef idx="1">
-            <a:schemeClr val="accent3"/>
-          </a:lnRef>
-          <a:fillRef idx="2">
-            <a:schemeClr val="accent3"/>
-          </a:fillRef>
-          <a:effectRef idx="1">
-            <a:schemeClr val="accent3"/>
-          </a:effectRef>
-          <a:fontRef idx="minor">
-            <a:schemeClr val="dk1"/>
-          </a:fontRef>
-        </p:style>
-        <p:txBody>
-          <a:bodyPr rtlCol="0" anchor="ctr"/>
-          <a:lstStyle/>
-          <a:p>
-            <a:pPr algn="ctr"/>
-            <a:endParaRPr lang="en-SG" sz="1200"/>
-          </a:p>
-        </p:txBody>
-      </p:sp>
-      <p:sp>
-        <p:nvSpPr>
-          <p:cNvPr id="158" name="Rectangle 62">
-            <a:extLst>
-              <a:ext uri="{FF2B5EF4-FFF2-40B4-BE49-F238E27FC236}">
-                <a16:creationId xmlns:a16="http://schemas.microsoft.com/office/drawing/2014/main" id="{73857DEB-C885-B941-98F7-7BA292B291F2}"/>
-              </a:ext>
-            </a:extLst>
-          </p:cNvPr>
-          <p:cNvSpPr/>
-          <p:nvPr/>
-        </p:nvSpPr>
-        <p:spPr>
-          <a:xfrm>
-            <a:off x="6125125" y="809316"/>
+            <a:off x="6125125" y="880499"/>
             <a:ext cx="899296" cy="338701"/>
           </a:xfrm>
           <a:prstGeom prst="rect">
@@ -6374,7 +6337,7 @@
         </p:nvSpPr>
         <p:spPr>
           <a:xfrm>
-            <a:off x="4734152" y="2824417"/>
+            <a:off x="4734152" y="2748217"/>
             <a:ext cx="1862029" cy="161583"/>
           </a:xfrm>
           <a:prstGeom prst="rect">
@@ -6427,7 +6390,7 @@
         </p:nvCxnSpPr>
         <p:spPr>
           <a:xfrm>
-            <a:off x="4882788" y="3060791"/>
+            <a:off x="4882788" y="2984591"/>
             <a:ext cx="1597679" cy="0"/>
           </a:xfrm>
           <a:prstGeom prst="straightConnector1">
@@ -6472,7 +6435,7 @@
         </p:nvCxnSpPr>
         <p:spPr>
           <a:xfrm>
-            <a:off x="4880669" y="3343179"/>
+            <a:off x="4880669" y="3276600"/>
             <a:ext cx="2067050" cy="0"/>
           </a:xfrm>
           <a:prstGeom prst="straightConnector1">
@@ -6516,7 +6479,7 @@
         </p:nvSpPr>
         <p:spPr>
           <a:xfrm>
-            <a:off x="6871519" y="3141938"/>
+            <a:off x="6871519" y="3075359"/>
             <a:ext cx="152400" cy="201241"/>
           </a:xfrm>
           <a:prstGeom prst="rect">
@@ -7078,8 +7041,8 @@
         </p:nvCxnSpPr>
         <p:spPr>
           <a:xfrm rot="16200000" flipH="1">
-            <a:off x="6884456" y="5315270"/>
-            <a:ext cx="132857" cy="63372"/>
+            <a:off x="6913315" y="5602665"/>
+            <a:ext cx="99817" cy="63372"/>
           </a:xfrm>
           <a:prstGeom prst="bentConnector4">
             <a:avLst>
@@ -7127,7 +7090,7 @@
         <p:spPr>
           <a:xfrm>
             <a:off x="6944832" y="5113874"/>
-            <a:ext cx="118086" cy="193805"/>
+            <a:ext cx="111551" cy="491717"/>
           </a:xfrm>
           <a:prstGeom prst="rect">
             <a:avLst/>
@@ -7370,7 +7333,7 @@
         </p:nvSpPr>
         <p:spPr>
           <a:xfrm>
-            <a:off x="6995295" y="5420871"/>
+            <a:off x="6996412" y="5240907"/>
             <a:ext cx="2021298" cy="138499"/>
           </a:xfrm>
           <a:prstGeom prst="rect">
@@ -7431,8 +7394,8 @@
         </p:nvCxnSpPr>
         <p:spPr>
           <a:xfrm>
-            <a:off x="7023919" y="5558073"/>
-            <a:ext cx="2020495" cy="1536"/>
+            <a:off x="7062865" y="5379645"/>
+            <a:ext cx="1982666" cy="0"/>
           </a:xfrm>
           <a:prstGeom prst="straightConnector1">
             <a:avLst/>
@@ -7474,9 +7437,9 @@
           <p:nvPr/>
         </p:nvCxnSpPr>
         <p:spPr>
-          <a:xfrm>
-            <a:off x="7022233" y="5654782"/>
-            <a:ext cx="2027387" cy="3803"/>
+          <a:xfrm flipV="1">
+            <a:off x="7062865" y="5478621"/>
+            <a:ext cx="1987872" cy="2117"/>
           </a:xfrm>
           <a:prstGeom prst="straightConnector1">
             <a:avLst/>

--- a/docs/diagrams/SortSequenceDiagram.pptx
+++ b/docs/diagrams/SortSequenceDiagram.pptx
@@ -3456,8 +3456,8 @@
         </p:nvSpPr>
         <p:spPr>
           <a:xfrm>
-            <a:off x="8839200" y="-141126"/>
-            <a:ext cx="2362480" cy="7599506"/>
+            <a:off x="9229191" y="-141126"/>
+            <a:ext cx="2235512" cy="7532520"/>
           </a:xfrm>
           <a:prstGeom prst="roundRect">
             <a:avLst>
@@ -3525,7 +3525,7 @@
         </p:nvCxnSpPr>
         <p:spPr>
           <a:xfrm>
-            <a:off x="10466869" y="6339390"/>
+            <a:off x="10778540" y="6206253"/>
             <a:ext cx="0" cy="642126"/>
           </a:xfrm>
           <a:prstGeom prst="line">
@@ -3568,8 +3568,8 @@
         </p:nvSpPr>
         <p:spPr>
           <a:xfrm>
-            <a:off x="10392726" y="6553382"/>
-            <a:ext cx="148287" cy="250677"/>
+            <a:off x="10704397" y="6400801"/>
+            <a:ext cx="148287" cy="228600"/>
           </a:xfrm>
           <a:prstGeom prst="rect">
             <a:avLst/>
@@ -3621,8 +3621,8 @@
         </p:nvSpPr>
         <p:spPr>
           <a:xfrm>
-            <a:off x="-795864" y="-141127"/>
-            <a:ext cx="9568958" cy="7599507"/>
+            <a:off x="-795865" y="-141127"/>
+            <a:ext cx="9965185" cy="7532521"/>
           </a:xfrm>
           <a:prstGeom prst="roundRect">
             <a:avLst>
@@ -3691,7 +3691,7 @@
         <p:spPr>
           <a:xfrm>
             <a:off x="612740" y="120680"/>
-            <a:ext cx="1440" cy="7223404"/>
+            <a:ext cx="0" cy="7182852"/>
           </a:xfrm>
           <a:prstGeom prst="line">
             <a:avLst/>
@@ -3734,7 +3734,7 @@
         <p:spPr>
           <a:xfrm>
             <a:off x="533650" y="584068"/>
-            <a:ext cx="170508" cy="6616204"/>
+            <a:ext cx="170508" cy="6511565"/>
           </a:xfrm>
           <a:prstGeom prst="rect">
             <a:avLst/>
@@ -4302,8 +4302,8 @@
         </p:nvCxnSpPr>
         <p:spPr>
           <a:xfrm>
-            <a:off x="-856092" y="7200272"/>
-            <a:ext cx="1474996" cy="0"/>
+            <a:off x="-868605" y="7087149"/>
+            <a:ext cx="1487509" cy="8484"/>
           </a:xfrm>
           <a:prstGeom prst="straightConnector1">
             <a:avLst/>
@@ -4399,7 +4399,7 @@
         </p:nvSpPr>
         <p:spPr>
           <a:xfrm>
-            <a:off x="7175829" y="4314516"/>
+            <a:off x="7670029" y="4181379"/>
             <a:ext cx="1545260" cy="153716"/>
           </a:xfrm>
           <a:prstGeom prst="rect">
@@ -4559,7 +4559,7 @@
         </p:nvSpPr>
         <p:spPr>
           <a:xfrm>
-            <a:off x="8707062" y="3964517"/>
+            <a:off x="9292964" y="3831380"/>
             <a:ext cx="841636" cy="300180"/>
           </a:xfrm>
           <a:prstGeom prst="rect">
@@ -4626,7 +4626,7 @@
         </p:nvCxnSpPr>
         <p:spPr>
           <a:xfrm>
-            <a:off x="7017027" y="4511066"/>
+            <a:off x="7511227" y="4377929"/>
             <a:ext cx="2026220" cy="0"/>
           </a:xfrm>
           <a:prstGeom prst="straightConnector1">
@@ -4668,7 +4668,7 @@
         </p:nvSpPr>
         <p:spPr>
           <a:xfrm>
-            <a:off x="7916449" y="5054722"/>
+            <a:off x="8410649" y="4921585"/>
             <a:ext cx="145147" cy="246221"/>
           </a:xfrm>
           <a:prstGeom prst="rect">
@@ -4804,8 +4804,8 @@
         </p:nvCxnSpPr>
         <p:spPr>
           <a:xfrm flipV="1">
-            <a:off x="691009" y="3697954"/>
-            <a:ext cx="6183813" cy="12652"/>
+            <a:off x="691009" y="3684647"/>
+            <a:ext cx="6674710" cy="25959"/>
           </a:xfrm>
           <a:prstGeom prst="straightConnector1">
             <a:avLst/>
@@ -4887,13 +4887,14 @@
           </p:cNvPr>
           <p:cNvCxnSpPr>
             <a:cxnSpLocks/>
+            <a:endCxn id="127" idx="2"/>
           </p:cNvCxnSpPr>
           <p:nvPr/>
         </p:nvCxnSpPr>
         <p:spPr>
-          <a:xfrm>
-            <a:off x="693522" y="7103833"/>
-            <a:ext cx="6156898" cy="0"/>
+          <a:xfrm flipV="1">
+            <a:off x="691009" y="6858000"/>
+            <a:ext cx="6735403" cy="25959"/>
           </a:xfrm>
           <a:prstGeom prst="straightConnector1">
             <a:avLst/>
@@ -4938,8 +4939,8 @@
         </p:nvCxnSpPr>
         <p:spPr>
           <a:xfrm flipV="1">
-            <a:off x="9193176" y="6797543"/>
-            <a:ext cx="1212361" cy="6516"/>
+            <a:off x="9710152" y="6629400"/>
+            <a:ext cx="1007056" cy="3802"/>
           </a:xfrm>
           <a:prstGeom prst="straightConnector1">
             <a:avLst/>
@@ -5028,8 +5029,8 @@
         </p:nvCxnSpPr>
         <p:spPr>
           <a:xfrm flipV="1">
-            <a:off x="9137129" y="6553384"/>
-            <a:ext cx="1248319" cy="1"/>
+            <a:off x="9690063" y="6420248"/>
+            <a:ext cx="1007056" cy="3802"/>
           </a:xfrm>
           <a:prstGeom prst="straightConnector1">
             <a:avLst/>
@@ -5070,7 +5071,7 @@
         </p:nvSpPr>
         <p:spPr>
           <a:xfrm>
-            <a:off x="3341162" y="6857344"/>
+            <a:off x="3352689" y="6691839"/>
             <a:ext cx="855809" cy="184666"/>
           </a:xfrm>
           <a:prstGeom prst="rect">
@@ -5265,7 +5266,7 @@
         </p:nvSpPr>
         <p:spPr>
           <a:xfrm>
-            <a:off x="6477014" y="4771716"/>
+            <a:off x="6971214" y="4638579"/>
             <a:ext cx="2861723" cy="1550053"/>
           </a:xfrm>
           <a:prstGeom prst="rect">
@@ -5309,7 +5310,7 @@
         </p:nvSpPr>
         <p:spPr>
           <a:xfrm rot="10800000" flipH="1">
-            <a:off x="6479121" y="4773471"/>
+            <a:off x="6973321" y="4640334"/>
             <a:ext cx="300368" cy="181498"/>
           </a:xfrm>
           <a:prstGeom prst="snip1Rect">
@@ -5353,7 +5354,7 @@
         </p:nvSpPr>
         <p:spPr>
           <a:xfrm>
-            <a:off x="6467839" y="4742809"/>
+            <a:off x="6962039" y="4609672"/>
             <a:ext cx="321734" cy="253916"/>
           </a:xfrm>
           <a:prstGeom prst="rect">
@@ -5394,7 +5395,7 @@
         </p:nvSpPr>
         <p:spPr>
           <a:xfrm>
-            <a:off x="7288548" y="4750234"/>
+            <a:off x="7782748" y="4617097"/>
             <a:ext cx="1258916" cy="246221"/>
           </a:xfrm>
           <a:prstGeom prst="rect">
@@ -5458,8 +5459,8 @@
         </p:nvCxnSpPr>
         <p:spPr>
           <a:xfrm flipH="1">
-            <a:off x="6934488" y="3016736"/>
-            <a:ext cx="16217" cy="4327348"/>
+            <a:off x="7432408" y="2883599"/>
+            <a:ext cx="12498" cy="4244852"/>
           </a:xfrm>
           <a:prstGeom prst="line">
             <a:avLst/>
@@ -5503,7 +5504,7 @@
         </p:nvCxnSpPr>
         <p:spPr>
           <a:xfrm>
-            <a:off x="6477013" y="5762316"/>
+            <a:off x="6971213" y="5629179"/>
             <a:ext cx="2861723" cy="2"/>
           </a:xfrm>
           <a:prstGeom prst="line">
@@ -5540,8 +5541,8 @@
         </p:nvSpPr>
         <p:spPr>
           <a:xfrm>
-            <a:off x="6855706" y="3693030"/>
-            <a:ext cx="144598" cy="3428140"/>
+            <a:off x="7358320" y="3672831"/>
+            <a:ext cx="136184" cy="3185169"/>
           </a:xfrm>
           <a:prstGeom prst="rect">
             <a:avLst/>
@@ -5593,7 +5594,7 @@
         </p:nvSpPr>
         <p:spPr>
           <a:xfrm>
-            <a:off x="6490020" y="2647737"/>
+            <a:off x="6984220" y="2514600"/>
             <a:ext cx="957828" cy="470162"/>
           </a:xfrm>
           <a:prstGeom prst="rect">
@@ -5673,7 +5674,7 @@
         </p:nvSpPr>
         <p:spPr>
           <a:xfrm>
-            <a:off x="7644182" y="5744695"/>
+            <a:off x="8138382" y="5611558"/>
             <a:ext cx="517772" cy="246221"/>
           </a:xfrm>
           <a:prstGeom prst="rect">
@@ -5715,7 +5716,7 @@
         </p:nvSpPr>
         <p:spPr>
           <a:xfrm>
-            <a:off x="6941647" y="5933468"/>
+            <a:off x="7435847" y="5800331"/>
             <a:ext cx="2021298" cy="138499"/>
           </a:xfrm>
           <a:prstGeom prst="rect">
@@ -6337,7 +6338,7 @@
         </p:nvSpPr>
         <p:spPr>
           <a:xfrm>
-            <a:off x="4734152" y="2748217"/>
+            <a:off x="5228352" y="2615080"/>
             <a:ext cx="1862029" cy="161583"/>
           </a:xfrm>
           <a:prstGeom prst="rect">
@@ -6390,8 +6391,8 @@
         </p:nvCxnSpPr>
         <p:spPr>
           <a:xfrm>
-            <a:off x="4882788" y="2984591"/>
-            <a:ext cx="1597679" cy="0"/>
+            <a:off x="4880669" y="2851454"/>
+            <a:ext cx="2093998" cy="0"/>
           </a:xfrm>
           <a:prstGeom prst="straightConnector1">
             <a:avLst/>
@@ -6435,8 +6436,8 @@
         </p:nvCxnSpPr>
         <p:spPr>
           <a:xfrm>
-            <a:off x="4880669" y="3276600"/>
-            <a:ext cx="2067050" cy="0"/>
+            <a:off x="4880669" y="3143463"/>
+            <a:ext cx="2561250" cy="0"/>
           </a:xfrm>
           <a:prstGeom prst="straightConnector1">
             <a:avLst/>
@@ -6479,7 +6480,7 @@
         </p:nvSpPr>
         <p:spPr>
           <a:xfrm>
-            <a:off x="6871519" y="3075359"/>
+            <a:off x="7365719" y="2942222"/>
             <a:ext cx="152400" cy="201241"/>
           </a:xfrm>
           <a:prstGeom prst="rect">
@@ -6532,7 +6533,7 @@
         </p:nvSpPr>
         <p:spPr>
           <a:xfrm>
-            <a:off x="-528079" y="6966517"/>
+            <a:off x="-539756" y="6861878"/>
             <a:ext cx="855809" cy="184666"/>
           </a:xfrm>
           <a:prstGeom prst="rect">
@@ -6614,7 +6615,7 @@
         </p:nvSpPr>
         <p:spPr>
           <a:xfrm>
-            <a:off x="7746024" y="3590960"/>
+            <a:off x="8240224" y="3591153"/>
             <a:ext cx="873206" cy="347331"/>
           </a:xfrm>
           <a:prstGeom prst="rect">
@@ -6687,7 +6688,7 @@
         </p:nvSpPr>
         <p:spPr>
           <a:xfrm>
-            <a:off x="8100810" y="3913366"/>
+            <a:off x="8595010" y="3913559"/>
             <a:ext cx="152400" cy="201241"/>
           </a:xfrm>
           <a:prstGeom prst="rect">
@@ -6742,7 +6743,7 @@
         </p:nvCxnSpPr>
         <p:spPr>
           <a:xfrm>
-            <a:off x="7000574" y="3817784"/>
+            <a:off x="7494774" y="3817977"/>
             <a:ext cx="744277" cy="0"/>
           </a:xfrm>
           <a:prstGeom prst="straightConnector1">
@@ -6786,7 +6787,7 @@
         </p:nvCxnSpPr>
         <p:spPr>
           <a:xfrm>
-            <a:off x="7023919" y="4114607"/>
+            <a:off x="7518119" y="4114800"/>
             <a:ext cx="1086617" cy="0"/>
           </a:xfrm>
           <a:prstGeom prst="straightConnector1">
@@ -6830,7 +6831,7 @@
         </p:nvSpPr>
         <p:spPr>
           <a:xfrm>
-            <a:off x="6972385" y="3470576"/>
+            <a:off x="7466585" y="3470769"/>
             <a:ext cx="751709" cy="323165"/>
           </a:xfrm>
           <a:prstGeom prst="rect">
@@ -6884,7 +6885,7 @@
         </p:nvSpPr>
         <p:spPr>
           <a:xfrm>
-            <a:off x="7242210" y="3945574"/>
+            <a:off x="7736410" y="3945767"/>
             <a:ext cx="751709" cy="161583"/>
           </a:xfrm>
           <a:prstGeom prst="rect">
@@ -6931,7 +6932,7 @@
         </p:nvSpPr>
         <p:spPr>
           <a:xfrm>
-            <a:off x="7266377" y="4968717"/>
+            <a:off x="7760577" y="4835580"/>
             <a:ext cx="1675521" cy="276999"/>
           </a:xfrm>
           <a:prstGeom prst="rect">
@@ -6991,7 +6992,7 @@
         </p:nvCxnSpPr>
         <p:spPr>
           <a:xfrm rot="16200000" flipH="1">
-            <a:off x="6975852" y="5042753"/>
+            <a:off x="7470052" y="4909616"/>
             <a:ext cx="82495" cy="63374"/>
           </a:xfrm>
           <a:prstGeom prst="bentConnector4">
@@ -7041,7 +7042,7 @@
         </p:nvCxnSpPr>
         <p:spPr>
           <a:xfrm rot="16200000" flipH="1">
-            <a:off x="6913315" y="5602665"/>
+            <a:off x="7407515" y="5469528"/>
             <a:ext cx="99817" cy="63372"/>
           </a:xfrm>
           <a:prstGeom prst="bentConnector4">
@@ -7089,7 +7090,7 @@
         </p:nvSpPr>
         <p:spPr>
           <a:xfrm>
-            <a:off x="6944832" y="5113874"/>
+            <a:off x="7439032" y="4980737"/>
             <a:ext cx="111551" cy="491717"/>
           </a:xfrm>
           <a:prstGeom prst="rect">
@@ -7147,7 +7148,7 @@
         </p:nvCxnSpPr>
         <p:spPr>
           <a:xfrm flipV="1">
-            <a:off x="7023919" y="6068392"/>
+            <a:off x="7518119" y="5935255"/>
             <a:ext cx="2019328" cy="9216"/>
           </a:xfrm>
           <a:prstGeom prst="straightConnector1">
@@ -7190,9 +7191,9 @@
           <p:nvPr/>
         </p:nvCxnSpPr>
         <p:spPr>
-          <a:xfrm flipH="1">
-            <a:off x="9110137" y="4267388"/>
-            <a:ext cx="21706" cy="3076696"/>
+          <a:xfrm>
+            <a:off x="9626043" y="4134251"/>
+            <a:ext cx="0" cy="3066021"/>
           </a:xfrm>
           <a:prstGeom prst="line">
             <a:avLst/>
@@ -7234,8 +7235,8 @@
         </p:nvSpPr>
         <p:spPr>
           <a:xfrm>
-            <a:off x="9047576" y="4433859"/>
-            <a:ext cx="148287" cy="2527689"/>
+            <a:off x="9541776" y="4300722"/>
+            <a:ext cx="148287" cy="2447955"/>
           </a:xfrm>
           <a:prstGeom prst="rect">
             <a:avLst/>
@@ -7289,7 +7290,7 @@
         </p:nvCxnSpPr>
         <p:spPr>
           <a:xfrm>
-            <a:off x="7017027" y="4648777"/>
+            <a:off x="7511227" y="4515640"/>
             <a:ext cx="2027387" cy="3803"/>
           </a:xfrm>
           <a:prstGeom prst="straightConnector1">
@@ -7333,7 +7334,7 @@
         </p:nvSpPr>
         <p:spPr>
           <a:xfrm>
-            <a:off x="6996412" y="5240907"/>
+            <a:off x="7490612" y="5107770"/>
             <a:ext cx="2021298" cy="138499"/>
           </a:xfrm>
           <a:prstGeom prst="rect">
@@ -7394,7 +7395,7 @@
         </p:nvCxnSpPr>
         <p:spPr>
           <a:xfrm>
-            <a:off x="7062865" y="5379645"/>
+            <a:off x="7557065" y="5246508"/>
             <a:ext cx="1982666" cy="0"/>
           </a:xfrm>
           <a:prstGeom prst="straightConnector1">
@@ -7438,7 +7439,7 @@
         </p:nvCxnSpPr>
         <p:spPr>
           <a:xfrm flipV="1">
-            <a:off x="7062865" y="5478621"/>
+            <a:off x="7557065" y="5345484"/>
             <a:ext cx="1987872" cy="2117"/>
           </a:xfrm>
           <a:prstGeom prst="straightConnector1">
@@ -7484,7 +7485,7 @@
         </p:nvCxnSpPr>
         <p:spPr>
           <a:xfrm>
-            <a:off x="7017813" y="6190940"/>
+            <a:off x="7512013" y="6057803"/>
             <a:ext cx="2027387" cy="3803"/>
           </a:xfrm>
           <a:prstGeom prst="straightConnector1">
@@ -7528,7 +7529,7 @@
         </p:nvSpPr>
         <p:spPr>
           <a:xfrm>
-            <a:off x="6934488" y="6339390"/>
+            <a:off x="7428688" y="6206253"/>
             <a:ext cx="2021298" cy="138499"/>
           </a:xfrm>
           <a:prstGeom prst="rect">
@@ -7589,7 +7590,7 @@
         </p:nvCxnSpPr>
         <p:spPr>
           <a:xfrm flipV="1">
-            <a:off x="7016760" y="6474314"/>
+            <a:off x="7510960" y="6341177"/>
             <a:ext cx="2019328" cy="9216"/>
           </a:xfrm>
           <a:prstGeom prst="straightConnector1">
@@ -7633,7 +7634,7 @@
         </p:nvCxnSpPr>
         <p:spPr>
           <a:xfrm>
-            <a:off x="7015860" y="6946331"/>
+            <a:off x="7504776" y="6747080"/>
             <a:ext cx="2027387" cy="3803"/>
           </a:xfrm>
           <a:prstGeom prst="straightConnector1">
@@ -7677,7 +7678,7 @@
         </p:nvSpPr>
         <p:spPr>
           <a:xfrm>
-            <a:off x="9940246" y="5925700"/>
+            <a:off x="10251917" y="5792563"/>
             <a:ext cx="1071754" cy="438021"/>
           </a:xfrm>
           <a:prstGeom prst="rect">
@@ -7753,7 +7754,7 @@
         </p:nvSpPr>
         <p:spPr>
           <a:xfrm>
-            <a:off x="9402780" y="6382877"/>
+            <a:off x="9714451" y="6249740"/>
             <a:ext cx="749439" cy="153888"/>
           </a:xfrm>
           <a:prstGeom prst="rect">
@@ -7804,7 +7805,7 @@
         </p:nvSpPr>
         <p:spPr>
           <a:xfrm>
-            <a:off x="6793347" y="7132104"/>
+            <a:off x="7287547" y="6934200"/>
             <a:ext cx="269315" cy="369332"/>
           </a:xfrm>
           <a:prstGeom prst="rect">
